--- a/src/main/resources/JAVA 8 Lambda表达式.pptx
+++ b/src/main/resources/JAVA 8 Lambda表达式.pptx
@@ -5,7 +5,7 @@
     <p:sldMasterId id="2147483648" r:id="rId1"/>
   </p:sldMasterIdLst>
   <p:notesMasterIdLst>
-    <p:notesMasterId r:id="rId19"/>
+    <p:notesMasterId r:id="rId25"/>
   </p:notesMasterIdLst>
   <p:sldIdLst>
     <p:sldId id="256" r:id="rId2"/>
@@ -25,6 +25,12 @@
     <p:sldId id="270" r:id="rId16"/>
     <p:sldId id="271" r:id="rId17"/>
     <p:sldId id="272" r:id="rId18"/>
+    <p:sldId id="273" r:id="rId19"/>
+    <p:sldId id="274" r:id="rId20"/>
+    <p:sldId id="275" r:id="rId21"/>
+    <p:sldId id="278" r:id="rId22"/>
+    <p:sldId id="276" r:id="rId23"/>
+    <p:sldId id="277" r:id="rId24"/>
   </p:sldIdLst>
   <p:sldSz cx="12192000" cy="6858000"/>
   <p:notesSz cx="6858000" cy="9144000"/>
@@ -213,7 +219,7 @@
           <a:p>
             <a:fld id="{53B8B4BF-1668-48A6-AD5F-46E8DEF220AD}" type="datetimeFigureOut">
               <a:rPr lang="zh-CN" altLang="en-US" smtClean="0"/>
-              <a:t>2017/5/24</a:t>
+              <a:t>2017/5/25</a:t>
             </a:fld>
             <a:endParaRPr lang="zh-CN" altLang="en-US"/>
           </a:p>
@@ -11288,10 +11294,141 @@
           <a:lstStyle/>
           <a:p>
             <a:r>
-              <a:rPr lang="en-US" altLang="zh-CN" smtClean="0"/>
+              <a:rPr lang="en-US" altLang="zh-CN" dirty="0" smtClean="0"/>
               <a:t>http://www.cnblogs.com/chenpi/p/5897713.html</a:t>
             </a:r>
-            <a:endParaRPr lang="zh-CN" altLang="en-US"/>
+          </a:p>
+          <a:p>
+            <a:endParaRPr lang="en-US" altLang="zh-CN" dirty="0" smtClean="0"/>
+          </a:p>
+          <a:p>
+            <a:r>
+              <a:rPr lang="en-US" altLang="zh-CN" dirty="0" smtClean="0"/>
+              <a:t>@</a:t>
+            </a:r>
+            <a:r>
+              <a:rPr lang="en-US" altLang="zh-CN" dirty="0" err="1" smtClean="0"/>
+              <a:t>FunctionalInterface</a:t>
+            </a:r>
+            <a:endParaRPr lang="en-US" altLang="zh-CN" dirty="0" smtClean="0"/>
+          </a:p>
+          <a:p>
+            <a:r>
+              <a:rPr lang="en-US" altLang="zh-CN" dirty="0" smtClean="0"/>
+              <a:t>public interface </a:t>
+            </a:r>
+            <a:r>
+              <a:rPr lang="en-US" altLang="zh-CN" dirty="0" err="1" smtClean="0"/>
+              <a:t>GreetingService</a:t>
+            </a:r>
+            <a:r>
+              <a:rPr lang="en-US" altLang="zh-CN" dirty="0" smtClean="0"/>
+              <a:t> {</a:t>
+            </a:r>
+          </a:p>
+          <a:p>
+            <a:endParaRPr lang="en-US" altLang="zh-CN" dirty="0" smtClean="0"/>
+          </a:p>
+          <a:p>
+            <a:r>
+              <a:rPr lang="en-US" altLang="zh-CN" dirty="0" smtClean="0"/>
+              <a:t>    void </a:t>
+            </a:r>
+            <a:r>
+              <a:rPr lang="en-US" altLang="zh-CN" dirty="0" err="1" smtClean="0"/>
+              <a:t>sayMessage</a:t>
+            </a:r>
+            <a:r>
+              <a:rPr lang="en-US" altLang="zh-CN" dirty="0" smtClean="0"/>
+              <a:t>(String message);</a:t>
+            </a:r>
+          </a:p>
+          <a:p>
+            <a:endParaRPr lang="en-US" altLang="zh-CN" dirty="0" smtClean="0"/>
+          </a:p>
+          <a:p>
+            <a:r>
+              <a:rPr lang="en-US" altLang="zh-CN" dirty="0" smtClean="0"/>
+              <a:t>    static void </a:t>
+            </a:r>
+            <a:r>
+              <a:rPr lang="en-US" altLang="zh-CN" dirty="0" err="1" smtClean="0"/>
+              <a:t>printHello</a:t>
+            </a:r>
+            <a:r>
+              <a:rPr lang="en-US" altLang="zh-CN" dirty="0" smtClean="0"/>
+              <a:t>() {</a:t>
+            </a:r>
+          </a:p>
+          <a:p>
+            <a:r>
+              <a:rPr lang="en-US" altLang="zh-CN" dirty="0" smtClean="0"/>
+              <a:t>        </a:t>
+            </a:r>
+            <a:r>
+              <a:rPr lang="en-US" altLang="zh-CN" dirty="0" err="1" smtClean="0"/>
+              <a:t>System.out.println</a:t>
+            </a:r>
+            <a:r>
+              <a:rPr lang="en-US" altLang="zh-CN" dirty="0" smtClean="0"/>
+              <a:t>("Hello..");</a:t>
+            </a:r>
+          </a:p>
+          <a:p>
+            <a:r>
+              <a:rPr lang="en-US" altLang="zh-CN" dirty="0" smtClean="0"/>
+              <a:t>    }</a:t>
+            </a:r>
+          </a:p>
+          <a:p>
+            <a:endParaRPr lang="en-US" altLang="zh-CN" dirty="0" smtClean="0"/>
+          </a:p>
+          <a:p>
+            <a:r>
+              <a:rPr lang="en-US" altLang="zh-CN" dirty="0" smtClean="0"/>
+              <a:t>    //</a:t>
+            </a:r>
+            <a:r>
+              <a:rPr lang="zh-CN" altLang="en-US" dirty="0" smtClean="0"/>
+              <a:t>可以在接口中定义默认方法</a:t>
+            </a:r>
+          </a:p>
+          <a:p>
+            <a:r>
+              <a:rPr lang="zh-CN" altLang="en-US" dirty="0" smtClean="0"/>
+              <a:t>    </a:t>
+            </a:r>
+            <a:r>
+              <a:rPr lang="en-US" altLang="zh-CN" dirty="0" smtClean="0"/>
+              <a:t>default void doSomeMoreWork1() {</a:t>
+            </a:r>
+          </a:p>
+          <a:p>
+            <a:r>
+              <a:rPr lang="en-US" altLang="zh-CN" dirty="0" smtClean="0"/>
+              <a:t>        </a:t>
+            </a:r>
+            <a:r>
+              <a:rPr lang="en-US" altLang="zh-CN" dirty="0" err="1" smtClean="0"/>
+              <a:t>System.out.println</a:t>
+            </a:r>
+            <a:r>
+              <a:rPr lang="en-US" altLang="zh-CN" dirty="0" smtClean="0"/>
+              <a:t>("default method invoke");</a:t>
+            </a:r>
+          </a:p>
+          <a:p>
+            <a:r>
+              <a:rPr lang="en-US" altLang="zh-CN" dirty="0" smtClean="0"/>
+              <a:t>    }</a:t>
+            </a:r>
+          </a:p>
+          <a:p>
+            <a:r>
+              <a:rPr lang="en-US" altLang="zh-CN" dirty="0" smtClean="0"/>
+              <a:t>}</a:t>
+            </a:r>
+            <a:endParaRPr lang="zh-CN" altLang="en-US" dirty="0"/>
           </a:p>
         </p:txBody>
       </p:sp>
@@ -11322,6 +11459,320 @@
     <p:extLst>
       <p:ext uri="{BB962C8B-B14F-4D97-AF65-F5344CB8AC3E}">
         <p14:creationId xmlns:p14="http://schemas.microsoft.com/office/powerpoint/2010/main" val="1096447417"/>
+      </p:ext>
+    </p:extLst>
+  </p:cSld>
+  <p:clrMapOvr>
+    <a:masterClrMapping/>
+  </p:clrMapOvr>
+</p:notes>
+</file>
+
+<file path=ppt/notesSlides/notesSlide18.xml><?xml version="1.0" encoding="utf-8"?>
+<p:notes xmlns:a="http://schemas.openxmlformats.org/drawingml/2006/main" xmlns:r="http://schemas.openxmlformats.org/officeDocument/2006/relationships" xmlns:p="http://schemas.openxmlformats.org/presentationml/2006/main">
+  <p:cSld>
+    <p:spTree>
+      <p:nvGrpSpPr>
+        <p:cNvPr id="1" name=""/>
+        <p:cNvGrpSpPr/>
+        <p:nvPr/>
+      </p:nvGrpSpPr>
+      <p:grpSpPr>
+        <a:xfrm>
+          <a:off x="0" y="0"/>
+          <a:ext cx="0" cy="0"/>
+          <a:chOff x="0" y="0"/>
+          <a:chExt cx="0" cy="0"/>
+        </a:xfrm>
+      </p:grpSpPr>
+      <p:sp>
+        <p:nvSpPr>
+          <p:cNvPr id="2" name="幻灯片图像占位符 1"/>
+          <p:cNvSpPr>
+            <a:spLocks noGrp="1" noRot="1" noChangeAspect="1"/>
+          </p:cNvSpPr>
+          <p:nvPr>
+            <p:ph type="sldImg"/>
+          </p:nvPr>
+        </p:nvSpPr>
+        <p:spPr/>
+      </p:sp>
+      <p:sp>
+        <p:nvSpPr>
+          <p:cNvPr id="3" name="备注占位符 2"/>
+          <p:cNvSpPr>
+            <a:spLocks noGrp="1"/>
+          </p:cNvSpPr>
+          <p:nvPr>
+            <p:ph type="body" idx="1"/>
+          </p:nvPr>
+        </p:nvSpPr>
+        <p:spPr/>
+        <p:txBody>
+          <a:bodyPr/>
+          <a:lstStyle/>
+          <a:p>
+            <a:r>
+              <a:rPr lang="en-US" altLang="zh-CN" dirty="0" smtClean="0"/>
+              <a:t>public interface </a:t>
+            </a:r>
+            <a:r>
+              <a:rPr lang="en-US" altLang="zh-CN" dirty="0" err="1" smtClean="0"/>
+              <a:t>Iterable</a:t>
+            </a:r>
+            <a:r>
+              <a:rPr lang="en-US" altLang="zh-CN" dirty="0" smtClean="0"/>
+              <a:t>&lt;T&gt; {</a:t>
+            </a:r>
+          </a:p>
+          <a:p>
+            <a:r>
+              <a:rPr lang="en-US" altLang="zh-CN" dirty="0" smtClean="0"/>
+              <a:t>    Iterator&lt;T&gt; iterator();</a:t>
+            </a:r>
+          </a:p>
+          <a:p>
+            <a:r>
+              <a:rPr lang="en-US" altLang="zh-CN" dirty="0" smtClean="0"/>
+              <a:t>    default void </a:t>
+            </a:r>
+            <a:r>
+              <a:rPr lang="en-US" altLang="zh-CN" dirty="0" err="1" smtClean="0"/>
+              <a:t>forEach</a:t>
+            </a:r>
+            <a:r>
+              <a:rPr lang="en-US" altLang="zh-CN" dirty="0" smtClean="0"/>
+              <a:t>(Consumer&lt;? super T&gt; action) {</a:t>
+            </a:r>
+          </a:p>
+          <a:p>
+            <a:r>
+              <a:rPr lang="en-US" altLang="zh-CN" dirty="0" smtClean="0"/>
+              <a:t>        </a:t>
+            </a:r>
+            <a:r>
+              <a:rPr lang="en-US" altLang="zh-CN" dirty="0" err="1" smtClean="0"/>
+              <a:t>Objects.requireNonNull</a:t>
+            </a:r>
+            <a:r>
+              <a:rPr lang="en-US" altLang="zh-CN" dirty="0" smtClean="0"/>
+              <a:t>(action);</a:t>
+            </a:r>
+          </a:p>
+          <a:p>
+            <a:r>
+              <a:rPr lang="en-US" altLang="zh-CN" dirty="0" smtClean="0"/>
+              <a:t>        for (T </a:t>
+            </a:r>
+            <a:r>
+              <a:rPr lang="en-US" altLang="zh-CN" dirty="0" err="1" smtClean="0"/>
+              <a:t>t</a:t>
+            </a:r>
+            <a:r>
+              <a:rPr lang="en-US" altLang="zh-CN" dirty="0" smtClean="0"/>
+              <a:t> : this) {</a:t>
+            </a:r>
+          </a:p>
+          <a:p>
+            <a:r>
+              <a:rPr lang="en-US" altLang="zh-CN" dirty="0" smtClean="0"/>
+              <a:t>            </a:t>
+            </a:r>
+            <a:r>
+              <a:rPr lang="en-US" altLang="zh-CN" dirty="0" err="1" smtClean="0"/>
+              <a:t>action.accept</a:t>
+            </a:r>
+            <a:r>
+              <a:rPr lang="en-US" altLang="zh-CN" dirty="0" smtClean="0"/>
+              <a:t>(t);</a:t>
+            </a:r>
+          </a:p>
+          <a:p>
+            <a:r>
+              <a:rPr lang="en-US" altLang="zh-CN" dirty="0" smtClean="0"/>
+              <a:t>        }</a:t>
+            </a:r>
+          </a:p>
+          <a:p>
+            <a:r>
+              <a:rPr lang="en-US" altLang="zh-CN" dirty="0" smtClean="0"/>
+              <a:t>    }</a:t>
+            </a:r>
+          </a:p>
+          <a:p>
+            <a:r>
+              <a:rPr lang="en-US" altLang="zh-CN" dirty="0" smtClean="0"/>
+              <a:t>    default </a:t>
+            </a:r>
+            <a:r>
+              <a:rPr lang="en-US" altLang="zh-CN" dirty="0" err="1" smtClean="0"/>
+              <a:t>Spliterator</a:t>
+            </a:r>
+            <a:r>
+              <a:rPr lang="en-US" altLang="zh-CN" dirty="0" smtClean="0"/>
+              <a:t>&lt;T&gt; </a:t>
+            </a:r>
+            <a:r>
+              <a:rPr lang="en-US" altLang="zh-CN" dirty="0" err="1" smtClean="0"/>
+              <a:t>spliterator</a:t>
+            </a:r>
+            <a:r>
+              <a:rPr lang="en-US" altLang="zh-CN" dirty="0" smtClean="0"/>
+              <a:t>() {</a:t>
+            </a:r>
+          </a:p>
+          <a:p>
+            <a:r>
+              <a:rPr lang="en-US" altLang="zh-CN" dirty="0" smtClean="0"/>
+              <a:t>        return </a:t>
+            </a:r>
+            <a:r>
+              <a:rPr lang="en-US" altLang="zh-CN" dirty="0" err="1" smtClean="0"/>
+              <a:t>Spliterators.spliteratorUnknownSize</a:t>
+            </a:r>
+            <a:r>
+              <a:rPr lang="en-US" altLang="zh-CN" dirty="0" smtClean="0"/>
+              <a:t>(iterator(), 0);</a:t>
+            </a:r>
+          </a:p>
+          <a:p>
+            <a:r>
+              <a:rPr lang="en-US" altLang="zh-CN" dirty="0" smtClean="0"/>
+              <a:t>    }</a:t>
+            </a:r>
+          </a:p>
+          <a:p>
+            <a:r>
+              <a:rPr lang="en-US" altLang="zh-CN" dirty="0" smtClean="0"/>
+              <a:t>}</a:t>
+            </a:r>
+          </a:p>
+          <a:p>
+            <a:endParaRPr lang="zh-CN" altLang="en-US" dirty="0"/>
+          </a:p>
+        </p:txBody>
+      </p:sp>
+      <p:sp>
+        <p:nvSpPr>
+          <p:cNvPr id="4" name="灯片编号占位符 3"/>
+          <p:cNvSpPr>
+            <a:spLocks noGrp="1"/>
+          </p:cNvSpPr>
+          <p:nvPr>
+            <p:ph type="sldNum" sz="quarter" idx="10"/>
+          </p:nvPr>
+        </p:nvSpPr>
+        <p:spPr/>
+        <p:txBody>
+          <a:bodyPr/>
+          <a:lstStyle/>
+          <a:p>
+            <a:fld id="{AFE7BD3E-3FA7-4F3F-AF51-37770D65EE70}" type="slidenum">
+              <a:rPr lang="zh-CN" altLang="en-US" smtClean="0"/>
+              <a:t>18</a:t>
+            </a:fld>
+            <a:endParaRPr lang="zh-CN" altLang="en-US"/>
+          </a:p>
+        </p:txBody>
+      </p:sp>
+    </p:spTree>
+    <p:extLst>
+      <p:ext uri="{BB962C8B-B14F-4D97-AF65-F5344CB8AC3E}">
+        <p14:creationId xmlns:p14="http://schemas.microsoft.com/office/powerpoint/2010/main" val="2141549157"/>
+      </p:ext>
+    </p:extLst>
+  </p:cSld>
+  <p:clrMapOvr>
+    <a:masterClrMapping/>
+  </p:clrMapOvr>
+</p:notes>
+</file>
+
+<file path=ppt/notesSlides/notesSlide19.xml><?xml version="1.0" encoding="utf-8"?>
+<p:notes xmlns:a="http://schemas.openxmlformats.org/drawingml/2006/main" xmlns:r="http://schemas.openxmlformats.org/officeDocument/2006/relationships" xmlns:p="http://schemas.openxmlformats.org/presentationml/2006/main">
+  <p:cSld>
+    <p:spTree>
+      <p:nvGrpSpPr>
+        <p:cNvPr id="1" name=""/>
+        <p:cNvGrpSpPr/>
+        <p:nvPr/>
+      </p:nvGrpSpPr>
+      <p:grpSpPr>
+        <a:xfrm>
+          <a:off x="0" y="0"/>
+          <a:ext cx="0" cy="0"/>
+          <a:chOff x="0" y="0"/>
+          <a:chExt cx="0" cy="0"/>
+        </a:xfrm>
+      </p:grpSpPr>
+      <p:sp>
+        <p:nvSpPr>
+          <p:cNvPr id="2" name="幻灯片图像占位符 1"/>
+          <p:cNvSpPr>
+            <a:spLocks noGrp="1" noRot="1" noChangeAspect="1"/>
+          </p:cNvSpPr>
+          <p:nvPr>
+            <p:ph type="sldImg"/>
+          </p:nvPr>
+        </p:nvSpPr>
+        <p:spPr/>
+      </p:sp>
+      <p:sp>
+        <p:nvSpPr>
+          <p:cNvPr id="3" name="备注占位符 2"/>
+          <p:cNvSpPr>
+            <a:spLocks noGrp="1"/>
+          </p:cNvSpPr>
+          <p:nvPr>
+            <p:ph type="body" idx="1"/>
+          </p:nvPr>
+        </p:nvSpPr>
+        <p:spPr/>
+        <p:txBody>
+          <a:bodyPr/>
+          <a:lstStyle/>
+          <a:p>
+            <a:r>
+              <a:rPr lang="en-US" altLang="zh-CN" dirty="0" smtClean="0"/>
+              <a:t>http://ebnbin.com/2015/12/20/java-8-default-methods/</a:t>
+            </a:r>
+          </a:p>
+          <a:p>
+            <a:r>
+              <a:rPr lang="en-US" altLang="zh-CN" dirty="0" smtClean="0"/>
+              <a:t>http://www.cnblogs.com/chenpi/p/5897713.html</a:t>
+            </a:r>
+            <a:endParaRPr lang="zh-CN" altLang="en-US" dirty="0"/>
+          </a:p>
+        </p:txBody>
+      </p:sp>
+      <p:sp>
+        <p:nvSpPr>
+          <p:cNvPr id="4" name="灯片编号占位符 3"/>
+          <p:cNvSpPr>
+            <a:spLocks noGrp="1"/>
+          </p:cNvSpPr>
+          <p:nvPr>
+            <p:ph type="sldNum" sz="quarter" idx="10"/>
+          </p:nvPr>
+        </p:nvSpPr>
+        <p:spPr/>
+        <p:txBody>
+          <a:bodyPr/>
+          <a:lstStyle/>
+          <a:p>
+            <a:fld id="{AFE7BD3E-3FA7-4F3F-AF51-37770D65EE70}" type="slidenum">
+              <a:rPr lang="zh-CN" altLang="en-US" smtClean="0"/>
+              <a:t>19</a:t>
+            </a:fld>
+            <a:endParaRPr lang="zh-CN" altLang="en-US"/>
+          </a:p>
+        </p:txBody>
+      </p:sp>
+    </p:spTree>
+    <p:extLst>
+      <p:ext uri="{BB962C8B-B14F-4D97-AF65-F5344CB8AC3E}">
+        <p14:creationId xmlns:p14="http://schemas.microsoft.com/office/powerpoint/2010/main" val="1870206584"/>
       </p:ext>
     </p:extLst>
   </p:cSld>
@@ -11929,6 +12380,2239 @@
     <p:extLst>
       <p:ext uri="{BB962C8B-B14F-4D97-AF65-F5344CB8AC3E}">
         <p14:creationId xmlns:p14="http://schemas.microsoft.com/office/powerpoint/2010/main" val="103003070"/>
+      </p:ext>
+    </p:extLst>
+  </p:cSld>
+  <p:clrMapOvr>
+    <a:masterClrMapping/>
+  </p:clrMapOvr>
+</p:notes>
+</file>
+
+<file path=ppt/notesSlides/notesSlide20.xml><?xml version="1.0" encoding="utf-8"?>
+<p:notes xmlns:a="http://schemas.openxmlformats.org/drawingml/2006/main" xmlns:r="http://schemas.openxmlformats.org/officeDocument/2006/relationships" xmlns:p="http://schemas.openxmlformats.org/presentationml/2006/main">
+  <p:cSld>
+    <p:spTree>
+      <p:nvGrpSpPr>
+        <p:cNvPr id="1" name=""/>
+        <p:cNvGrpSpPr/>
+        <p:nvPr/>
+      </p:nvGrpSpPr>
+      <p:grpSpPr>
+        <a:xfrm>
+          <a:off x="0" y="0"/>
+          <a:ext cx="0" cy="0"/>
+          <a:chOff x="0" y="0"/>
+          <a:chExt cx="0" cy="0"/>
+        </a:xfrm>
+      </p:grpSpPr>
+      <p:sp>
+        <p:nvSpPr>
+          <p:cNvPr id="2" name="幻灯片图像占位符 1"/>
+          <p:cNvSpPr>
+            <a:spLocks noGrp="1" noRot="1" noChangeAspect="1"/>
+          </p:cNvSpPr>
+          <p:nvPr>
+            <p:ph type="sldImg"/>
+          </p:nvPr>
+        </p:nvSpPr>
+        <p:spPr/>
+      </p:sp>
+      <p:sp>
+        <p:nvSpPr>
+          <p:cNvPr id="3" name="备注占位符 2"/>
+          <p:cNvSpPr>
+            <a:spLocks noGrp="1"/>
+          </p:cNvSpPr>
+          <p:nvPr>
+            <p:ph type="body" idx="1"/>
+          </p:nvPr>
+        </p:nvSpPr>
+        <p:spPr/>
+        <p:txBody>
+          <a:bodyPr/>
+          <a:lstStyle/>
+          <a:p>
+            <a:r>
+              <a:rPr lang="en-US" altLang="zh-CN" dirty="0" smtClean="0"/>
+              <a:t>http://www.ruanyifeng.com/blog/2015/07/monad.html</a:t>
+            </a:r>
+          </a:p>
+          <a:p>
+            <a:r>
+              <a:rPr lang="en-US" altLang="zh-CN" dirty="0" smtClean="0"/>
+              <a:t>http://howtodoinjava.com/java-8/java-8-tutorial-streams-by-examples/</a:t>
+            </a:r>
+          </a:p>
+          <a:p>
+            <a:r>
+              <a:rPr lang="en-US" altLang="zh-CN" dirty="0" smtClean="0"/>
+              <a:t>https://www.ibm.com/developerworks/cn/java/j-lo-java8streamapi/</a:t>
+            </a:r>
+          </a:p>
+          <a:p>
+            <a:r>
+              <a:rPr lang="en-US" altLang="zh-CN" dirty="0" smtClean="0"/>
+              <a:t>http://www.cnblogs.com/chenpi/p/5915364.html#_</a:t>
+            </a:r>
+            <a:r>
+              <a:rPr lang="en-US" altLang="zh-CN" dirty="0" smtClean="0"/>
+              <a:t>label0</a:t>
+            </a:r>
+          </a:p>
+          <a:p>
+            <a:endParaRPr lang="en-US" altLang="zh-CN" dirty="0" smtClean="0"/>
+          </a:p>
+          <a:p>
+            <a:r>
+              <a:rPr lang="en-US" altLang="zh-CN" dirty="0" smtClean="0"/>
+              <a:t>-------------------------------</a:t>
+            </a:r>
+          </a:p>
+          <a:p>
+            <a:pPr fontAlgn="base"/>
+            <a:r>
+              <a:rPr lang="zh-CN" altLang="en-US" sz="1200" b="0" i="0" kern="1200" dirty="0" smtClean="0">
+                <a:solidFill>
+                  <a:schemeClr val="tx1"/>
+                </a:solidFill>
+                <a:effectLst/>
+                <a:latin typeface="+mn-lt"/>
+                <a:ea typeface="+mn-ea"/>
+                <a:cs typeface="+mn-cs"/>
+              </a:rPr>
+              <a:t>什么是</a:t>
+            </a:r>
+            <a:r>
+              <a:rPr lang="en-US" altLang="zh-CN" sz="1200" b="0" i="0" kern="1200" dirty="0" smtClean="0">
+                <a:solidFill>
+                  <a:schemeClr val="tx1"/>
+                </a:solidFill>
+                <a:effectLst/>
+                <a:latin typeface="+mn-lt"/>
+                <a:ea typeface="+mn-ea"/>
+                <a:cs typeface="+mn-cs"/>
+              </a:rPr>
+              <a:t>Stream </a:t>
+            </a:r>
+            <a:endParaRPr lang="zh-CN" altLang="en-US" sz="1200" b="0" i="0" kern="1200" dirty="0" smtClean="0">
+              <a:solidFill>
+                <a:schemeClr val="tx1"/>
+              </a:solidFill>
+              <a:effectLst/>
+              <a:latin typeface="+mn-lt"/>
+              <a:ea typeface="+mn-ea"/>
+              <a:cs typeface="+mn-cs"/>
+            </a:endParaRPr>
+          </a:p>
+          <a:p>
+            <a:pPr fontAlgn="base"/>
+            <a:r>
+              <a:rPr lang="en-US" altLang="zh-CN" sz="1200" b="0" i="0" kern="1200" dirty="0" smtClean="0">
+                <a:solidFill>
+                  <a:schemeClr val="tx1"/>
+                </a:solidFill>
+                <a:effectLst/>
+                <a:latin typeface="+mn-lt"/>
+                <a:ea typeface="+mn-ea"/>
+                <a:cs typeface="+mn-cs"/>
+              </a:rPr>
+              <a:t>Stream </a:t>
+            </a:r>
+            <a:r>
+              <a:rPr lang="zh-CN" altLang="en-US" sz="1200" b="0" i="0" kern="1200" dirty="0" smtClean="0">
+                <a:solidFill>
+                  <a:schemeClr val="tx1"/>
+                </a:solidFill>
+                <a:effectLst/>
+                <a:latin typeface="+mn-lt"/>
+                <a:ea typeface="+mn-ea"/>
+                <a:cs typeface="+mn-cs"/>
+              </a:rPr>
+              <a:t>不是集合元素，它不是数据结构并不保存数据，它是有关算法和计算的，它更像一个高级版本的 </a:t>
+            </a:r>
+            <a:r>
+              <a:rPr lang="en-US" altLang="zh-CN" sz="1200" b="0" i="0" kern="1200" dirty="0" smtClean="0">
+                <a:solidFill>
+                  <a:schemeClr val="tx1"/>
+                </a:solidFill>
+                <a:effectLst/>
+                <a:latin typeface="+mn-lt"/>
+                <a:ea typeface="+mn-ea"/>
+                <a:cs typeface="+mn-cs"/>
+              </a:rPr>
+              <a:t>Iterator</a:t>
+            </a:r>
+            <a:r>
+              <a:rPr lang="zh-CN" altLang="en-US" sz="1200" b="0" i="0" kern="1200" dirty="0" smtClean="0">
+                <a:solidFill>
+                  <a:schemeClr val="tx1"/>
+                </a:solidFill>
+                <a:effectLst/>
+                <a:latin typeface="+mn-lt"/>
+                <a:ea typeface="+mn-ea"/>
+                <a:cs typeface="+mn-cs"/>
+              </a:rPr>
+              <a:t>。原始版本的 </a:t>
+            </a:r>
+            <a:r>
+              <a:rPr lang="en-US" altLang="zh-CN" sz="1200" b="0" i="0" kern="1200" dirty="0" smtClean="0">
+                <a:solidFill>
+                  <a:schemeClr val="tx1"/>
+                </a:solidFill>
+                <a:effectLst/>
+                <a:latin typeface="+mn-lt"/>
+                <a:ea typeface="+mn-ea"/>
+                <a:cs typeface="+mn-cs"/>
+              </a:rPr>
+              <a:t>Iterator</a:t>
+            </a:r>
+            <a:r>
+              <a:rPr lang="zh-CN" altLang="en-US" sz="1200" b="0" i="0" kern="1200" dirty="0" smtClean="0">
+                <a:solidFill>
+                  <a:schemeClr val="tx1"/>
+                </a:solidFill>
+                <a:effectLst/>
+                <a:latin typeface="+mn-lt"/>
+                <a:ea typeface="+mn-ea"/>
+                <a:cs typeface="+mn-cs"/>
+              </a:rPr>
+              <a:t>，用户只能显式地一个一个遍历元素并对其执行某些操作；高级版本的 </a:t>
+            </a:r>
+            <a:r>
+              <a:rPr lang="en-US" altLang="zh-CN" sz="1200" b="0" i="0" kern="1200" dirty="0" smtClean="0">
+                <a:solidFill>
+                  <a:schemeClr val="tx1"/>
+                </a:solidFill>
+                <a:effectLst/>
+                <a:latin typeface="+mn-lt"/>
+                <a:ea typeface="+mn-ea"/>
+                <a:cs typeface="+mn-cs"/>
+              </a:rPr>
+              <a:t>Stream</a:t>
+            </a:r>
+            <a:r>
+              <a:rPr lang="zh-CN" altLang="en-US" sz="1200" b="0" i="0" kern="1200" dirty="0" smtClean="0">
+                <a:solidFill>
+                  <a:schemeClr val="tx1"/>
+                </a:solidFill>
+                <a:effectLst/>
+                <a:latin typeface="+mn-lt"/>
+                <a:ea typeface="+mn-ea"/>
+                <a:cs typeface="+mn-cs"/>
+              </a:rPr>
+              <a:t>，用户只要给出需要对其包含的元素执行什么操作，比如 “过滤掉长度大于 </a:t>
+            </a:r>
+            <a:r>
+              <a:rPr lang="en-US" altLang="zh-CN" sz="1200" b="0" i="0" kern="1200" dirty="0" smtClean="0">
+                <a:solidFill>
+                  <a:schemeClr val="tx1"/>
+                </a:solidFill>
+                <a:effectLst/>
+                <a:latin typeface="+mn-lt"/>
+                <a:ea typeface="+mn-ea"/>
+                <a:cs typeface="+mn-cs"/>
+              </a:rPr>
+              <a:t>10 </a:t>
+            </a:r>
+            <a:r>
+              <a:rPr lang="zh-CN" altLang="en-US" sz="1200" b="0" i="0" kern="1200" dirty="0" smtClean="0">
+                <a:solidFill>
+                  <a:schemeClr val="tx1"/>
+                </a:solidFill>
+                <a:effectLst/>
+                <a:latin typeface="+mn-lt"/>
+                <a:ea typeface="+mn-ea"/>
+                <a:cs typeface="+mn-cs"/>
+              </a:rPr>
+              <a:t>的字符串”、“获取每个字符串的首字母”等，</a:t>
+            </a:r>
+            <a:r>
+              <a:rPr lang="en-US" altLang="zh-CN" sz="1200" b="0" i="0" kern="1200" dirty="0" smtClean="0">
+                <a:solidFill>
+                  <a:schemeClr val="tx1"/>
+                </a:solidFill>
+                <a:effectLst/>
+                <a:latin typeface="+mn-lt"/>
+                <a:ea typeface="+mn-ea"/>
+                <a:cs typeface="+mn-cs"/>
+              </a:rPr>
+              <a:t>Stream </a:t>
+            </a:r>
+            <a:r>
+              <a:rPr lang="zh-CN" altLang="en-US" sz="1200" b="0" i="0" kern="1200" dirty="0" smtClean="0">
+                <a:solidFill>
+                  <a:schemeClr val="tx1"/>
+                </a:solidFill>
+                <a:effectLst/>
+                <a:latin typeface="+mn-lt"/>
+                <a:ea typeface="+mn-ea"/>
+                <a:cs typeface="+mn-cs"/>
+              </a:rPr>
+              <a:t>会隐式地在内部进行遍历，做出相应的数据转换。</a:t>
+            </a:r>
+          </a:p>
+          <a:p>
+            <a:pPr fontAlgn="base"/>
+            <a:r>
+              <a:rPr lang="en-US" altLang="zh-CN" sz="1200" b="0" i="0" kern="1200" dirty="0" smtClean="0">
+                <a:solidFill>
+                  <a:schemeClr val="tx1"/>
+                </a:solidFill>
+                <a:effectLst/>
+                <a:latin typeface="+mn-lt"/>
+                <a:ea typeface="+mn-ea"/>
+                <a:cs typeface="+mn-cs"/>
+              </a:rPr>
+              <a:t>Stream </a:t>
+            </a:r>
+            <a:r>
+              <a:rPr lang="zh-CN" altLang="en-US" sz="1200" b="0" i="0" kern="1200" dirty="0" smtClean="0">
+                <a:solidFill>
+                  <a:schemeClr val="tx1"/>
+                </a:solidFill>
+                <a:effectLst/>
+                <a:latin typeface="+mn-lt"/>
+                <a:ea typeface="+mn-ea"/>
+                <a:cs typeface="+mn-cs"/>
+              </a:rPr>
+              <a:t>就如同一个迭代器（</a:t>
+            </a:r>
+            <a:r>
+              <a:rPr lang="en-US" altLang="zh-CN" sz="1200" b="0" i="0" kern="1200" dirty="0" smtClean="0">
+                <a:solidFill>
+                  <a:schemeClr val="tx1"/>
+                </a:solidFill>
+                <a:effectLst/>
+                <a:latin typeface="+mn-lt"/>
+                <a:ea typeface="+mn-ea"/>
+                <a:cs typeface="+mn-cs"/>
+              </a:rPr>
+              <a:t>Iterator</a:t>
+            </a:r>
+            <a:r>
+              <a:rPr lang="zh-CN" altLang="en-US" sz="1200" b="0" i="0" kern="1200" dirty="0" smtClean="0">
+                <a:solidFill>
+                  <a:schemeClr val="tx1"/>
+                </a:solidFill>
+                <a:effectLst/>
+                <a:latin typeface="+mn-lt"/>
+                <a:ea typeface="+mn-ea"/>
+                <a:cs typeface="+mn-cs"/>
+              </a:rPr>
+              <a:t>），单向，不可往复，数据只能遍历一次，遍历过一次后即用尽了，就好比流水从面前流过，一去不复返。</a:t>
+            </a:r>
+          </a:p>
+          <a:p>
+            <a:pPr fontAlgn="base"/>
+            <a:r>
+              <a:rPr lang="zh-CN" altLang="en-US" sz="1200" b="0" i="0" kern="1200" dirty="0" smtClean="0">
+                <a:solidFill>
+                  <a:schemeClr val="tx1"/>
+                </a:solidFill>
+                <a:effectLst/>
+                <a:latin typeface="+mn-lt"/>
+                <a:ea typeface="+mn-ea"/>
+                <a:cs typeface="+mn-cs"/>
+              </a:rPr>
+              <a:t>而和迭代器又不同的是，</a:t>
+            </a:r>
+            <a:r>
+              <a:rPr lang="en-US" altLang="zh-CN" sz="1200" b="0" i="0" kern="1200" dirty="0" smtClean="0">
+                <a:solidFill>
+                  <a:schemeClr val="tx1"/>
+                </a:solidFill>
+                <a:effectLst/>
+                <a:latin typeface="+mn-lt"/>
+                <a:ea typeface="+mn-ea"/>
+                <a:cs typeface="+mn-cs"/>
+              </a:rPr>
+              <a:t>Stream </a:t>
+            </a:r>
+            <a:r>
+              <a:rPr lang="zh-CN" altLang="en-US" sz="1200" b="0" i="0" kern="1200" dirty="0" smtClean="0">
+                <a:solidFill>
+                  <a:schemeClr val="tx1"/>
+                </a:solidFill>
+                <a:effectLst/>
+                <a:latin typeface="+mn-lt"/>
+                <a:ea typeface="+mn-ea"/>
+                <a:cs typeface="+mn-cs"/>
+              </a:rPr>
+              <a:t>可以并行化操作，迭代器只能命令式地、串行化操作。顾名思义，当使用串行方式去遍历时，每个 </a:t>
+            </a:r>
+            <a:r>
+              <a:rPr lang="en-US" altLang="zh-CN" sz="1200" b="0" i="0" kern="1200" dirty="0" smtClean="0">
+                <a:solidFill>
+                  <a:schemeClr val="tx1"/>
+                </a:solidFill>
+                <a:effectLst/>
+                <a:latin typeface="+mn-lt"/>
+                <a:ea typeface="+mn-ea"/>
+                <a:cs typeface="+mn-cs"/>
+              </a:rPr>
+              <a:t>item </a:t>
+            </a:r>
+            <a:r>
+              <a:rPr lang="zh-CN" altLang="en-US" sz="1200" b="0" i="0" kern="1200" dirty="0" smtClean="0">
+                <a:solidFill>
+                  <a:schemeClr val="tx1"/>
+                </a:solidFill>
+                <a:effectLst/>
+                <a:latin typeface="+mn-lt"/>
+                <a:ea typeface="+mn-ea"/>
+                <a:cs typeface="+mn-cs"/>
+              </a:rPr>
+              <a:t>读完后再读下一个 </a:t>
+            </a:r>
+            <a:r>
+              <a:rPr lang="en-US" altLang="zh-CN" sz="1200" b="0" i="0" kern="1200" dirty="0" smtClean="0">
+                <a:solidFill>
+                  <a:schemeClr val="tx1"/>
+                </a:solidFill>
+                <a:effectLst/>
+                <a:latin typeface="+mn-lt"/>
+                <a:ea typeface="+mn-ea"/>
+                <a:cs typeface="+mn-cs"/>
+              </a:rPr>
+              <a:t>item</a:t>
+            </a:r>
+            <a:r>
+              <a:rPr lang="zh-CN" altLang="en-US" sz="1200" b="0" i="0" kern="1200" dirty="0" smtClean="0">
+                <a:solidFill>
+                  <a:schemeClr val="tx1"/>
+                </a:solidFill>
+                <a:effectLst/>
+                <a:latin typeface="+mn-lt"/>
+                <a:ea typeface="+mn-ea"/>
+                <a:cs typeface="+mn-cs"/>
+              </a:rPr>
+              <a:t>。而使用并行去遍历时，数据会被分成多个段，其中每一个都在不同的线程中处理，然后将结果一起输出。</a:t>
+            </a:r>
+            <a:r>
+              <a:rPr lang="en-US" altLang="zh-CN" sz="1200" b="0" i="0" kern="1200" dirty="0" smtClean="0">
+                <a:solidFill>
+                  <a:schemeClr val="tx1"/>
+                </a:solidFill>
+                <a:effectLst/>
+                <a:latin typeface="+mn-lt"/>
+                <a:ea typeface="+mn-ea"/>
+                <a:cs typeface="+mn-cs"/>
+              </a:rPr>
+              <a:t>Stream </a:t>
+            </a:r>
+            <a:r>
+              <a:rPr lang="zh-CN" altLang="en-US" sz="1200" b="0" i="0" kern="1200" dirty="0" smtClean="0">
+                <a:solidFill>
+                  <a:schemeClr val="tx1"/>
+                </a:solidFill>
+                <a:effectLst/>
+                <a:latin typeface="+mn-lt"/>
+                <a:ea typeface="+mn-ea"/>
+                <a:cs typeface="+mn-cs"/>
+              </a:rPr>
+              <a:t>的并行操作依赖于 </a:t>
+            </a:r>
+            <a:r>
+              <a:rPr lang="en-US" altLang="zh-CN" sz="1200" b="0" i="0" kern="1200" dirty="0" smtClean="0">
+                <a:solidFill>
+                  <a:schemeClr val="tx1"/>
+                </a:solidFill>
+                <a:effectLst/>
+                <a:latin typeface="+mn-lt"/>
+                <a:ea typeface="+mn-ea"/>
+                <a:cs typeface="+mn-cs"/>
+              </a:rPr>
+              <a:t>Java7 </a:t>
+            </a:r>
+            <a:r>
+              <a:rPr lang="zh-CN" altLang="en-US" sz="1200" b="0" i="0" kern="1200" dirty="0" smtClean="0">
+                <a:solidFill>
+                  <a:schemeClr val="tx1"/>
+                </a:solidFill>
+                <a:effectLst/>
+                <a:latin typeface="+mn-lt"/>
+                <a:ea typeface="+mn-ea"/>
+                <a:cs typeface="+mn-cs"/>
+              </a:rPr>
+              <a:t>中引入的 </a:t>
+            </a:r>
+            <a:r>
+              <a:rPr lang="en-US" altLang="zh-CN" sz="1200" b="0" i="0" kern="1200" dirty="0" smtClean="0">
+                <a:solidFill>
+                  <a:schemeClr val="tx1"/>
+                </a:solidFill>
+                <a:effectLst/>
+                <a:latin typeface="+mn-lt"/>
+                <a:ea typeface="+mn-ea"/>
+                <a:cs typeface="+mn-cs"/>
+              </a:rPr>
+              <a:t>Fork/Join </a:t>
+            </a:r>
+            <a:r>
+              <a:rPr lang="zh-CN" altLang="en-US" sz="1200" b="0" i="0" kern="1200" dirty="0" smtClean="0">
+                <a:solidFill>
+                  <a:schemeClr val="tx1"/>
+                </a:solidFill>
+                <a:effectLst/>
+                <a:latin typeface="+mn-lt"/>
+                <a:ea typeface="+mn-ea"/>
+                <a:cs typeface="+mn-cs"/>
+              </a:rPr>
+              <a:t>框架（</a:t>
+            </a:r>
+            <a:r>
+              <a:rPr lang="en-US" altLang="zh-CN" sz="1200" b="0" i="0" kern="1200" dirty="0" smtClean="0">
+                <a:solidFill>
+                  <a:schemeClr val="tx1"/>
+                </a:solidFill>
+                <a:effectLst/>
+                <a:latin typeface="+mn-lt"/>
+                <a:ea typeface="+mn-ea"/>
+                <a:cs typeface="+mn-cs"/>
+              </a:rPr>
+              <a:t>JSR166y</a:t>
+            </a:r>
+            <a:r>
+              <a:rPr lang="zh-CN" altLang="en-US" sz="1200" b="0" i="0" kern="1200" dirty="0" smtClean="0">
+                <a:solidFill>
+                  <a:schemeClr val="tx1"/>
+                </a:solidFill>
+                <a:effectLst/>
+                <a:latin typeface="+mn-lt"/>
+                <a:ea typeface="+mn-ea"/>
+                <a:cs typeface="+mn-cs"/>
+              </a:rPr>
+              <a:t>）来拆分任务和加速处理过程。</a:t>
+            </a:r>
+            <a:r>
+              <a:rPr lang="en-US" altLang="zh-CN" sz="1200" b="0" i="0" kern="1200" dirty="0" smtClean="0">
+                <a:solidFill>
+                  <a:schemeClr val="tx1"/>
+                </a:solidFill>
+                <a:effectLst/>
+                <a:latin typeface="+mn-lt"/>
+                <a:ea typeface="+mn-ea"/>
+                <a:cs typeface="+mn-cs"/>
+              </a:rPr>
+              <a:t>Java </a:t>
+            </a:r>
+            <a:r>
+              <a:rPr lang="zh-CN" altLang="en-US" sz="1200" b="0" i="0" kern="1200" dirty="0" smtClean="0">
+                <a:solidFill>
+                  <a:schemeClr val="tx1"/>
+                </a:solidFill>
+                <a:effectLst/>
+                <a:latin typeface="+mn-lt"/>
+                <a:ea typeface="+mn-ea"/>
+                <a:cs typeface="+mn-cs"/>
+              </a:rPr>
+              <a:t>的并行 </a:t>
+            </a:r>
+            <a:r>
+              <a:rPr lang="en-US" altLang="zh-CN" sz="1200" b="0" i="0" kern="1200" dirty="0" smtClean="0">
+                <a:solidFill>
+                  <a:schemeClr val="tx1"/>
+                </a:solidFill>
+                <a:effectLst/>
+                <a:latin typeface="+mn-lt"/>
+                <a:ea typeface="+mn-ea"/>
+                <a:cs typeface="+mn-cs"/>
+              </a:rPr>
+              <a:t>API </a:t>
+            </a:r>
+            <a:r>
+              <a:rPr lang="zh-CN" altLang="en-US" sz="1200" b="0" i="0" kern="1200" dirty="0" smtClean="0">
+                <a:solidFill>
+                  <a:schemeClr val="tx1"/>
+                </a:solidFill>
+                <a:effectLst/>
+                <a:latin typeface="+mn-lt"/>
+                <a:ea typeface="+mn-ea"/>
+                <a:cs typeface="+mn-cs"/>
+              </a:rPr>
+              <a:t>演变历程基本如下：</a:t>
+            </a:r>
+            <a:endParaRPr lang="en-US" altLang="zh-CN" sz="1200" b="0" i="0" kern="1200" dirty="0" smtClean="0">
+              <a:solidFill>
+                <a:schemeClr val="tx1"/>
+              </a:solidFill>
+              <a:effectLst/>
+              <a:latin typeface="+mn-lt"/>
+              <a:ea typeface="+mn-ea"/>
+              <a:cs typeface="+mn-cs"/>
+            </a:endParaRPr>
+          </a:p>
+          <a:p>
+            <a:pPr fontAlgn="base"/>
+            <a:r>
+              <a:rPr lang="en-US" altLang="zh-CN" sz="1200" b="0" i="0" kern="1200" dirty="0" smtClean="0">
+                <a:solidFill>
+                  <a:schemeClr val="tx1"/>
+                </a:solidFill>
+                <a:effectLst/>
+                <a:latin typeface="+mn-lt"/>
+                <a:ea typeface="+mn-ea"/>
+                <a:cs typeface="+mn-cs"/>
+              </a:rPr>
+              <a:t>1.0-1.4 </a:t>
+            </a:r>
+            <a:r>
+              <a:rPr lang="zh-CN" altLang="en-US" sz="1200" b="0" i="0" kern="1200" dirty="0" smtClean="0">
+                <a:solidFill>
+                  <a:schemeClr val="tx1"/>
+                </a:solidFill>
+                <a:effectLst/>
+                <a:latin typeface="+mn-lt"/>
+                <a:ea typeface="+mn-ea"/>
+                <a:cs typeface="+mn-cs"/>
+              </a:rPr>
+              <a:t>中的 </a:t>
+            </a:r>
+            <a:r>
+              <a:rPr lang="en-US" altLang="zh-CN" sz="1200" b="0" i="0" kern="1200" dirty="0" err="1" smtClean="0">
+                <a:solidFill>
+                  <a:schemeClr val="tx1"/>
+                </a:solidFill>
+                <a:effectLst/>
+                <a:latin typeface="+mn-lt"/>
+                <a:ea typeface="+mn-ea"/>
+                <a:cs typeface="+mn-cs"/>
+              </a:rPr>
+              <a:t>java.lang.Thread</a:t>
+            </a:r>
+            <a:endParaRPr lang="en-US" altLang="zh-CN" sz="1200" b="0" i="0" kern="1200" dirty="0" smtClean="0">
+              <a:solidFill>
+                <a:schemeClr val="tx1"/>
+              </a:solidFill>
+              <a:effectLst/>
+              <a:latin typeface="+mn-lt"/>
+              <a:ea typeface="+mn-ea"/>
+              <a:cs typeface="+mn-cs"/>
+            </a:endParaRPr>
+          </a:p>
+          <a:p>
+            <a:pPr fontAlgn="base"/>
+            <a:r>
+              <a:rPr lang="en-US" altLang="zh-CN" sz="1200" b="0" i="0" kern="1200" dirty="0" smtClean="0">
+                <a:solidFill>
+                  <a:schemeClr val="tx1"/>
+                </a:solidFill>
+                <a:effectLst/>
+                <a:latin typeface="+mn-lt"/>
+                <a:ea typeface="+mn-ea"/>
+                <a:cs typeface="+mn-cs"/>
+              </a:rPr>
+              <a:t>5.0 </a:t>
+            </a:r>
+            <a:r>
+              <a:rPr lang="zh-CN" altLang="en-US" sz="1200" b="0" i="0" kern="1200" dirty="0" smtClean="0">
+                <a:solidFill>
+                  <a:schemeClr val="tx1"/>
+                </a:solidFill>
+                <a:effectLst/>
+                <a:latin typeface="+mn-lt"/>
+                <a:ea typeface="+mn-ea"/>
+                <a:cs typeface="+mn-cs"/>
+              </a:rPr>
+              <a:t>中的 </a:t>
+            </a:r>
+            <a:r>
+              <a:rPr lang="en-US" altLang="zh-CN" sz="1200" b="0" i="0" kern="1200" dirty="0" err="1" smtClean="0">
+                <a:solidFill>
+                  <a:schemeClr val="tx1"/>
+                </a:solidFill>
+                <a:effectLst/>
+                <a:latin typeface="+mn-lt"/>
+                <a:ea typeface="+mn-ea"/>
+                <a:cs typeface="+mn-cs"/>
+              </a:rPr>
+              <a:t>java.util.concurrent</a:t>
+            </a:r>
+            <a:endParaRPr lang="en-US" altLang="zh-CN" sz="1200" b="0" i="0" kern="1200" dirty="0" smtClean="0">
+              <a:solidFill>
+                <a:schemeClr val="tx1"/>
+              </a:solidFill>
+              <a:effectLst/>
+              <a:latin typeface="+mn-lt"/>
+              <a:ea typeface="+mn-ea"/>
+              <a:cs typeface="+mn-cs"/>
+            </a:endParaRPr>
+          </a:p>
+          <a:p>
+            <a:pPr fontAlgn="base"/>
+            <a:r>
+              <a:rPr lang="en-US" altLang="zh-CN" sz="1200" b="0" i="0" kern="1200" dirty="0" smtClean="0">
+                <a:solidFill>
+                  <a:schemeClr val="tx1"/>
+                </a:solidFill>
+                <a:effectLst/>
+                <a:latin typeface="+mn-lt"/>
+                <a:ea typeface="+mn-ea"/>
+                <a:cs typeface="+mn-cs"/>
+              </a:rPr>
+              <a:t>6.0 </a:t>
+            </a:r>
+            <a:r>
+              <a:rPr lang="zh-CN" altLang="en-US" sz="1200" b="0" i="0" kern="1200" dirty="0" smtClean="0">
+                <a:solidFill>
+                  <a:schemeClr val="tx1"/>
+                </a:solidFill>
+                <a:effectLst/>
+                <a:latin typeface="+mn-lt"/>
+                <a:ea typeface="+mn-ea"/>
+                <a:cs typeface="+mn-cs"/>
+              </a:rPr>
+              <a:t>中的 </a:t>
+            </a:r>
+            <a:r>
+              <a:rPr lang="en-US" altLang="zh-CN" sz="1200" b="0" i="0" kern="1200" dirty="0" err="1" smtClean="0">
+                <a:solidFill>
+                  <a:schemeClr val="tx1"/>
+                </a:solidFill>
+                <a:effectLst/>
+                <a:latin typeface="+mn-lt"/>
+                <a:ea typeface="+mn-ea"/>
+                <a:cs typeface="+mn-cs"/>
+              </a:rPr>
+              <a:t>Phasers</a:t>
+            </a:r>
+            <a:r>
+              <a:rPr lang="en-US" altLang="zh-CN" sz="1200" b="0" i="0" kern="1200" dirty="0" smtClean="0">
+                <a:solidFill>
+                  <a:schemeClr val="tx1"/>
+                </a:solidFill>
+                <a:effectLst/>
+                <a:latin typeface="+mn-lt"/>
+                <a:ea typeface="+mn-ea"/>
+                <a:cs typeface="+mn-cs"/>
+              </a:rPr>
+              <a:t> </a:t>
+            </a:r>
+            <a:r>
+              <a:rPr lang="zh-CN" altLang="en-US" sz="1200" b="0" i="0" kern="1200" dirty="0" smtClean="0">
+                <a:solidFill>
+                  <a:schemeClr val="tx1"/>
+                </a:solidFill>
+                <a:effectLst/>
+                <a:latin typeface="+mn-lt"/>
+                <a:ea typeface="+mn-ea"/>
+                <a:cs typeface="+mn-cs"/>
+              </a:rPr>
+              <a:t>等</a:t>
+            </a:r>
+          </a:p>
+          <a:p>
+            <a:pPr fontAlgn="base"/>
+            <a:r>
+              <a:rPr lang="en-US" altLang="zh-CN" sz="1200" b="0" i="0" kern="1200" dirty="0" smtClean="0">
+                <a:solidFill>
+                  <a:schemeClr val="tx1"/>
+                </a:solidFill>
+                <a:effectLst/>
+                <a:latin typeface="+mn-lt"/>
+                <a:ea typeface="+mn-ea"/>
+                <a:cs typeface="+mn-cs"/>
+              </a:rPr>
+              <a:t>7.0 </a:t>
+            </a:r>
+            <a:r>
+              <a:rPr lang="zh-CN" altLang="en-US" sz="1200" b="0" i="0" kern="1200" dirty="0" smtClean="0">
+                <a:solidFill>
+                  <a:schemeClr val="tx1"/>
+                </a:solidFill>
+                <a:effectLst/>
+                <a:latin typeface="+mn-lt"/>
+                <a:ea typeface="+mn-ea"/>
+                <a:cs typeface="+mn-cs"/>
+              </a:rPr>
+              <a:t>中的 </a:t>
+            </a:r>
+            <a:r>
+              <a:rPr lang="en-US" altLang="zh-CN" sz="1200" b="0" i="0" kern="1200" dirty="0" smtClean="0">
+                <a:solidFill>
+                  <a:schemeClr val="tx1"/>
+                </a:solidFill>
+                <a:effectLst/>
+                <a:latin typeface="+mn-lt"/>
+                <a:ea typeface="+mn-ea"/>
+                <a:cs typeface="+mn-cs"/>
+              </a:rPr>
+              <a:t>Fork/Join </a:t>
+            </a:r>
+            <a:r>
+              <a:rPr lang="zh-CN" altLang="en-US" sz="1200" b="0" i="0" kern="1200" dirty="0" smtClean="0">
+                <a:solidFill>
+                  <a:schemeClr val="tx1"/>
+                </a:solidFill>
+                <a:effectLst/>
+                <a:latin typeface="+mn-lt"/>
+                <a:ea typeface="+mn-ea"/>
+                <a:cs typeface="+mn-cs"/>
+              </a:rPr>
+              <a:t>框架</a:t>
+            </a:r>
+          </a:p>
+          <a:p>
+            <a:pPr fontAlgn="base"/>
+            <a:r>
+              <a:rPr lang="en-US" altLang="zh-CN" sz="1200" b="0" i="0" kern="1200" dirty="0" smtClean="0">
+                <a:solidFill>
+                  <a:schemeClr val="tx1"/>
+                </a:solidFill>
+                <a:effectLst/>
+                <a:latin typeface="+mn-lt"/>
+                <a:ea typeface="+mn-ea"/>
+                <a:cs typeface="+mn-cs"/>
+              </a:rPr>
+              <a:t>8.0 </a:t>
+            </a:r>
+            <a:r>
+              <a:rPr lang="zh-CN" altLang="en-US" sz="1200" b="0" i="0" kern="1200" dirty="0" smtClean="0">
+                <a:solidFill>
+                  <a:schemeClr val="tx1"/>
+                </a:solidFill>
+                <a:effectLst/>
+                <a:latin typeface="+mn-lt"/>
+                <a:ea typeface="+mn-ea"/>
+                <a:cs typeface="+mn-cs"/>
+              </a:rPr>
+              <a:t>中的 </a:t>
+            </a:r>
+            <a:r>
+              <a:rPr lang="en-US" altLang="zh-CN" sz="1200" b="0" i="0" kern="1200" dirty="0" smtClean="0">
+                <a:solidFill>
+                  <a:schemeClr val="tx1"/>
+                </a:solidFill>
+                <a:effectLst/>
+                <a:latin typeface="+mn-lt"/>
+                <a:ea typeface="+mn-ea"/>
+                <a:cs typeface="+mn-cs"/>
+              </a:rPr>
+              <a:t>Lambda</a:t>
+            </a:r>
+          </a:p>
+          <a:p>
+            <a:pPr fontAlgn="base"/>
+            <a:r>
+              <a:rPr lang="en-US" altLang="zh-CN" sz="1200" b="0" i="0" kern="1200" dirty="0" smtClean="0">
+                <a:solidFill>
+                  <a:schemeClr val="tx1"/>
+                </a:solidFill>
+                <a:effectLst/>
+                <a:latin typeface="+mn-lt"/>
+                <a:ea typeface="+mn-ea"/>
+                <a:cs typeface="+mn-cs"/>
+              </a:rPr>
+              <a:t>Stream </a:t>
+            </a:r>
+            <a:r>
+              <a:rPr lang="zh-CN" altLang="en-US" sz="1200" b="0" i="0" kern="1200" dirty="0" smtClean="0">
+                <a:solidFill>
+                  <a:schemeClr val="tx1"/>
+                </a:solidFill>
+                <a:effectLst/>
+                <a:latin typeface="+mn-lt"/>
+                <a:ea typeface="+mn-ea"/>
+                <a:cs typeface="+mn-cs"/>
+              </a:rPr>
+              <a:t>的另外一大特点是，数据源本身可以是无限的。</a:t>
+            </a:r>
+          </a:p>
+          <a:p>
+            <a:endParaRPr lang="zh-CN" altLang="en-US" dirty="0"/>
+          </a:p>
+        </p:txBody>
+      </p:sp>
+      <p:sp>
+        <p:nvSpPr>
+          <p:cNvPr id="4" name="灯片编号占位符 3"/>
+          <p:cNvSpPr>
+            <a:spLocks noGrp="1"/>
+          </p:cNvSpPr>
+          <p:nvPr>
+            <p:ph type="sldNum" sz="quarter" idx="10"/>
+          </p:nvPr>
+        </p:nvSpPr>
+        <p:spPr/>
+        <p:txBody>
+          <a:bodyPr/>
+          <a:lstStyle/>
+          <a:p>
+            <a:fld id="{AFE7BD3E-3FA7-4F3F-AF51-37770D65EE70}" type="slidenum">
+              <a:rPr lang="zh-CN" altLang="en-US" smtClean="0"/>
+              <a:t>20</a:t>
+            </a:fld>
+            <a:endParaRPr lang="zh-CN" altLang="en-US"/>
+          </a:p>
+        </p:txBody>
+      </p:sp>
+    </p:spTree>
+    <p:extLst>
+      <p:ext uri="{BB962C8B-B14F-4D97-AF65-F5344CB8AC3E}">
+        <p14:creationId xmlns:p14="http://schemas.microsoft.com/office/powerpoint/2010/main" val="2708049887"/>
+      </p:ext>
+    </p:extLst>
+  </p:cSld>
+  <p:clrMapOvr>
+    <a:masterClrMapping/>
+  </p:clrMapOvr>
+</p:notes>
+</file>
+
+<file path=ppt/notesSlides/notesSlide21.xml><?xml version="1.0" encoding="utf-8"?>
+<p:notes xmlns:a="http://schemas.openxmlformats.org/drawingml/2006/main" xmlns:r="http://schemas.openxmlformats.org/officeDocument/2006/relationships" xmlns:p="http://schemas.openxmlformats.org/presentationml/2006/main">
+  <p:cSld>
+    <p:spTree>
+      <p:nvGrpSpPr>
+        <p:cNvPr id="1" name=""/>
+        <p:cNvGrpSpPr/>
+        <p:nvPr/>
+      </p:nvGrpSpPr>
+      <p:grpSpPr>
+        <a:xfrm>
+          <a:off x="0" y="0"/>
+          <a:ext cx="0" cy="0"/>
+          <a:chOff x="0" y="0"/>
+          <a:chExt cx="0" cy="0"/>
+        </a:xfrm>
+      </p:grpSpPr>
+      <p:sp>
+        <p:nvSpPr>
+          <p:cNvPr id="2" name="幻灯片图像占位符 1"/>
+          <p:cNvSpPr>
+            <a:spLocks noGrp="1" noRot="1" noChangeAspect="1"/>
+          </p:cNvSpPr>
+          <p:nvPr>
+            <p:ph type="sldImg"/>
+          </p:nvPr>
+        </p:nvSpPr>
+        <p:spPr/>
+      </p:sp>
+      <p:sp>
+        <p:nvSpPr>
+          <p:cNvPr id="3" name="备注占位符 2"/>
+          <p:cNvSpPr>
+            <a:spLocks noGrp="1"/>
+          </p:cNvSpPr>
+          <p:nvPr>
+            <p:ph type="body" idx="1"/>
+          </p:nvPr>
+        </p:nvSpPr>
+        <p:spPr/>
+        <p:txBody>
+          <a:bodyPr/>
+          <a:lstStyle/>
+          <a:p>
+            <a:r>
+              <a:rPr lang="zh-CN" altLang="en-US" sz="1200" b="0" i="0" kern="1200" dirty="0" smtClean="0">
+                <a:solidFill>
+                  <a:schemeClr val="tx1"/>
+                </a:solidFill>
+                <a:effectLst/>
+                <a:latin typeface="+mn-lt"/>
+                <a:ea typeface="+mn-ea"/>
+                <a:cs typeface="+mn-cs"/>
+              </a:rPr>
+              <a:t>简单说，对 </a:t>
+            </a:r>
+            <a:r>
+              <a:rPr lang="en-US" altLang="zh-CN" sz="1200" b="0" i="0" kern="1200" dirty="0" smtClean="0">
+                <a:solidFill>
+                  <a:schemeClr val="tx1"/>
+                </a:solidFill>
+                <a:effectLst/>
+                <a:latin typeface="+mn-lt"/>
+                <a:ea typeface="+mn-ea"/>
+                <a:cs typeface="+mn-cs"/>
+              </a:rPr>
+              <a:t>Stream </a:t>
+            </a:r>
+            <a:r>
+              <a:rPr lang="zh-CN" altLang="en-US" sz="1200" b="0" i="0" kern="1200" dirty="0" smtClean="0">
+                <a:solidFill>
+                  <a:schemeClr val="tx1"/>
+                </a:solidFill>
+                <a:effectLst/>
+                <a:latin typeface="+mn-lt"/>
+                <a:ea typeface="+mn-ea"/>
+                <a:cs typeface="+mn-cs"/>
+              </a:rPr>
+              <a:t>的使用就是实现一个 </a:t>
+            </a:r>
+            <a:r>
+              <a:rPr lang="en-US" altLang="zh-CN" sz="1200" b="0" i="0" kern="1200" dirty="0" smtClean="0">
+                <a:solidFill>
+                  <a:schemeClr val="tx1"/>
+                </a:solidFill>
+                <a:effectLst/>
+                <a:latin typeface="+mn-lt"/>
+                <a:ea typeface="+mn-ea"/>
+                <a:cs typeface="+mn-cs"/>
+              </a:rPr>
+              <a:t>filter-map-reduce </a:t>
+            </a:r>
+            <a:r>
+              <a:rPr lang="zh-CN" altLang="en-US" sz="1200" b="0" i="0" kern="1200" dirty="0" smtClean="0">
+                <a:solidFill>
+                  <a:schemeClr val="tx1"/>
+                </a:solidFill>
+                <a:effectLst/>
+                <a:latin typeface="+mn-lt"/>
+                <a:ea typeface="+mn-ea"/>
+                <a:cs typeface="+mn-cs"/>
+              </a:rPr>
+              <a:t>过程，产生一个最终结果，或者导致一个副作用（</a:t>
+            </a:r>
+            <a:r>
+              <a:rPr lang="en-US" altLang="zh-CN" sz="1200" b="0" i="0" kern="1200" dirty="0" smtClean="0">
+                <a:solidFill>
+                  <a:schemeClr val="tx1"/>
+                </a:solidFill>
+                <a:effectLst/>
+                <a:latin typeface="+mn-lt"/>
+                <a:ea typeface="+mn-ea"/>
+                <a:cs typeface="+mn-cs"/>
+              </a:rPr>
+              <a:t>side effect</a:t>
+            </a:r>
+            <a:r>
+              <a:rPr lang="zh-CN" altLang="en-US" sz="1200" b="0" i="0" kern="1200" dirty="0" smtClean="0">
+                <a:solidFill>
+                  <a:schemeClr val="tx1"/>
+                </a:solidFill>
+                <a:effectLst/>
+                <a:latin typeface="+mn-lt"/>
+                <a:ea typeface="+mn-ea"/>
+                <a:cs typeface="+mn-cs"/>
+              </a:rPr>
+              <a:t>）。</a:t>
+            </a:r>
+            <a:endParaRPr lang="en-US" altLang="zh-CN" sz="1200" b="0" i="0" kern="1200" dirty="0" smtClean="0">
+              <a:solidFill>
+                <a:schemeClr val="tx1"/>
+              </a:solidFill>
+              <a:effectLst/>
+              <a:latin typeface="+mn-lt"/>
+              <a:ea typeface="+mn-ea"/>
+              <a:cs typeface="+mn-cs"/>
+            </a:endParaRPr>
+          </a:p>
+          <a:p>
+            <a:endParaRPr lang="en-US" altLang="zh-CN" sz="1200" b="0" i="0" kern="1200" dirty="0" smtClean="0">
+              <a:solidFill>
+                <a:schemeClr val="tx1"/>
+              </a:solidFill>
+              <a:effectLst/>
+              <a:latin typeface="+mn-lt"/>
+              <a:ea typeface="+mn-ea"/>
+              <a:cs typeface="+mn-cs"/>
+            </a:endParaRPr>
+          </a:p>
+          <a:p>
+            <a:pPr fontAlgn="base"/>
+            <a:r>
+              <a:rPr lang="zh-CN" altLang="en-US" sz="1200" b="0" i="0" kern="1200" dirty="0" smtClean="0">
+                <a:solidFill>
+                  <a:schemeClr val="tx1"/>
+                </a:solidFill>
+                <a:effectLst/>
+                <a:latin typeface="+mn-lt"/>
+                <a:ea typeface="+mn-ea"/>
+                <a:cs typeface="+mn-cs"/>
+              </a:rPr>
+              <a:t>流的操作，接下来，当把一个数据结构包装成 </a:t>
+            </a:r>
+            <a:r>
+              <a:rPr lang="en-US" altLang="zh-CN" sz="1200" b="0" i="0" kern="1200" dirty="0" smtClean="0">
+                <a:solidFill>
+                  <a:schemeClr val="tx1"/>
+                </a:solidFill>
+                <a:effectLst/>
+                <a:latin typeface="+mn-lt"/>
+                <a:ea typeface="+mn-ea"/>
+                <a:cs typeface="+mn-cs"/>
+              </a:rPr>
+              <a:t>Stream </a:t>
+            </a:r>
+            <a:r>
+              <a:rPr lang="zh-CN" altLang="en-US" sz="1200" b="0" i="0" kern="1200" dirty="0" smtClean="0">
+                <a:solidFill>
+                  <a:schemeClr val="tx1"/>
+                </a:solidFill>
+                <a:effectLst/>
+                <a:latin typeface="+mn-lt"/>
+                <a:ea typeface="+mn-ea"/>
+                <a:cs typeface="+mn-cs"/>
+              </a:rPr>
+              <a:t>后，就要开始对里面的元素进行各类操作了。常见的操作可以归类如下。</a:t>
+            </a:r>
+          </a:p>
+          <a:p>
+            <a:pPr fontAlgn="base"/>
+            <a:r>
+              <a:rPr lang="en-US" altLang="zh-CN" sz="1200" b="0" i="0" kern="1200" dirty="0" smtClean="0">
+                <a:solidFill>
+                  <a:schemeClr val="tx1"/>
+                </a:solidFill>
+                <a:effectLst/>
+                <a:latin typeface="+mn-lt"/>
+                <a:ea typeface="+mn-ea"/>
+                <a:cs typeface="+mn-cs"/>
+              </a:rPr>
+              <a:t>Intermediate</a:t>
+            </a:r>
+            <a:r>
+              <a:rPr lang="zh-CN" altLang="en-US" sz="1200" b="0" i="0" kern="1200" dirty="0" smtClean="0">
+                <a:solidFill>
+                  <a:schemeClr val="tx1"/>
+                </a:solidFill>
+                <a:effectLst/>
+                <a:latin typeface="+mn-lt"/>
+                <a:ea typeface="+mn-ea"/>
+                <a:cs typeface="+mn-cs"/>
+              </a:rPr>
+              <a:t>：</a:t>
+            </a:r>
+          </a:p>
+          <a:p>
+            <a:pPr fontAlgn="base"/>
+            <a:r>
+              <a:rPr lang="en-US" altLang="zh-CN" sz="1200" b="0" i="0" kern="1200" dirty="0" smtClean="0">
+                <a:solidFill>
+                  <a:schemeClr val="tx1"/>
+                </a:solidFill>
+                <a:effectLst/>
+                <a:latin typeface="+mn-lt"/>
+                <a:ea typeface="+mn-ea"/>
+                <a:cs typeface="+mn-cs"/>
+              </a:rPr>
+              <a:t>	map (</a:t>
+            </a:r>
+            <a:r>
+              <a:rPr lang="en-US" altLang="zh-CN" sz="1200" b="0" i="0" kern="1200" dirty="0" err="1" smtClean="0">
+                <a:solidFill>
+                  <a:schemeClr val="tx1"/>
+                </a:solidFill>
+                <a:effectLst/>
+                <a:latin typeface="+mn-lt"/>
+                <a:ea typeface="+mn-ea"/>
+                <a:cs typeface="+mn-cs"/>
+              </a:rPr>
+              <a:t>mapToInt</a:t>
+            </a:r>
+            <a:r>
+              <a:rPr lang="en-US" altLang="zh-CN" sz="1200" b="0" i="0" kern="1200" dirty="0" smtClean="0">
+                <a:solidFill>
+                  <a:schemeClr val="tx1"/>
+                </a:solidFill>
+                <a:effectLst/>
+                <a:latin typeface="+mn-lt"/>
+                <a:ea typeface="+mn-ea"/>
+                <a:cs typeface="+mn-cs"/>
+              </a:rPr>
+              <a:t>, </a:t>
+            </a:r>
+            <a:r>
+              <a:rPr lang="en-US" altLang="zh-CN" sz="1200" b="0" i="0" kern="1200" dirty="0" err="1" smtClean="0">
+                <a:solidFill>
+                  <a:schemeClr val="tx1"/>
+                </a:solidFill>
+                <a:effectLst/>
+                <a:latin typeface="+mn-lt"/>
+                <a:ea typeface="+mn-ea"/>
+                <a:cs typeface="+mn-cs"/>
+              </a:rPr>
+              <a:t>flatMap</a:t>
+            </a:r>
+            <a:r>
+              <a:rPr lang="en-US" altLang="zh-CN" sz="1200" b="0" i="0" kern="1200" dirty="0" smtClean="0">
+                <a:solidFill>
+                  <a:schemeClr val="tx1"/>
+                </a:solidFill>
+                <a:effectLst/>
+                <a:latin typeface="+mn-lt"/>
+                <a:ea typeface="+mn-ea"/>
+                <a:cs typeface="+mn-cs"/>
+              </a:rPr>
+              <a:t> </a:t>
+            </a:r>
+            <a:r>
+              <a:rPr lang="zh-CN" altLang="en-US" sz="1200" b="0" i="0" kern="1200" dirty="0" smtClean="0">
+                <a:solidFill>
+                  <a:schemeClr val="tx1"/>
+                </a:solidFill>
+                <a:effectLst/>
+                <a:latin typeface="+mn-lt"/>
+                <a:ea typeface="+mn-ea"/>
+                <a:cs typeface="+mn-cs"/>
+              </a:rPr>
+              <a:t>等</a:t>
+            </a:r>
+            <a:r>
+              <a:rPr lang="en-US" altLang="zh-CN" sz="1200" b="0" i="0" kern="1200" dirty="0" smtClean="0">
+                <a:solidFill>
+                  <a:schemeClr val="tx1"/>
+                </a:solidFill>
+                <a:effectLst/>
+                <a:latin typeface="+mn-lt"/>
+                <a:ea typeface="+mn-ea"/>
+                <a:cs typeface="+mn-cs"/>
+              </a:rPr>
+              <a:t>)</a:t>
+            </a:r>
+            <a:r>
+              <a:rPr lang="zh-CN" altLang="en-US" sz="1200" b="0" i="0" kern="1200" dirty="0" smtClean="0">
+                <a:solidFill>
+                  <a:schemeClr val="tx1"/>
+                </a:solidFill>
+                <a:effectLst/>
+                <a:latin typeface="+mn-lt"/>
+                <a:ea typeface="+mn-ea"/>
+                <a:cs typeface="+mn-cs"/>
+              </a:rPr>
+              <a:t>、 </a:t>
+            </a:r>
+            <a:r>
+              <a:rPr lang="en-US" altLang="zh-CN" sz="1200" b="0" i="0" kern="1200" dirty="0" smtClean="0">
+                <a:solidFill>
+                  <a:schemeClr val="tx1"/>
+                </a:solidFill>
+                <a:effectLst/>
+                <a:latin typeface="+mn-lt"/>
+                <a:ea typeface="+mn-ea"/>
+                <a:cs typeface="+mn-cs"/>
+              </a:rPr>
+              <a:t>filter</a:t>
+            </a:r>
+            <a:r>
+              <a:rPr lang="zh-CN" altLang="en-US" sz="1200" b="0" i="0" kern="1200" dirty="0" smtClean="0">
+                <a:solidFill>
+                  <a:schemeClr val="tx1"/>
+                </a:solidFill>
+                <a:effectLst/>
+                <a:latin typeface="+mn-lt"/>
+                <a:ea typeface="+mn-ea"/>
+                <a:cs typeface="+mn-cs"/>
+              </a:rPr>
+              <a:t>、 </a:t>
+            </a:r>
+            <a:r>
+              <a:rPr lang="en-US" altLang="zh-CN" sz="1200" b="0" i="0" kern="1200" dirty="0" smtClean="0">
+                <a:solidFill>
+                  <a:schemeClr val="tx1"/>
+                </a:solidFill>
+                <a:effectLst/>
+                <a:latin typeface="+mn-lt"/>
+                <a:ea typeface="+mn-ea"/>
+                <a:cs typeface="+mn-cs"/>
+              </a:rPr>
+              <a:t>distinct</a:t>
+            </a:r>
+            <a:r>
+              <a:rPr lang="zh-CN" altLang="en-US" sz="1200" b="0" i="0" kern="1200" dirty="0" smtClean="0">
+                <a:solidFill>
+                  <a:schemeClr val="tx1"/>
+                </a:solidFill>
+                <a:effectLst/>
+                <a:latin typeface="+mn-lt"/>
+                <a:ea typeface="+mn-ea"/>
+                <a:cs typeface="+mn-cs"/>
+              </a:rPr>
+              <a:t>、 </a:t>
+            </a:r>
+            <a:r>
+              <a:rPr lang="en-US" altLang="zh-CN" sz="1200" b="0" i="0" kern="1200" dirty="0" smtClean="0">
+                <a:solidFill>
+                  <a:schemeClr val="tx1"/>
+                </a:solidFill>
+                <a:effectLst/>
+                <a:latin typeface="+mn-lt"/>
+                <a:ea typeface="+mn-ea"/>
+                <a:cs typeface="+mn-cs"/>
+              </a:rPr>
+              <a:t>sorted</a:t>
+            </a:r>
+            <a:r>
+              <a:rPr lang="zh-CN" altLang="en-US" sz="1200" b="0" i="0" kern="1200" dirty="0" smtClean="0">
+                <a:solidFill>
+                  <a:schemeClr val="tx1"/>
+                </a:solidFill>
+                <a:effectLst/>
+                <a:latin typeface="+mn-lt"/>
+                <a:ea typeface="+mn-ea"/>
+                <a:cs typeface="+mn-cs"/>
+              </a:rPr>
+              <a:t>、 </a:t>
+            </a:r>
+            <a:r>
+              <a:rPr lang="en-US" altLang="zh-CN" sz="1200" b="0" i="0" kern="1200" dirty="0" smtClean="0">
+                <a:solidFill>
+                  <a:schemeClr val="tx1"/>
+                </a:solidFill>
+                <a:effectLst/>
+                <a:latin typeface="+mn-lt"/>
+                <a:ea typeface="+mn-ea"/>
+                <a:cs typeface="+mn-cs"/>
+              </a:rPr>
+              <a:t>peek</a:t>
+            </a:r>
+            <a:r>
+              <a:rPr lang="zh-CN" altLang="en-US" sz="1200" b="0" i="0" kern="1200" dirty="0" smtClean="0">
+                <a:solidFill>
+                  <a:schemeClr val="tx1"/>
+                </a:solidFill>
+                <a:effectLst/>
+                <a:latin typeface="+mn-lt"/>
+                <a:ea typeface="+mn-ea"/>
+                <a:cs typeface="+mn-cs"/>
+              </a:rPr>
+              <a:t>、 </a:t>
+            </a:r>
+            <a:r>
+              <a:rPr lang="en-US" altLang="zh-CN" sz="1200" b="0" i="0" kern="1200" dirty="0" smtClean="0">
+                <a:solidFill>
+                  <a:schemeClr val="tx1"/>
+                </a:solidFill>
+                <a:effectLst/>
+                <a:latin typeface="+mn-lt"/>
+                <a:ea typeface="+mn-ea"/>
+                <a:cs typeface="+mn-cs"/>
+              </a:rPr>
+              <a:t>limit</a:t>
+            </a:r>
+            <a:r>
+              <a:rPr lang="zh-CN" altLang="en-US" sz="1200" b="0" i="0" kern="1200" dirty="0" smtClean="0">
+                <a:solidFill>
+                  <a:schemeClr val="tx1"/>
+                </a:solidFill>
+                <a:effectLst/>
+                <a:latin typeface="+mn-lt"/>
+                <a:ea typeface="+mn-ea"/>
+                <a:cs typeface="+mn-cs"/>
+              </a:rPr>
+              <a:t>、 </a:t>
+            </a:r>
+            <a:r>
+              <a:rPr lang="en-US" altLang="zh-CN" sz="1200" b="0" i="0" kern="1200" dirty="0" smtClean="0">
+                <a:solidFill>
+                  <a:schemeClr val="tx1"/>
+                </a:solidFill>
+                <a:effectLst/>
+                <a:latin typeface="+mn-lt"/>
+                <a:ea typeface="+mn-ea"/>
+                <a:cs typeface="+mn-cs"/>
+              </a:rPr>
+              <a:t>skip</a:t>
+            </a:r>
+            <a:r>
+              <a:rPr lang="zh-CN" altLang="en-US" sz="1200" b="0" i="0" kern="1200" dirty="0" smtClean="0">
+                <a:solidFill>
+                  <a:schemeClr val="tx1"/>
+                </a:solidFill>
+                <a:effectLst/>
+                <a:latin typeface="+mn-lt"/>
+                <a:ea typeface="+mn-ea"/>
+                <a:cs typeface="+mn-cs"/>
+              </a:rPr>
+              <a:t>、 </a:t>
+            </a:r>
+            <a:r>
+              <a:rPr lang="en-US" altLang="zh-CN" sz="1200" b="0" i="0" kern="1200" dirty="0" smtClean="0">
+                <a:solidFill>
+                  <a:schemeClr val="tx1"/>
+                </a:solidFill>
+                <a:effectLst/>
+                <a:latin typeface="+mn-lt"/>
+                <a:ea typeface="+mn-ea"/>
+                <a:cs typeface="+mn-cs"/>
+              </a:rPr>
+              <a:t>parallel</a:t>
+            </a:r>
+            <a:r>
+              <a:rPr lang="zh-CN" altLang="en-US" sz="1200" b="0" i="0" kern="1200" dirty="0" smtClean="0">
+                <a:solidFill>
+                  <a:schemeClr val="tx1"/>
+                </a:solidFill>
+                <a:effectLst/>
+                <a:latin typeface="+mn-lt"/>
+                <a:ea typeface="+mn-ea"/>
+                <a:cs typeface="+mn-cs"/>
+              </a:rPr>
+              <a:t>、 </a:t>
+            </a:r>
+            <a:r>
+              <a:rPr lang="en-US" altLang="zh-CN" sz="1200" b="0" i="0" kern="1200" dirty="0" smtClean="0">
+                <a:solidFill>
+                  <a:schemeClr val="tx1"/>
+                </a:solidFill>
+                <a:effectLst/>
+                <a:latin typeface="+mn-lt"/>
+                <a:ea typeface="+mn-ea"/>
+                <a:cs typeface="+mn-cs"/>
+              </a:rPr>
+              <a:t>sequential</a:t>
+            </a:r>
+            <a:r>
+              <a:rPr lang="zh-CN" altLang="en-US" sz="1200" b="0" i="0" kern="1200" dirty="0" smtClean="0">
+                <a:solidFill>
+                  <a:schemeClr val="tx1"/>
+                </a:solidFill>
+                <a:effectLst/>
+                <a:latin typeface="+mn-lt"/>
+                <a:ea typeface="+mn-ea"/>
+                <a:cs typeface="+mn-cs"/>
+              </a:rPr>
+              <a:t>、 </a:t>
+            </a:r>
+            <a:r>
+              <a:rPr lang="en-US" altLang="zh-CN" sz="1200" b="0" i="0" kern="1200" dirty="0" smtClean="0">
+                <a:solidFill>
+                  <a:schemeClr val="tx1"/>
+                </a:solidFill>
+                <a:effectLst/>
+                <a:latin typeface="+mn-lt"/>
+                <a:ea typeface="+mn-ea"/>
+                <a:cs typeface="+mn-cs"/>
+              </a:rPr>
+              <a:t>unordered</a:t>
+            </a:r>
+          </a:p>
+          <a:p>
+            <a:pPr fontAlgn="base"/>
+            <a:r>
+              <a:rPr lang="en-US" altLang="zh-CN" sz="1200" b="0" i="0" kern="1200" dirty="0" smtClean="0">
+                <a:solidFill>
+                  <a:schemeClr val="tx1"/>
+                </a:solidFill>
+                <a:effectLst/>
+                <a:latin typeface="+mn-lt"/>
+                <a:ea typeface="+mn-ea"/>
+                <a:cs typeface="+mn-cs"/>
+              </a:rPr>
+              <a:t>Terminal</a:t>
+            </a:r>
+            <a:r>
+              <a:rPr lang="zh-CN" altLang="en-US" sz="1200" b="0" i="0" kern="1200" dirty="0" smtClean="0">
+                <a:solidFill>
+                  <a:schemeClr val="tx1"/>
+                </a:solidFill>
+                <a:effectLst/>
+                <a:latin typeface="+mn-lt"/>
+                <a:ea typeface="+mn-ea"/>
+                <a:cs typeface="+mn-cs"/>
+              </a:rPr>
+              <a:t>：</a:t>
+            </a:r>
+          </a:p>
+          <a:p>
+            <a:pPr fontAlgn="base"/>
+            <a:r>
+              <a:rPr lang="en-US" altLang="zh-CN" sz="1200" b="0" i="0" kern="1200" dirty="0" smtClean="0">
+                <a:solidFill>
+                  <a:schemeClr val="tx1"/>
+                </a:solidFill>
+                <a:effectLst/>
+                <a:latin typeface="+mn-lt"/>
+                <a:ea typeface="+mn-ea"/>
+                <a:cs typeface="+mn-cs"/>
+              </a:rPr>
+              <a:t>	</a:t>
+            </a:r>
+            <a:r>
+              <a:rPr lang="en-US" altLang="zh-CN" sz="1200" b="0" i="0" kern="1200" dirty="0" err="1" smtClean="0">
+                <a:solidFill>
+                  <a:schemeClr val="tx1"/>
+                </a:solidFill>
+                <a:effectLst/>
+                <a:latin typeface="+mn-lt"/>
+                <a:ea typeface="+mn-ea"/>
+                <a:cs typeface="+mn-cs"/>
+              </a:rPr>
+              <a:t>forEach</a:t>
+            </a:r>
+            <a:r>
+              <a:rPr lang="zh-CN" altLang="en-US" sz="1200" b="0" i="0" kern="1200" dirty="0" smtClean="0">
+                <a:solidFill>
+                  <a:schemeClr val="tx1"/>
+                </a:solidFill>
+                <a:effectLst/>
+                <a:latin typeface="+mn-lt"/>
+                <a:ea typeface="+mn-ea"/>
+                <a:cs typeface="+mn-cs"/>
+              </a:rPr>
+              <a:t>、 </a:t>
+            </a:r>
+            <a:r>
+              <a:rPr lang="en-US" altLang="zh-CN" sz="1200" b="0" i="0" kern="1200" dirty="0" err="1" smtClean="0">
+                <a:solidFill>
+                  <a:schemeClr val="tx1"/>
+                </a:solidFill>
+                <a:effectLst/>
+                <a:latin typeface="+mn-lt"/>
+                <a:ea typeface="+mn-ea"/>
+                <a:cs typeface="+mn-cs"/>
+              </a:rPr>
+              <a:t>forEachOrdered</a:t>
+            </a:r>
+            <a:r>
+              <a:rPr lang="zh-CN" altLang="en-US" sz="1200" b="0" i="0" kern="1200" dirty="0" smtClean="0">
+                <a:solidFill>
+                  <a:schemeClr val="tx1"/>
+                </a:solidFill>
+                <a:effectLst/>
+                <a:latin typeface="+mn-lt"/>
+                <a:ea typeface="+mn-ea"/>
+                <a:cs typeface="+mn-cs"/>
+              </a:rPr>
+              <a:t>、 </a:t>
+            </a:r>
+            <a:r>
+              <a:rPr lang="en-US" altLang="zh-CN" sz="1200" b="0" i="0" kern="1200" dirty="0" err="1" smtClean="0">
+                <a:solidFill>
+                  <a:schemeClr val="tx1"/>
+                </a:solidFill>
+                <a:effectLst/>
+                <a:latin typeface="+mn-lt"/>
+                <a:ea typeface="+mn-ea"/>
+                <a:cs typeface="+mn-cs"/>
+              </a:rPr>
+              <a:t>toArray</a:t>
+            </a:r>
+            <a:r>
+              <a:rPr lang="zh-CN" altLang="en-US" sz="1200" b="0" i="0" kern="1200" dirty="0" smtClean="0">
+                <a:solidFill>
+                  <a:schemeClr val="tx1"/>
+                </a:solidFill>
+                <a:effectLst/>
+                <a:latin typeface="+mn-lt"/>
+                <a:ea typeface="+mn-ea"/>
+                <a:cs typeface="+mn-cs"/>
+              </a:rPr>
+              <a:t>、 </a:t>
+            </a:r>
+            <a:r>
+              <a:rPr lang="en-US" altLang="zh-CN" sz="1200" b="0" i="0" kern="1200" dirty="0" smtClean="0">
+                <a:solidFill>
+                  <a:schemeClr val="tx1"/>
+                </a:solidFill>
+                <a:effectLst/>
+                <a:latin typeface="+mn-lt"/>
+                <a:ea typeface="+mn-ea"/>
+                <a:cs typeface="+mn-cs"/>
+              </a:rPr>
+              <a:t>reduce</a:t>
+            </a:r>
+            <a:r>
+              <a:rPr lang="zh-CN" altLang="en-US" sz="1200" b="0" i="0" kern="1200" dirty="0" smtClean="0">
+                <a:solidFill>
+                  <a:schemeClr val="tx1"/>
+                </a:solidFill>
+                <a:effectLst/>
+                <a:latin typeface="+mn-lt"/>
+                <a:ea typeface="+mn-ea"/>
+                <a:cs typeface="+mn-cs"/>
+              </a:rPr>
+              <a:t>、 </a:t>
+            </a:r>
+            <a:r>
+              <a:rPr lang="en-US" altLang="zh-CN" sz="1200" b="0" i="0" kern="1200" dirty="0" smtClean="0">
+                <a:solidFill>
+                  <a:schemeClr val="tx1"/>
+                </a:solidFill>
+                <a:effectLst/>
+                <a:latin typeface="+mn-lt"/>
+                <a:ea typeface="+mn-ea"/>
+                <a:cs typeface="+mn-cs"/>
+              </a:rPr>
+              <a:t>collect</a:t>
+            </a:r>
+            <a:r>
+              <a:rPr lang="zh-CN" altLang="en-US" sz="1200" b="0" i="0" kern="1200" dirty="0" smtClean="0">
+                <a:solidFill>
+                  <a:schemeClr val="tx1"/>
+                </a:solidFill>
+                <a:effectLst/>
+                <a:latin typeface="+mn-lt"/>
+                <a:ea typeface="+mn-ea"/>
+                <a:cs typeface="+mn-cs"/>
+              </a:rPr>
+              <a:t>、 </a:t>
+            </a:r>
+            <a:r>
+              <a:rPr lang="en-US" altLang="zh-CN" sz="1200" b="0" i="0" kern="1200" dirty="0" smtClean="0">
+                <a:solidFill>
+                  <a:schemeClr val="tx1"/>
+                </a:solidFill>
+                <a:effectLst/>
+                <a:latin typeface="+mn-lt"/>
+                <a:ea typeface="+mn-ea"/>
+                <a:cs typeface="+mn-cs"/>
+              </a:rPr>
+              <a:t>min</a:t>
+            </a:r>
+            <a:r>
+              <a:rPr lang="zh-CN" altLang="en-US" sz="1200" b="0" i="0" kern="1200" dirty="0" smtClean="0">
+                <a:solidFill>
+                  <a:schemeClr val="tx1"/>
+                </a:solidFill>
+                <a:effectLst/>
+                <a:latin typeface="+mn-lt"/>
+                <a:ea typeface="+mn-ea"/>
+                <a:cs typeface="+mn-cs"/>
+              </a:rPr>
+              <a:t>、 </a:t>
+            </a:r>
+            <a:r>
+              <a:rPr lang="en-US" altLang="zh-CN" sz="1200" b="0" i="0" kern="1200" dirty="0" smtClean="0">
+                <a:solidFill>
+                  <a:schemeClr val="tx1"/>
+                </a:solidFill>
+                <a:effectLst/>
+                <a:latin typeface="+mn-lt"/>
+                <a:ea typeface="+mn-ea"/>
+                <a:cs typeface="+mn-cs"/>
+              </a:rPr>
+              <a:t>max</a:t>
+            </a:r>
+            <a:r>
+              <a:rPr lang="zh-CN" altLang="en-US" sz="1200" b="0" i="0" kern="1200" dirty="0" smtClean="0">
+                <a:solidFill>
+                  <a:schemeClr val="tx1"/>
+                </a:solidFill>
+                <a:effectLst/>
+                <a:latin typeface="+mn-lt"/>
+                <a:ea typeface="+mn-ea"/>
+                <a:cs typeface="+mn-cs"/>
+              </a:rPr>
+              <a:t>、 </a:t>
+            </a:r>
+            <a:r>
+              <a:rPr lang="en-US" altLang="zh-CN" sz="1200" b="0" i="0" kern="1200" dirty="0" smtClean="0">
+                <a:solidFill>
+                  <a:schemeClr val="tx1"/>
+                </a:solidFill>
+                <a:effectLst/>
+                <a:latin typeface="+mn-lt"/>
+                <a:ea typeface="+mn-ea"/>
+                <a:cs typeface="+mn-cs"/>
+              </a:rPr>
+              <a:t>count</a:t>
+            </a:r>
+            <a:r>
+              <a:rPr lang="zh-CN" altLang="en-US" sz="1200" b="0" i="0" kern="1200" dirty="0" smtClean="0">
+                <a:solidFill>
+                  <a:schemeClr val="tx1"/>
+                </a:solidFill>
+                <a:effectLst/>
+                <a:latin typeface="+mn-lt"/>
+                <a:ea typeface="+mn-ea"/>
+                <a:cs typeface="+mn-cs"/>
+              </a:rPr>
+              <a:t>、 </a:t>
+            </a:r>
+            <a:r>
+              <a:rPr lang="en-US" altLang="zh-CN" sz="1200" b="0" i="0" kern="1200" dirty="0" err="1" smtClean="0">
+                <a:solidFill>
+                  <a:schemeClr val="tx1"/>
+                </a:solidFill>
+                <a:effectLst/>
+                <a:latin typeface="+mn-lt"/>
+                <a:ea typeface="+mn-ea"/>
+                <a:cs typeface="+mn-cs"/>
+              </a:rPr>
+              <a:t>anyMatch</a:t>
+            </a:r>
+            <a:r>
+              <a:rPr lang="zh-CN" altLang="en-US" sz="1200" b="0" i="0" kern="1200" dirty="0" smtClean="0">
+                <a:solidFill>
+                  <a:schemeClr val="tx1"/>
+                </a:solidFill>
+                <a:effectLst/>
+                <a:latin typeface="+mn-lt"/>
+                <a:ea typeface="+mn-ea"/>
+                <a:cs typeface="+mn-cs"/>
+              </a:rPr>
+              <a:t>、 </a:t>
+            </a:r>
+            <a:r>
+              <a:rPr lang="en-US" altLang="zh-CN" sz="1200" b="0" i="0" kern="1200" dirty="0" err="1" smtClean="0">
+                <a:solidFill>
+                  <a:schemeClr val="tx1"/>
+                </a:solidFill>
+                <a:effectLst/>
+                <a:latin typeface="+mn-lt"/>
+                <a:ea typeface="+mn-ea"/>
+                <a:cs typeface="+mn-cs"/>
+              </a:rPr>
+              <a:t>allMatch</a:t>
+            </a:r>
+            <a:r>
+              <a:rPr lang="zh-CN" altLang="en-US" sz="1200" b="0" i="0" kern="1200" dirty="0" smtClean="0">
+                <a:solidFill>
+                  <a:schemeClr val="tx1"/>
+                </a:solidFill>
+                <a:effectLst/>
+                <a:latin typeface="+mn-lt"/>
+                <a:ea typeface="+mn-ea"/>
+                <a:cs typeface="+mn-cs"/>
+              </a:rPr>
+              <a:t>、 </a:t>
+            </a:r>
+            <a:r>
+              <a:rPr lang="en-US" altLang="zh-CN" sz="1200" b="0" i="0" kern="1200" dirty="0" err="1" smtClean="0">
+                <a:solidFill>
+                  <a:schemeClr val="tx1"/>
+                </a:solidFill>
+                <a:effectLst/>
+                <a:latin typeface="+mn-lt"/>
+                <a:ea typeface="+mn-ea"/>
+                <a:cs typeface="+mn-cs"/>
+              </a:rPr>
+              <a:t>noneMatch</a:t>
+            </a:r>
+            <a:r>
+              <a:rPr lang="zh-CN" altLang="en-US" sz="1200" b="0" i="0" kern="1200" dirty="0" smtClean="0">
+                <a:solidFill>
+                  <a:schemeClr val="tx1"/>
+                </a:solidFill>
+                <a:effectLst/>
+                <a:latin typeface="+mn-lt"/>
+                <a:ea typeface="+mn-ea"/>
+                <a:cs typeface="+mn-cs"/>
+              </a:rPr>
+              <a:t>、 </a:t>
+            </a:r>
+            <a:r>
+              <a:rPr lang="en-US" altLang="zh-CN" sz="1200" b="0" i="0" kern="1200" dirty="0" err="1" smtClean="0">
+                <a:solidFill>
+                  <a:schemeClr val="tx1"/>
+                </a:solidFill>
+                <a:effectLst/>
+                <a:latin typeface="+mn-lt"/>
+                <a:ea typeface="+mn-ea"/>
+                <a:cs typeface="+mn-cs"/>
+              </a:rPr>
+              <a:t>findFirst</a:t>
+            </a:r>
+            <a:r>
+              <a:rPr lang="zh-CN" altLang="en-US" sz="1200" b="0" i="0" kern="1200" dirty="0" smtClean="0">
+                <a:solidFill>
+                  <a:schemeClr val="tx1"/>
+                </a:solidFill>
+                <a:effectLst/>
+                <a:latin typeface="+mn-lt"/>
+                <a:ea typeface="+mn-ea"/>
+                <a:cs typeface="+mn-cs"/>
+              </a:rPr>
+              <a:t>、 </a:t>
+            </a:r>
+            <a:r>
+              <a:rPr lang="en-US" altLang="zh-CN" sz="1200" b="0" i="0" kern="1200" dirty="0" err="1" smtClean="0">
+                <a:solidFill>
+                  <a:schemeClr val="tx1"/>
+                </a:solidFill>
+                <a:effectLst/>
+                <a:latin typeface="+mn-lt"/>
+                <a:ea typeface="+mn-ea"/>
+                <a:cs typeface="+mn-cs"/>
+              </a:rPr>
+              <a:t>findAny</a:t>
+            </a:r>
+            <a:r>
+              <a:rPr lang="zh-CN" altLang="en-US" sz="1200" b="0" i="0" kern="1200" dirty="0" smtClean="0">
+                <a:solidFill>
+                  <a:schemeClr val="tx1"/>
+                </a:solidFill>
+                <a:effectLst/>
+                <a:latin typeface="+mn-lt"/>
+                <a:ea typeface="+mn-ea"/>
+                <a:cs typeface="+mn-cs"/>
+              </a:rPr>
+              <a:t>、 </a:t>
+            </a:r>
+            <a:r>
+              <a:rPr lang="en-US" altLang="zh-CN" sz="1200" b="0" i="0" kern="1200" dirty="0" smtClean="0">
+                <a:solidFill>
+                  <a:schemeClr val="tx1"/>
+                </a:solidFill>
+                <a:effectLst/>
+                <a:latin typeface="+mn-lt"/>
+                <a:ea typeface="+mn-ea"/>
+                <a:cs typeface="+mn-cs"/>
+              </a:rPr>
+              <a:t>iterator</a:t>
+            </a:r>
+          </a:p>
+          <a:p>
+            <a:pPr fontAlgn="base"/>
+            <a:r>
+              <a:rPr lang="en-US" altLang="zh-CN" sz="1200" b="0" i="0" kern="1200" dirty="0" smtClean="0">
+                <a:solidFill>
+                  <a:schemeClr val="tx1"/>
+                </a:solidFill>
+                <a:effectLst/>
+                <a:latin typeface="+mn-lt"/>
+                <a:ea typeface="+mn-ea"/>
+                <a:cs typeface="+mn-cs"/>
+              </a:rPr>
+              <a:t>Short-circuiting</a:t>
+            </a:r>
+            <a:r>
+              <a:rPr lang="zh-CN" altLang="en-US" sz="1200" b="0" i="0" kern="1200" dirty="0" smtClean="0">
+                <a:solidFill>
+                  <a:schemeClr val="tx1"/>
+                </a:solidFill>
+                <a:effectLst/>
+                <a:latin typeface="+mn-lt"/>
+                <a:ea typeface="+mn-ea"/>
+                <a:cs typeface="+mn-cs"/>
+              </a:rPr>
+              <a:t>：</a:t>
+            </a:r>
+          </a:p>
+          <a:p>
+            <a:pPr fontAlgn="base"/>
+            <a:r>
+              <a:rPr lang="en-US" altLang="zh-CN" sz="1200" b="0" i="0" kern="1200" dirty="0" smtClean="0">
+                <a:solidFill>
+                  <a:schemeClr val="tx1"/>
+                </a:solidFill>
+                <a:effectLst/>
+                <a:latin typeface="+mn-lt"/>
+                <a:ea typeface="+mn-ea"/>
+                <a:cs typeface="+mn-cs"/>
+              </a:rPr>
+              <a:t>	</a:t>
+            </a:r>
+            <a:r>
+              <a:rPr lang="en-US" altLang="zh-CN" sz="1200" b="0" i="0" kern="1200" dirty="0" err="1" smtClean="0">
+                <a:solidFill>
+                  <a:schemeClr val="tx1"/>
+                </a:solidFill>
+                <a:effectLst/>
+                <a:latin typeface="+mn-lt"/>
+                <a:ea typeface="+mn-ea"/>
+                <a:cs typeface="+mn-cs"/>
+              </a:rPr>
+              <a:t>anyMatch</a:t>
+            </a:r>
+            <a:r>
+              <a:rPr lang="zh-CN" altLang="en-US" sz="1200" b="0" i="0" kern="1200" dirty="0" smtClean="0">
+                <a:solidFill>
+                  <a:schemeClr val="tx1"/>
+                </a:solidFill>
+                <a:effectLst/>
+                <a:latin typeface="+mn-lt"/>
+                <a:ea typeface="+mn-ea"/>
+                <a:cs typeface="+mn-cs"/>
+              </a:rPr>
+              <a:t>、 </a:t>
+            </a:r>
+            <a:r>
+              <a:rPr lang="en-US" altLang="zh-CN" sz="1200" b="0" i="0" kern="1200" dirty="0" err="1" smtClean="0">
+                <a:solidFill>
+                  <a:schemeClr val="tx1"/>
+                </a:solidFill>
+                <a:effectLst/>
+                <a:latin typeface="+mn-lt"/>
+                <a:ea typeface="+mn-ea"/>
+                <a:cs typeface="+mn-cs"/>
+              </a:rPr>
+              <a:t>allMatch</a:t>
+            </a:r>
+            <a:r>
+              <a:rPr lang="zh-CN" altLang="en-US" sz="1200" b="0" i="0" kern="1200" dirty="0" smtClean="0">
+                <a:solidFill>
+                  <a:schemeClr val="tx1"/>
+                </a:solidFill>
+                <a:effectLst/>
+                <a:latin typeface="+mn-lt"/>
+                <a:ea typeface="+mn-ea"/>
+                <a:cs typeface="+mn-cs"/>
+              </a:rPr>
+              <a:t>、 </a:t>
+            </a:r>
+            <a:r>
+              <a:rPr lang="en-US" altLang="zh-CN" sz="1200" b="0" i="0" kern="1200" dirty="0" err="1" smtClean="0">
+                <a:solidFill>
+                  <a:schemeClr val="tx1"/>
+                </a:solidFill>
+                <a:effectLst/>
+                <a:latin typeface="+mn-lt"/>
+                <a:ea typeface="+mn-ea"/>
+                <a:cs typeface="+mn-cs"/>
+              </a:rPr>
+              <a:t>noneMatch</a:t>
+            </a:r>
+            <a:r>
+              <a:rPr lang="zh-CN" altLang="en-US" sz="1200" b="0" i="0" kern="1200" dirty="0" smtClean="0">
+                <a:solidFill>
+                  <a:schemeClr val="tx1"/>
+                </a:solidFill>
+                <a:effectLst/>
+                <a:latin typeface="+mn-lt"/>
+                <a:ea typeface="+mn-ea"/>
+                <a:cs typeface="+mn-cs"/>
+              </a:rPr>
+              <a:t>、 </a:t>
+            </a:r>
+            <a:r>
+              <a:rPr lang="en-US" altLang="zh-CN" sz="1200" b="0" i="0" kern="1200" dirty="0" err="1" smtClean="0">
+                <a:solidFill>
+                  <a:schemeClr val="tx1"/>
+                </a:solidFill>
+                <a:effectLst/>
+                <a:latin typeface="+mn-lt"/>
+                <a:ea typeface="+mn-ea"/>
+                <a:cs typeface="+mn-cs"/>
+              </a:rPr>
+              <a:t>findFirst</a:t>
+            </a:r>
+            <a:r>
+              <a:rPr lang="zh-CN" altLang="en-US" sz="1200" b="0" i="0" kern="1200" dirty="0" smtClean="0">
+                <a:solidFill>
+                  <a:schemeClr val="tx1"/>
+                </a:solidFill>
+                <a:effectLst/>
+                <a:latin typeface="+mn-lt"/>
+                <a:ea typeface="+mn-ea"/>
+                <a:cs typeface="+mn-cs"/>
+              </a:rPr>
+              <a:t>、 </a:t>
+            </a:r>
+            <a:r>
+              <a:rPr lang="en-US" altLang="zh-CN" sz="1200" b="0" i="0" kern="1200" dirty="0" err="1" smtClean="0">
+                <a:solidFill>
+                  <a:schemeClr val="tx1"/>
+                </a:solidFill>
+                <a:effectLst/>
+                <a:latin typeface="+mn-lt"/>
+                <a:ea typeface="+mn-ea"/>
+                <a:cs typeface="+mn-cs"/>
+              </a:rPr>
+              <a:t>findAny</a:t>
+            </a:r>
+            <a:r>
+              <a:rPr lang="zh-CN" altLang="en-US" sz="1200" b="0" i="0" kern="1200" dirty="0" smtClean="0">
+                <a:solidFill>
+                  <a:schemeClr val="tx1"/>
+                </a:solidFill>
+                <a:effectLst/>
+                <a:latin typeface="+mn-lt"/>
+                <a:ea typeface="+mn-ea"/>
+                <a:cs typeface="+mn-cs"/>
+              </a:rPr>
+              <a:t>、 </a:t>
+            </a:r>
+            <a:r>
+              <a:rPr lang="en-US" altLang="zh-CN" sz="1200" b="0" i="0" kern="1200" dirty="0" smtClean="0">
+                <a:solidFill>
+                  <a:schemeClr val="tx1"/>
+                </a:solidFill>
+                <a:effectLst/>
+                <a:latin typeface="+mn-lt"/>
+                <a:ea typeface="+mn-ea"/>
+                <a:cs typeface="+mn-cs"/>
+              </a:rPr>
+              <a:t>limit</a:t>
+            </a:r>
+          </a:p>
+          <a:p>
+            <a:r>
+              <a:rPr lang="en-US" altLang="zh-CN" sz="1200" b="0" i="0" kern="1200" dirty="0" smtClean="0">
+                <a:solidFill>
+                  <a:schemeClr val="tx1"/>
+                </a:solidFill>
+                <a:effectLst/>
+                <a:latin typeface="+mn-lt"/>
+                <a:ea typeface="+mn-ea"/>
+                <a:cs typeface="+mn-cs"/>
+              </a:rPr>
+              <a:t> Stream </a:t>
+            </a:r>
+            <a:r>
+              <a:rPr lang="zh-CN" altLang="en-US" sz="1200" b="0" i="0" kern="1200" dirty="0" smtClean="0">
+                <a:solidFill>
+                  <a:schemeClr val="tx1"/>
+                </a:solidFill>
+                <a:effectLst/>
+                <a:latin typeface="+mn-lt"/>
+                <a:ea typeface="+mn-ea"/>
+                <a:cs typeface="+mn-cs"/>
+              </a:rPr>
+              <a:t>的比较典型用法：</a:t>
+            </a:r>
+            <a:endParaRPr lang="en-US" altLang="zh-CN" sz="1200" b="0" i="0" kern="1200" dirty="0" smtClean="0">
+              <a:solidFill>
+                <a:schemeClr val="tx1"/>
+              </a:solidFill>
+              <a:effectLst/>
+              <a:latin typeface="+mn-lt"/>
+              <a:ea typeface="+mn-ea"/>
+              <a:cs typeface="+mn-cs"/>
+            </a:endParaRPr>
+          </a:p>
+          <a:p>
+            <a:r>
+              <a:rPr lang="en-US" altLang="zh-CN" sz="1200" b="1" i="0" kern="1200" dirty="0" smtClean="0">
+                <a:solidFill>
+                  <a:schemeClr val="tx1"/>
+                </a:solidFill>
+                <a:effectLst/>
+                <a:latin typeface="+mn-lt"/>
+                <a:ea typeface="+mn-ea"/>
+                <a:cs typeface="+mn-cs"/>
+              </a:rPr>
+              <a:t>	</a:t>
+            </a:r>
+            <a:r>
+              <a:rPr lang="en-US" altLang="zh-CN" sz="1200" b="0" i="0" kern="1200" dirty="0" smtClean="0">
+                <a:solidFill>
+                  <a:schemeClr val="tx1"/>
+                </a:solidFill>
+                <a:effectLst/>
+                <a:latin typeface="+mn-lt"/>
+                <a:ea typeface="+mn-ea"/>
+                <a:cs typeface="+mn-cs"/>
+              </a:rPr>
+              <a:t>map/</a:t>
+            </a:r>
+            <a:r>
+              <a:rPr lang="en-US" altLang="zh-CN" sz="1200" b="0" i="0" kern="1200" dirty="0" err="1" smtClean="0">
+                <a:solidFill>
+                  <a:schemeClr val="tx1"/>
+                </a:solidFill>
+                <a:effectLst/>
+                <a:latin typeface="+mn-lt"/>
+                <a:ea typeface="+mn-ea"/>
+                <a:cs typeface="+mn-cs"/>
+              </a:rPr>
+              <a:t>flatMap</a:t>
+            </a:r>
+            <a:r>
+              <a:rPr lang="zh-CN" altLang="en-US" sz="1200" b="0" i="0" kern="1200" dirty="0" smtClean="0">
+                <a:solidFill>
+                  <a:schemeClr val="tx1"/>
+                </a:solidFill>
+                <a:effectLst/>
+                <a:latin typeface="+mn-lt"/>
+                <a:ea typeface="+mn-ea"/>
+                <a:cs typeface="+mn-cs"/>
+              </a:rPr>
+              <a:t>、</a:t>
+            </a:r>
+            <a:r>
+              <a:rPr lang="en-US" altLang="zh-CN" sz="1200" b="0" i="0" kern="1200" dirty="0" smtClean="0">
+                <a:solidFill>
+                  <a:schemeClr val="tx1"/>
+                </a:solidFill>
+                <a:effectLst/>
+                <a:latin typeface="+mn-lt"/>
+                <a:ea typeface="+mn-ea"/>
+                <a:cs typeface="+mn-cs"/>
+              </a:rPr>
+              <a:t>filter</a:t>
+            </a:r>
+            <a:r>
+              <a:rPr lang="zh-CN" altLang="en-US" sz="1200" b="0" i="0" kern="1200" dirty="0" smtClean="0">
+                <a:solidFill>
+                  <a:schemeClr val="tx1"/>
+                </a:solidFill>
+                <a:effectLst/>
+                <a:latin typeface="+mn-lt"/>
+                <a:ea typeface="+mn-ea"/>
+                <a:cs typeface="+mn-cs"/>
+              </a:rPr>
+              <a:t>、</a:t>
+            </a:r>
+            <a:r>
+              <a:rPr lang="en-US" altLang="zh-CN" sz="1200" b="0" i="0" kern="1200" dirty="0" err="1" smtClean="0">
+                <a:solidFill>
+                  <a:schemeClr val="tx1"/>
+                </a:solidFill>
+                <a:effectLst/>
+                <a:latin typeface="+mn-lt"/>
+                <a:ea typeface="+mn-ea"/>
+                <a:cs typeface="+mn-cs"/>
+              </a:rPr>
+              <a:t>forEach</a:t>
+            </a:r>
+            <a:r>
+              <a:rPr lang="zh-CN" altLang="en-US" sz="1200" b="0" i="0" kern="1200" dirty="0" smtClean="0">
+                <a:solidFill>
+                  <a:schemeClr val="tx1"/>
+                </a:solidFill>
+                <a:effectLst/>
+                <a:latin typeface="+mn-lt"/>
+                <a:ea typeface="+mn-ea"/>
+                <a:cs typeface="+mn-cs"/>
+              </a:rPr>
+              <a:t>、</a:t>
+            </a:r>
+            <a:r>
+              <a:rPr lang="en-US" altLang="zh-CN" sz="1200" b="0" i="0" kern="1200" dirty="0" err="1" smtClean="0">
+                <a:solidFill>
+                  <a:schemeClr val="tx1"/>
+                </a:solidFill>
+                <a:effectLst/>
+                <a:latin typeface="+mn-lt"/>
+                <a:ea typeface="+mn-ea"/>
+                <a:cs typeface="+mn-cs"/>
+              </a:rPr>
+              <a:t>findFirst</a:t>
+            </a:r>
+            <a:r>
+              <a:rPr lang="zh-CN" altLang="en-US" sz="1200" b="0" i="0" kern="1200" dirty="0" smtClean="0">
+                <a:solidFill>
+                  <a:schemeClr val="tx1"/>
+                </a:solidFill>
+                <a:effectLst/>
+                <a:latin typeface="+mn-lt"/>
+                <a:ea typeface="+mn-ea"/>
+                <a:cs typeface="+mn-cs"/>
+              </a:rPr>
+              <a:t>、</a:t>
+            </a:r>
+            <a:r>
+              <a:rPr lang="en-US" altLang="zh-CN" sz="1200" b="0" i="0" kern="1200" dirty="0" smtClean="0">
+                <a:solidFill>
+                  <a:schemeClr val="tx1"/>
+                </a:solidFill>
+                <a:effectLst/>
+                <a:latin typeface="+mn-lt"/>
+                <a:ea typeface="+mn-ea"/>
+                <a:cs typeface="+mn-cs"/>
+              </a:rPr>
+              <a:t>reduce</a:t>
+            </a:r>
+            <a:r>
+              <a:rPr lang="zh-CN" altLang="en-US" sz="1200" b="0" i="0" kern="1200" dirty="0" smtClean="0">
+                <a:solidFill>
+                  <a:schemeClr val="tx1"/>
+                </a:solidFill>
+                <a:effectLst/>
+                <a:latin typeface="+mn-lt"/>
+                <a:ea typeface="+mn-ea"/>
+                <a:cs typeface="+mn-cs"/>
+              </a:rPr>
+              <a:t>、</a:t>
+            </a:r>
+            <a:r>
+              <a:rPr lang="en-US" altLang="zh-CN" sz="1200" b="0" i="0" kern="1200" dirty="0" smtClean="0">
+                <a:solidFill>
+                  <a:schemeClr val="tx1"/>
+                </a:solidFill>
+                <a:effectLst/>
+                <a:latin typeface="+mn-lt"/>
+                <a:ea typeface="+mn-ea"/>
+                <a:cs typeface="+mn-cs"/>
+              </a:rPr>
+              <a:t>limit/skip</a:t>
+            </a:r>
+            <a:r>
+              <a:rPr lang="zh-CN" altLang="en-US" sz="1200" b="0" i="0" kern="1200" dirty="0" smtClean="0">
+                <a:solidFill>
+                  <a:schemeClr val="tx1"/>
+                </a:solidFill>
+                <a:effectLst/>
+                <a:latin typeface="+mn-lt"/>
+                <a:ea typeface="+mn-ea"/>
+                <a:cs typeface="+mn-cs"/>
+              </a:rPr>
+              <a:t>、</a:t>
+            </a:r>
+            <a:r>
+              <a:rPr lang="en-US" altLang="zh-CN" sz="1200" b="0" i="0" kern="1200" dirty="0" smtClean="0">
+                <a:solidFill>
+                  <a:schemeClr val="tx1"/>
+                </a:solidFill>
+                <a:effectLst/>
+                <a:latin typeface="+mn-lt"/>
+                <a:ea typeface="+mn-ea"/>
+                <a:cs typeface="+mn-cs"/>
+              </a:rPr>
+              <a:t>sorted</a:t>
+            </a:r>
+            <a:r>
+              <a:rPr lang="zh-CN" altLang="en-US" sz="1200" b="0" i="0" kern="1200" dirty="0" smtClean="0">
+                <a:solidFill>
+                  <a:schemeClr val="tx1"/>
+                </a:solidFill>
+                <a:effectLst/>
+                <a:latin typeface="+mn-lt"/>
+                <a:ea typeface="+mn-ea"/>
+                <a:cs typeface="+mn-cs"/>
+              </a:rPr>
+              <a:t>、</a:t>
+            </a:r>
+            <a:r>
+              <a:rPr lang="en-US" altLang="zh-CN" sz="1200" b="0" i="0" kern="1200" dirty="0" smtClean="0">
+                <a:solidFill>
+                  <a:schemeClr val="tx1"/>
+                </a:solidFill>
+                <a:effectLst/>
+                <a:latin typeface="+mn-lt"/>
+                <a:ea typeface="+mn-ea"/>
+                <a:cs typeface="+mn-cs"/>
+              </a:rPr>
+              <a:t>min/max/distinct</a:t>
+            </a:r>
+            <a:r>
+              <a:rPr lang="zh-CN" altLang="en-US" sz="1200" b="0" i="0" kern="1200" dirty="0" smtClean="0">
+                <a:solidFill>
+                  <a:schemeClr val="tx1"/>
+                </a:solidFill>
+                <a:effectLst/>
+                <a:latin typeface="+mn-lt"/>
+                <a:ea typeface="+mn-ea"/>
+                <a:cs typeface="+mn-cs"/>
+              </a:rPr>
+              <a:t>、</a:t>
+            </a:r>
+            <a:r>
+              <a:rPr lang="en-US" altLang="zh-CN" sz="1200" b="0" i="0" kern="1200" dirty="0" smtClean="0">
+                <a:solidFill>
+                  <a:schemeClr val="tx1"/>
+                </a:solidFill>
+                <a:effectLst/>
+                <a:latin typeface="+mn-lt"/>
+                <a:ea typeface="+mn-ea"/>
+                <a:cs typeface="+mn-cs"/>
+              </a:rPr>
+              <a:t>Match</a:t>
+            </a:r>
+            <a:endParaRPr lang="zh-CN" altLang="en-US" b="0" dirty="0"/>
+          </a:p>
+        </p:txBody>
+      </p:sp>
+      <p:sp>
+        <p:nvSpPr>
+          <p:cNvPr id="4" name="灯片编号占位符 3"/>
+          <p:cNvSpPr>
+            <a:spLocks noGrp="1"/>
+          </p:cNvSpPr>
+          <p:nvPr>
+            <p:ph type="sldNum" sz="quarter" idx="10"/>
+          </p:nvPr>
+        </p:nvSpPr>
+        <p:spPr/>
+        <p:txBody>
+          <a:bodyPr/>
+          <a:lstStyle/>
+          <a:p>
+            <a:fld id="{AFE7BD3E-3FA7-4F3F-AF51-37770D65EE70}" type="slidenum">
+              <a:rPr lang="zh-CN" altLang="en-US" smtClean="0"/>
+              <a:t>23</a:t>
+            </a:fld>
+            <a:endParaRPr lang="zh-CN" altLang="en-US"/>
+          </a:p>
+        </p:txBody>
+      </p:sp>
+    </p:spTree>
+    <p:extLst>
+      <p:ext uri="{BB962C8B-B14F-4D97-AF65-F5344CB8AC3E}">
+        <p14:creationId xmlns:p14="http://schemas.microsoft.com/office/powerpoint/2010/main" val="909567192"/>
       </p:ext>
     </p:extLst>
   </p:cSld>
@@ -20448,7 +23132,7 @@
           <a:p>
             <a:fld id="{6881BE54-57B2-41CA-B566-64094B505A1A}" type="datetimeFigureOut">
               <a:rPr lang="zh-CN" altLang="en-US" smtClean="0"/>
-              <a:t>2017/5/24</a:t>
+              <a:t>2017/5/25</a:t>
             </a:fld>
             <a:endParaRPr lang="zh-CN" altLang="en-US"/>
           </a:p>
@@ -20618,7 +23302,7 @@
           <a:p>
             <a:fld id="{6881BE54-57B2-41CA-B566-64094B505A1A}" type="datetimeFigureOut">
               <a:rPr lang="zh-CN" altLang="en-US" smtClean="0"/>
-              <a:t>2017/5/24</a:t>
+              <a:t>2017/5/25</a:t>
             </a:fld>
             <a:endParaRPr lang="zh-CN" altLang="en-US"/>
           </a:p>
@@ -20798,7 +23482,7 @@
           <a:p>
             <a:fld id="{6881BE54-57B2-41CA-B566-64094B505A1A}" type="datetimeFigureOut">
               <a:rPr lang="zh-CN" altLang="en-US" smtClean="0"/>
-              <a:t>2017/5/24</a:t>
+              <a:t>2017/5/25</a:t>
             </a:fld>
             <a:endParaRPr lang="zh-CN" altLang="en-US"/>
           </a:p>
@@ -20968,7 +23652,7 @@
           <a:p>
             <a:fld id="{6881BE54-57B2-41CA-B566-64094B505A1A}" type="datetimeFigureOut">
               <a:rPr lang="zh-CN" altLang="en-US" smtClean="0"/>
-              <a:t>2017/5/24</a:t>
+              <a:t>2017/5/25</a:t>
             </a:fld>
             <a:endParaRPr lang="zh-CN" altLang="en-US"/>
           </a:p>
@@ -21214,7 +23898,7 @@
           <a:p>
             <a:fld id="{6881BE54-57B2-41CA-B566-64094B505A1A}" type="datetimeFigureOut">
               <a:rPr lang="zh-CN" altLang="en-US" smtClean="0"/>
-              <a:t>2017/5/24</a:t>
+              <a:t>2017/5/25</a:t>
             </a:fld>
             <a:endParaRPr lang="zh-CN" altLang="en-US"/>
           </a:p>
@@ -21446,7 +24130,7 @@
           <a:p>
             <a:fld id="{6881BE54-57B2-41CA-B566-64094B505A1A}" type="datetimeFigureOut">
               <a:rPr lang="zh-CN" altLang="en-US" smtClean="0"/>
-              <a:t>2017/5/24</a:t>
+              <a:t>2017/5/25</a:t>
             </a:fld>
             <a:endParaRPr lang="zh-CN" altLang="en-US"/>
           </a:p>
@@ -21813,7 +24497,7 @@
           <a:p>
             <a:fld id="{6881BE54-57B2-41CA-B566-64094B505A1A}" type="datetimeFigureOut">
               <a:rPr lang="zh-CN" altLang="en-US" smtClean="0"/>
-              <a:t>2017/5/24</a:t>
+              <a:t>2017/5/25</a:t>
             </a:fld>
             <a:endParaRPr lang="zh-CN" altLang="en-US"/>
           </a:p>
@@ -21931,7 +24615,7 @@
           <a:p>
             <a:fld id="{6881BE54-57B2-41CA-B566-64094B505A1A}" type="datetimeFigureOut">
               <a:rPr lang="zh-CN" altLang="en-US" smtClean="0"/>
-              <a:t>2017/5/24</a:t>
+              <a:t>2017/5/25</a:t>
             </a:fld>
             <a:endParaRPr lang="zh-CN" altLang="en-US"/>
           </a:p>
@@ -22026,7 +24710,7 @@
           <a:p>
             <a:fld id="{6881BE54-57B2-41CA-B566-64094B505A1A}" type="datetimeFigureOut">
               <a:rPr lang="zh-CN" altLang="en-US" smtClean="0"/>
-              <a:t>2017/5/24</a:t>
+              <a:t>2017/5/25</a:t>
             </a:fld>
             <a:endParaRPr lang="zh-CN" altLang="en-US"/>
           </a:p>
@@ -22303,7 +24987,7 @@
           <a:p>
             <a:fld id="{6881BE54-57B2-41CA-B566-64094B505A1A}" type="datetimeFigureOut">
               <a:rPr lang="zh-CN" altLang="en-US" smtClean="0"/>
-              <a:t>2017/5/24</a:t>
+              <a:t>2017/5/25</a:t>
             </a:fld>
             <a:endParaRPr lang="zh-CN" altLang="en-US"/>
           </a:p>
@@ -22556,7 +25240,7 @@
           <a:p>
             <a:fld id="{6881BE54-57B2-41CA-B566-64094B505A1A}" type="datetimeFigureOut">
               <a:rPr lang="zh-CN" altLang="en-US" smtClean="0"/>
-              <a:t>2017/5/24</a:t>
+              <a:t>2017/5/25</a:t>
             </a:fld>
             <a:endParaRPr lang="zh-CN" altLang="en-US"/>
           </a:p>
@@ -22799,7 +25483,7 @@
           <a:p>
             <a:fld id="{6881BE54-57B2-41CA-B566-64094B505A1A}" type="datetimeFigureOut">
               <a:rPr lang="zh-CN" altLang="en-US" smtClean="0"/>
-              <a:t>2017/5/24</a:t>
+              <a:t>2017/5/25</a:t>
             </a:fld>
             <a:endParaRPr lang="zh-CN" altLang="en-US"/>
           </a:p>
@@ -23244,8 +25928,13 @@
           <a:p>
             <a:r>
               <a:rPr lang="en-US" altLang="zh-CN" dirty="0" smtClean="0"/>
-              <a:t>2017-05-27</a:t>
-            </a:r>
+              <a:t>2017-05-27 created by </a:t>
+            </a:r>
+            <a:r>
+              <a:rPr lang="en-US" altLang="zh-CN" dirty="0" err="1" smtClean="0"/>
+              <a:t>Liudebin</a:t>
+            </a:r>
+            <a:endParaRPr lang="en-US" altLang="zh-CN" dirty="0" smtClean="0"/>
           </a:p>
           <a:p>
             <a:endParaRPr lang="zh-CN" altLang="en-US" dirty="0"/>
@@ -24385,7 +27074,7 @@
           <a:graphicData uri="http://schemas.openxmlformats.org/presentationml/2006/ole">
             <mc:AlternateContent xmlns:mc="http://schemas.openxmlformats.org/markup-compatibility/2006">
               <mc:Choice xmlns:v="urn:schemas-microsoft-com:vml" Requires="v">
-                <p:oleObj spid="_x0000_s2636" name="包装程序外壳对象" showAsIcon="1" r:id="rId4" imgW="846720" imgH="571320" progId="Package">
+                <p:oleObj spid="_x0000_s3040" name="包装程序外壳对象" showAsIcon="1" r:id="rId4" imgW="846720" imgH="571320" progId="Package">
                   <p:embed/>
                 </p:oleObj>
               </mc:Choice>
@@ -24442,7 +27131,7 @@
           <a:graphicData uri="http://schemas.openxmlformats.org/presentationml/2006/ole">
             <mc:AlternateContent xmlns:mc="http://schemas.openxmlformats.org/markup-compatibility/2006">
               <mc:Choice xmlns:v="urn:schemas-microsoft-com:vml" Requires="v">
-                <p:oleObj spid="_x0000_s2637" name="包装程序外壳对象" showAsIcon="1" r:id="rId6" imgW="2050200" imgH="571320" progId="Package">
+                <p:oleObj spid="_x0000_s3041" name="包装程序外壳对象" showAsIcon="1" r:id="rId6" imgW="2050200" imgH="571320" progId="Package">
                   <p:embed/>
                 </p:oleObj>
               </mc:Choice>
@@ -26491,6 +29180,291 @@
           </a:p>
         </p:txBody>
       </p:sp>
+      <p:graphicFrame>
+        <p:nvGraphicFramePr>
+          <p:cNvPr id="4" name="表格 3"/>
+          <p:cNvGraphicFramePr>
+            <a:graphicFrameLocks noGrp="1"/>
+          </p:cNvGraphicFramePr>
+          <p:nvPr>
+            <p:extLst>
+              <p:ext uri="{D42A27DB-BD31-4B8C-83A1-F6EECF244321}">
+                <p14:modId xmlns:p14="http://schemas.microsoft.com/office/powerpoint/2010/main" val="2199349195"/>
+              </p:ext>
+            </p:extLst>
+          </p:nvPr>
+        </p:nvGraphicFramePr>
+        <p:xfrm>
+          <a:off x="1625600" y="2671763"/>
+          <a:ext cx="8128000" cy="3505200"/>
+        </p:xfrm>
+        <a:graphic>
+          <a:graphicData uri="http://schemas.openxmlformats.org/drawingml/2006/table">
+            <a:tbl>
+              <a:tblPr firstRow="1" bandRow="1">
+                <a:tableStyleId>{5C22544A-7EE6-4342-B048-85BDC9FD1C3A}</a:tableStyleId>
+              </a:tblPr>
+              <a:tblGrid>
+                <a:gridCol w="8128000"/>
+              </a:tblGrid>
+              <a:tr h="370840">
+                <a:tc>
+                  <a:txBody>
+                    <a:bodyPr/>
+                    <a:lstStyle/>
+                    <a:p>
+                      <a:r>
+                        <a:rPr lang="en-US" altLang="zh-CN" sz="1600" b="0" dirty="0" smtClean="0">
+                          <a:solidFill>
+                            <a:schemeClr val="tx1"/>
+                          </a:solidFill>
+                        </a:rPr>
+                        <a:t>@</a:t>
+                      </a:r>
+                      <a:r>
+                        <a:rPr lang="en-US" altLang="zh-CN" sz="1600" b="0" dirty="0" err="1" smtClean="0">
+                          <a:solidFill>
+                            <a:schemeClr val="tx1"/>
+                          </a:solidFill>
+                        </a:rPr>
+                        <a:t>FunctionalInterface</a:t>
+                      </a:r>
+                      <a:endParaRPr lang="en-US" altLang="zh-CN" sz="1600" b="0" dirty="0" smtClean="0">
+                        <a:solidFill>
+                          <a:schemeClr val="tx1"/>
+                        </a:solidFill>
+                      </a:endParaRPr>
+                    </a:p>
+                    <a:p>
+                      <a:r>
+                        <a:rPr lang="en-US" altLang="zh-CN" sz="1600" b="0" dirty="0" smtClean="0">
+                          <a:solidFill>
+                            <a:schemeClr val="tx1"/>
+                          </a:solidFill>
+                        </a:rPr>
+                        <a:t>public interface </a:t>
+                      </a:r>
+                      <a:r>
+                        <a:rPr lang="en-US" altLang="zh-CN" sz="1600" b="0" dirty="0" err="1" smtClean="0">
+                          <a:solidFill>
+                            <a:schemeClr val="tx1"/>
+                          </a:solidFill>
+                        </a:rPr>
+                        <a:t>GreetingService</a:t>
+                      </a:r>
+                      <a:r>
+                        <a:rPr lang="en-US" altLang="zh-CN" sz="1600" b="0" dirty="0" smtClean="0">
+                          <a:solidFill>
+                            <a:schemeClr val="tx1"/>
+                          </a:solidFill>
+                        </a:rPr>
+                        <a:t> {</a:t>
+                      </a:r>
+                    </a:p>
+                    <a:p>
+                      <a:endParaRPr lang="en-US" altLang="zh-CN" sz="1600" b="0" dirty="0" smtClean="0">
+                        <a:solidFill>
+                          <a:schemeClr val="tx1"/>
+                        </a:solidFill>
+                      </a:endParaRPr>
+                    </a:p>
+                    <a:p>
+                      <a:r>
+                        <a:rPr lang="en-US" altLang="zh-CN" sz="1600" b="0" dirty="0" smtClean="0">
+                          <a:solidFill>
+                            <a:schemeClr val="tx1"/>
+                          </a:solidFill>
+                        </a:rPr>
+                        <a:t>    void </a:t>
+                      </a:r>
+                      <a:r>
+                        <a:rPr lang="en-US" altLang="zh-CN" sz="1600" b="0" dirty="0" err="1" smtClean="0">
+                          <a:solidFill>
+                            <a:schemeClr val="tx1"/>
+                          </a:solidFill>
+                        </a:rPr>
+                        <a:t>sayMessage</a:t>
+                      </a:r>
+                      <a:r>
+                        <a:rPr lang="en-US" altLang="zh-CN" sz="1600" b="0" dirty="0" smtClean="0">
+                          <a:solidFill>
+                            <a:schemeClr val="tx1"/>
+                          </a:solidFill>
+                        </a:rPr>
+                        <a:t>(String message);</a:t>
+                      </a:r>
+                    </a:p>
+                    <a:p>
+                      <a:endParaRPr lang="en-US" altLang="zh-CN" sz="1600" b="0" dirty="0" smtClean="0">
+                        <a:solidFill>
+                          <a:schemeClr val="tx1"/>
+                        </a:solidFill>
+                      </a:endParaRPr>
+                    </a:p>
+                    <a:p>
+                      <a:r>
+                        <a:rPr lang="en-US" altLang="zh-CN" sz="1600" b="0" dirty="0" smtClean="0">
+                          <a:solidFill>
+                            <a:schemeClr val="tx1"/>
+                          </a:solidFill>
+                        </a:rPr>
+                        <a:t>    static void </a:t>
+                      </a:r>
+                      <a:r>
+                        <a:rPr lang="en-US" altLang="zh-CN" sz="1600" b="0" dirty="0" err="1" smtClean="0">
+                          <a:solidFill>
+                            <a:schemeClr val="tx1"/>
+                          </a:solidFill>
+                        </a:rPr>
+                        <a:t>printHello</a:t>
+                      </a:r>
+                      <a:r>
+                        <a:rPr lang="en-US" altLang="zh-CN" sz="1600" b="0" dirty="0" smtClean="0">
+                          <a:solidFill>
+                            <a:schemeClr val="tx1"/>
+                          </a:solidFill>
+                        </a:rPr>
+                        <a:t>() {</a:t>
+                      </a:r>
+                    </a:p>
+                    <a:p>
+                      <a:r>
+                        <a:rPr lang="en-US" altLang="zh-CN" sz="1600" b="0" dirty="0" smtClean="0">
+                          <a:solidFill>
+                            <a:schemeClr val="tx1"/>
+                          </a:solidFill>
+                        </a:rPr>
+                        <a:t>        </a:t>
+                      </a:r>
+                      <a:r>
+                        <a:rPr lang="en-US" altLang="zh-CN" sz="1600" b="0" dirty="0" err="1" smtClean="0">
+                          <a:solidFill>
+                            <a:schemeClr val="tx1"/>
+                          </a:solidFill>
+                        </a:rPr>
+                        <a:t>System.out.println</a:t>
+                      </a:r>
+                      <a:r>
+                        <a:rPr lang="en-US" altLang="zh-CN" sz="1600" b="0" dirty="0" smtClean="0">
+                          <a:solidFill>
+                            <a:schemeClr val="tx1"/>
+                          </a:solidFill>
+                        </a:rPr>
+                        <a:t>("Hello..");</a:t>
+                      </a:r>
+                    </a:p>
+                    <a:p>
+                      <a:r>
+                        <a:rPr lang="en-US" altLang="zh-CN" sz="1600" b="0" dirty="0" smtClean="0">
+                          <a:solidFill>
+                            <a:schemeClr val="tx1"/>
+                          </a:solidFill>
+                        </a:rPr>
+                        <a:t>    }</a:t>
+                      </a:r>
+                    </a:p>
+                    <a:p>
+                      <a:endParaRPr lang="en-US" altLang="zh-CN" sz="1600" b="0" dirty="0" smtClean="0">
+                        <a:solidFill>
+                          <a:schemeClr val="tx1"/>
+                        </a:solidFill>
+                      </a:endParaRPr>
+                    </a:p>
+                    <a:p>
+                      <a:r>
+                        <a:rPr lang="en-US" altLang="zh-CN" sz="1600" b="0" dirty="0" smtClean="0">
+                          <a:solidFill>
+                            <a:schemeClr val="tx1"/>
+                          </a:solidFill>
+                        </a:rPr>
+                        <a:t>    //</a:t>
+                      </a:r>
+                      <a:r>
+                        <a:rPr lang="zh-CN" altLang="en-US" sz="1600" b="0" dirty="0" smtClean="0">
+                          <a:solidFill>
+                            <a:schemeClr val="tx1"/>
+                          </a:solidFill>
+                        </a:rPr>
+                        <a:t>可以在接口中定义默认方法</a:t>
+                      </a:r>
+                    </a:p>
+                    <a:p>
+                      <a:r>
+                        <a:rPr lang="zh-CN" altLang="en-US" sz="1600" b="0" dirty="0" smtClean="0">
+                          <a:solidFill>
+                            <a:schemeClr val="tx1"/>
+                          </a:solidFill>
+                        </a:rPr>
+                        <a:t>    </a:t>
+                      </a:r>
+                      <a:r>
+                        <a:rPr lang="en-US" altLang="zh-CN" sz="1600" b="0" dirty="0" smtClean="0">
+                          <a:solidFill>
+                            <a:schemeClr val="tx1"/>
+                          </a:solidFill>
+                        </a:rPr>
+                        <a:t>default void doSomeMoreWork1() {</a:t>
+                      </a:r>
+                    </a:p>
+                    <a:p>
+                      <a:r>
+                        <a:rPr lang="en-US" altLang="zh-CN" sz="1600" b="0" dirty="0" smtClean="0">
+                          <a:solidFill>
+                            <a:schemeClr val="tx1"/>
+                          </a:solidFill>
+                        </a:rPr>
+                        <a:t>        </a:t>
+                      </a:r>
+                      <a:r>
+                        <a:rPr lang="en-US" altLang="zh-CN" sz="1600" b="0" dirty="0" err="1" smtClean="0">
+                          <a:solidFill>
+                            <a:schemeClr val="tx1"/>
+                          </a:solidFill>
+                        </a:rPr>
+                        <a:t>System.out.println</a:t>
+                      </a:r>
+                      <a:r>
+                        <a:rPr lang="en-US" altLang="zh-CN" sz="1600" b="0" dirty="0" smtClean="0">
+                          <a:solidFill>
+                            <a:schemeClr val="tx1"/>
+                          </a:solidFill>
+                        </a:rPr>
+                        <a:t>("default method invoke");</a:t>
+                      </a:r>
+                    </a:p>
+                    <a:p>
+                      <a:r>
+                        <a:rPr lang="en-US" altLang="zh-CN" sz="1600" b="0" dirty="0" smtClean="0">
+                          <a:solidFill>
+                            <a:schemeClr val="tx1"/>
+                          </a:solidFill>
+                        </a:rPr>
+                        <a:t>    }</a:t>
+                      </a:r>
+                    </a:p>
+                    <a:p>
+                      <a:r>
+                        <a:rPr lang="en-US" altLang="zh-CN" sz="1600" b="0" dirty="0" smtClean="0">
+                          <a:solidFill>
+                            <a:schemeClr val="tx1"/>
+                          </a:solidFill>
+                        </a:rPr>
+                        <a:t>}</a:t>
+                      </a:r>
+                      <a:endParaRPr lang="zh-CN" altLang="en-US" sz="1600" b="0" dirty="0">
+                        <a:solidFill>
+                          <a:schemeClr val="tx1"/>
+                        </a:solidFill>
+                      </a:endParaRPr>
+                    </a:p>
+                  </a:txBody>
+                  <a:tcPr/>
+                </a:tc>
+              </a:tr>
+            </a:tbl>
+          </a:graphicData>
+        </a:graphic>
+      </p:graphicFrame>
     </p:spTree>
     <p:extLst>
       <p:ext uri="{BB962C8B-B14F-4D97-AF65-F5344CB8AC3E}">
@@ -26501,6 +29475,860 @@
   <p:clrMapOvr>
     <a:masterClrMapping/>
   </p:clrMapOvr>
+  <p:timing>
+    <p:tnLst>
+      <p:par>
+        <p:cTn id="1" dur="indefinite" restart="never" nodeType="tmRoot"/>
+      </p:par>
+    </p:tnLst>
+  </p:timing>
+</p:sld>
+</file>
+
+<file path=ppt/slides/slide18.xml><?xml version="1.0" encoding="utf-8"?>
+<p:sld xmlns:a="http://schemas.openxmlformats.org/drawingml/2006/main" xmlns:r="http://schemas.openxmlformats.org/officeDocument/2006/relationships" xmlns:p="http://schemas.openxmlformats.org/presentationml/2006/main">
+  <p:cSld>
+    <p:spTree>
+      <p:nvGrpSpPr>
+        <p:cNvPr id="1" name=""/>
+        <p:cNvGrpSpPr/>
+        <p:nvPr/>
+      </p:nvGrpSpPr>
+      <p:grpSpPr>
+        <a:xfrm>
+          <a:off x="0" y="0"/>
+          <a:ext cx="0" cy="0"/>
+          <a:chOff x="0" y="0"/>
+          <a:chExt cx="0" cy="0"/>
+        </a:xfrm>
+      </p:grpSpPr>
+      <p:sp>
+        <p:nvSpPr>
+          <p:cNvPr id="2" name="标题 1"/>
+          <p:cNvSpPr>
+            <a:spLocks noGrp="1"/>
+          </p:cNvSpPr>
+          <p:nvPr>
+            <p:ph type="title"/>
+          </p:nvPr>
+        </p:nvSpPr>
+        <p:spPr>
+          <a:xfrm>
+            <a:off x="838200" y="365126"/>
+            <a:ext cx="10515600" cy="850900"/>
+          </a:xfrm>
+        </p:spPr>
+        <p:txBody>
+          <a:bodyPr/>
+          <a:lstStyle/>
+          <a:p>
+            <a:r>
+              <a:rPr lang="zh-CN" altLang="en-US" b="1" dirty="0"/>
+              <a:t>为什么要有默认</a:t>
+            </a:r>
+            <a:r>
+              <a:rPr lang="zh-CN" altLang="en-US" b="1" dirty="0" smtClean="0"/>
+              <a:t>方法</a:t>
+            </a:r>
+            <a:endParaRPr lang="zh-CN" altLang="en-US" dirty="0"/>
+          </a:p>
+        </p:txBody>
+      </p:sp>
+      <p:sp>
+        <p:nvSpPr>
+          <p:cNvPr id="3" name="内容占位符 2"/>
+          <p:cNvSpPr>
+            <a:spLocks noGrp="1"/>
+          </p:cNvSpPr>
+          <p:nvPr>
+            <p:ph idx="1"/>
+          </p:nvPr>
+        </p:nvSpPr>
+        <p:spPr>
+          <a:xfrm>
+            <a:off x="838200" y="1216025"/>
+            <a:ext cx="10515600" cy="5252507"/>
+          </a:xfrm>
+        </p:spPr>
+        <p:txBody>
+          <a:bodyPr/>
+          <a:lstStyle/>
+          <a:p>
+            <a:r>
+              <a:rPr lang="zh-CN" altLang="en-US" sz="2000" dirty="0"/>
+              <a:t>主要是为了方便扩展已有接口；如果没有默认方法，加入给</a:t>
+            </a:r>
+            <a:r>
+              <a:rPr lang="en-US" altLang="zh-CN" sz="2000" dirty="0"/>
+              <a:t>JDK</a:t>
+            </a:r>
+            <a:r>
+              <a:rPr lang="zh-CN" altLang="en-US" sz="2000" dirty="0"/>
+              <a:t>中的某个接口添加一个新的抽象方法，那么所有实现了该接口的类都得修改，影响将非常大</a:t>
+            </a:r>
+            <a:r>
+              <a:rPr lang="zh-CN" altLang="en-US" sz="2000" dirty="0" smtClean="0"/>
+              <a:t>。</a:t>
+            </a:r>
+            <a:r>
+              <a:rPr lang="en-US" altLang="zh-CN" sz="2000" dirty="0" smtClean="0"/>
+              <a:t>(</a:t>
+            </a:r>
+            <a:r>
+              <a:rPr lang="zh-CN" altLang="en-US" sz="2000" dirty="0" smtClean="0"/>
+              <a:t>都得实现</a:t>
+            </a:r>
+            <a:r>
+              <a:rPr lang="en-US" altLang="zh-CN" sz="2000" dirty="0" smtClean="0"/>
+              <a:t>)</a:t>
+            </a:r>
+            <a:endParaRPr lang="zh-CN" altLang="en-US" sz="2000" dirty="0"/>
+          </a:p>
+          <a:p>
+            <a:r>
+              <a:rPr lang="zh-CN" altLang="en-US" sz="2000" dirty="0"/>
+              <a:t>使用默认方法，可以给已有接口添加新方法，而不用修改该接口的实现类。当然，接口中新添加的默认方法，所有实现类也会继承该方法</a:t>
+            </a:r>
+            <a:r>
+              <a:rPr lang="zh-CN" altLang="en-US" sz="2000" dirty="0" smtClean="0"/>
+              <a:t>。</a:t>
+            </a:r>
+            <a:r>
+              <a:rPr lang="en-US" altLang="zh-CN" sz="2000" dirty="0" smtClean="0"/>
+              <a:t>(</a:t>
+            </a:r>
+            <a:r>
+              <a:rPr lang="zh-CN" altLang="en-US" sz="2000" dirty="0" smtClean="0"/>
+              <a:t>都会继承</a:t>
+            </a:r>
+            <a:r>
+              <a:rPr lang="en-US" altLang="zh-CN" sz="2000" dirty="0" smtClean="0"/>
+              <a:t>)</a:t>
+            </a:r>
+            <a:endParaRPr lang="zh-CN" altLang="en-US" sz="2000" dirty="0"/>
+          </a:p>
+          <a:p>
+            <a:pPr lvl="1"/>
+            <a:r>
+              <a:rPr lang="zh-CN" altLang="en-US" sz="1600" dirty="0"/>
+              <a:t>举个例子，在</a:t>
+            </a:r>
+            <a:r>
+              <a:rPr lang="en-US" altLang="zh-CN" sz="1600" dirty="0"/>
+              <a:t>Java 8</a:t>
+            </a:r>
+            <a:r>
+              <a:rPr lang="zh-CN" altLang="en-US" sz="1600" dirty="0"/>
+              <a:t>的</a:t>
+            </a:r>
+            <a:r>
+              <a:rPr lang="en-US" altLang="zh-CN" sz="1600" dirty="0" err="1"/>
+              <a:t>Iterable</a:t>
+            </a:r>
+            <a:r>
+              <a:rPr lang="zh-CN" altLang="en-US" sz="1600" dirty="0"/>
+              <a:t>接口中，新增了一个默认方法</a:t>
+            </a:r>
+            <a:r>
+              <a:rPr lang="en-US" altLang="zh-CN" sz="1600" dirty="0" err="1"/>
+              <a:t>forEach</a:t>
+            </a:r>
+            <a:r>
+              <a:rPr lang="zh-CN" altLang="en-US" sz="1600" dirty="0"/>
+              <a:t>，也正因为</a:t>
+            </a:r>
+            <a:r>
+              <a:rPr lang="en-US" altLang="zh-CN" sz="1600" dirty="0" err="1"/>
+              <a:t>forEach</a:t>
+            </a:r>
+            <a:r>
+              <a:rPr lang="zh-CN" altLang="en-US" sz="1600" dirty="0"/>
+              <a:t>是</a:t>
+            </a:r>
+            <a:r>
+              <a:rPr lang="zh-CN" altLang="en-US" sz="1600" dirty="0" smtClean="0"/>
+              <a:t>默认</a:t>
+            </a:r>
+            <a:endParaRPr lang="en-US" altLang="zh-CN" sz="1600" dirty="0" smtClean="0"/>
+          </a:p>
+          <a:p>
+            <a:pPr marL="457200" lvl="1" indent="0">
+              <a:buNone/>
+            </a:pPr>
+            <a:r>
+              <a:rPr lang="zh-CN" altLang="en-US" sz="1600" dirty="0" smtClean="0"/>
+              <a:t>方法，才</a:t>
+            </a:r>
+            <a:r>
+              <a:rPr lang="zh-CN" altLang="en-US" sz="1600" dirty="0"/>
+              <a:t>不用</a:t>
+            </a:r>
+            <a:r>
+              <a:rPr lang="zh-CN" altLang="en-US" sz="1600" dirty="0" smtClean="0"/>
+              <a:t>修改所有</a:t>
+            </a:r>
+            <a:r>
+              <a:rPr lang="en-US" altLang="zh-CN" sz="1600" dirty="0" err="1"/>
+              <a:t>Iterable</a:t>
+            </a:r>
+            <a:r>
+              <a:rPr lang="zh-CN" altLang="en-US" sz="1600" dirty="0"/>
+              <a:t>接口的实现类</a:t>
+            </a:r>
+            <a:r>
+              <a:rPr lang="zh-CN" altLang="en-US" sz="1600" dirty="0" smtClean="0"/>
+              <a:t>。</a:t>
+            </a:r>
+            <a:r>
+              <a:rPr lang="en-US" altLang="zh-CN" sz="1600" dirty="0" err="1"/>
+              <a:t>Iterable</a:t>
+            </a:r>
+            <a:r>
+              <a:rPr lang="zh-CN" altLang="en-US" sz="1600" dirty="0"/>
+              <a:t>接口新增的</a:t>
+            </a:r>
+            <a:r>
+              <a:rPr lang="en-US" altLang="zh-CN" sz="1600" dirty="0" err="1"/>
+              <a:t>forEach</a:t>
+            </a:r>
+            <a:r>
+              <a:rPr lang="zh-CN" altLang="en-US" sz="1600" dirty="0"/>
+              <a:t>方法</a:t>
+            </a:r>
+            <a:r>
+              <a:rPr lang="zh-CN" altLang="en-US" sz="1600" dirty="0" smtClean="0"/>
+              <a:t>如下</a:t>
+            </a:r>
+            <a:endParaRPr lang="en-US" altLang="zh-CN" sz="1600" dirty="0" smtClean="0"/>
+          </a:p>
+          <a:p>
+            <a:pPr marL="457200" lvl="1" indent="0">
+              <a:buNone/>
+            </a:pPr>
+            <a:r>
+              <a:rPr lang="zh-CN" altLang="en-US" sz="1600" dirty="0" smtClean="0"/>
+              <a:t>（</a:t>
+            </a:r>
+            <a:r>
+              <a:rPr lang="zh-CN" altLang="en-US" sz="1600" dirty="0"/>
+              <a:t>入参是一个函数式接口</a:t>
+            </a:r>
+            <a:r>
+              <a:rPr lang="zh-CN" altLang="en-US" sz="1600" dirty="0" smtClean="0"/>
+              <a:t>，因此</a:t>
+            </a:r>
+            <a:r>
+              <a:rPr lang="zh-CN" altLang="en-US" sz="1600" dirty="0"/>
+              <a:t>支持</a:t>
+            </a:r>
+            <a:r>
+              <a:rPr lang="en-US" altLang="zh-CN" sz="1600" dirty="0"/>
+              <a:t>Lambda</a:t>
+            </a:r>
+            <a:r>
+              <a:rPr lang="zh-CN" altLang="en-US" sz="1600" dirty="0"/>
+              <a:t>表达式）</a:t>
+            </a:r>
+            <a:r>
+              <a:rPr lang="zh-CN" altLang="en-US" sz="1600" dirty="0" smtClean="0"/>
+              <a:t>：</a:t>
+            </a:r>
+            <a:endParaRPr lang="en-US" altLang="zh-CN" sz="1600" dirty="0" smtClean="0"/>
+          </a:p>
+          <a:p>
+            <a:pPr marL="457200" lvl="1" indent="0">
+              <a:buNone/>
+            </a:pPr>
+            <a:endParaRPr lang="en-US" altLang="zh-CN" sz="1600" dirty="0" smtClean="0"/>
+          </a:p>
+          <a:p>
+            <a:pPr marL="457200" lvl="1" indent="0">
+              <a:buNone/>
+            </a:pPr>
+            <a:endParaRPr lang="en-US" altLang="zh-CN" sz="1600" dirty="0"/>
+          </a:p>
+          <a:p>
+            <a:pPr marL="457200" lvl="1" indent="0">
+              <a:buNone/>
+            </a:pPr>
+            <a:endParaRPr lang="en-US" altLang="zh-CN" sz="1600" dirty="0" smtClean="0"/>
+          </a:p>
+          <a:p>
+            <a:pPr marL="457200" lvl="1" indent="0">
+              <a:buNone/>
+            </a:pPr>
+            <a:endParaRPr lang="en-US" altLang="zh-CN" sz="1600" dirty="0"/>
+          </a:p>
+          <a:p>
+            <a:pPr marL="457200" lvl="1" indent="0">
+              <a:buNone/>
+            </a:pPr>
+            <a:endParaRPr lang="en-US" altLang="zh-CN" sz="1600" dirty="0" smtClean="0"/>
+          </a:p>
+          <a:p>
+            <a:pPr marL="457200" lvl="1" indent="0">
+              <a:buNone/>
+            </a:pPr>
+            <a:endParaRPr lang="en-US" altLang="zh-CN" sz="1600" dirty="0"/>
+          </a:p>
+          <a:p>
+            <a:pPr marL="457200" lvl="1" indent="0">
+              <a:buNone/>
+            </a:pPr>
+            <a:endParaRPr lang="en-US" altLang="zh-CN" sz="1600" dirty="0" smtClean="0"/>
+          </a:p>
+          <a:p>
+            <a:pPr marL="457200" lvl="1" indent="0">
+              <a:buNone/>
+            </a:pPr>
+            <a:endParaRPr lang="en-US" altLang="zh-CN" sz="1600" dirty="0"/>
+          </a:p>
+          <a:p>
+            <a:pPr marL="457200" lvl="1" indent="0">
+              <a:buNone/>
+            </a:pPr>
+            <a:endParaRPr lang="en-US" altLang="zh-CN" sz="1600" dirty="0" smtClean="0"/>
+          </a:p>
+          <a:p>
+            <a:pPr marL="457200" lvl="1" indent="0">
+              <a:buNone/>
+            </a:pPr>
+            <a:r>
+              <a:rPr lang="zh-CN" altLang="en-US" sz="1600" dirty="0"/>
+              <a:t>可见，我们在未破坏</a:t>
+            </a:r>
+            <a:r>
+              <a:rPr lang="en-US" altLang="zh-CN" sz="1600" dirty="0" err="1"/>
+              <a:t>Iterable</a:t>
+            </a:r>
+            <a:r>
+              <a:rPr lang="zh-CN" altLang="en-US" sz="1600" dirty="0"/>
+              <a:t>接口实现类的前提下，给</a:t>
+            </a:r>
+            <a:r>
+              <a:rPr lang="en-US" altLang="zh-CN" sz="1600" dirty="0" err="1"/>
+              <a:t>Iterable</a:t>
+            </a:r>
+            <a:r>
+              <a:rPr lang="zh-CN" altLang="en-US" sz="1600" dirty="0"/>
+              <a:t>接口的所有实现类添加了一个新方法</a:t>
+            </a:r>
+            <a:r>
+              <a:rPr lang="en-US" altLang="zh-CN" sz="1600" dirty="0" err="1"/>
+              <a:t>forEach</a:t>
+            </a:r>
+            <a:r>
+              <a:rPr lang="zh-CN" altLang="en-US" sz="1600" dirty="0"/>
+              <a:t>，这在</a:t>
+            </a:r>
+            <a:r>
+              <a:rPr lang="en-US" altLang="zh-CN" sz="1600" dirty="0"/>
+              <a:t>Java 8</a:t>
+            </a:r>
+            <a:r>
+              <a:rPr lang="zh-CN" altLang="en-US" sz="1600" dirty="0"/>
+              <a:t>之前是不可能的。</a:t>
+            </a:r>
+          </a:p>
+        </p:txBody>
+      </p:sp>
+      <p:pic>
+        <p:nvPicPr>
+          <p:cNvPr id="4" name="Picture 2"/>
+          <p:cNvPicPr>
+            <a:picLocks noChangeAspect="1" noChangeArrowheads="1"/>
+          </p:cNvPicPr>
+          <p:nvPr/>
+        </p:nvPicPr>
+        <p:blipFill rotWithShape="1">
+          <a:blip r:embed="rId3">
+            <a:extLst>
+              <a:ext uri="{28A0092B-C50C-407E-A947-70E740481C1C}">
+                <a14:useLocalDpi xmlns:a14="http://schemas.microsoft.com/office/drawing/2010/main" val="0"/>
+              </a:ext>
+            </a:extLst>
+          </a:blip>
+          <a:srcRect l="10707" r="10534"/>
+          <a:stretch/>
+        </p:blipFill>
+        <p:spPr bwMode="auto">
+          <a:xfrm>
+            <a:off x="9949464" y="3037364"/>
+            <a:ext cx="1404336" cy="1318260"/>
+          </a:xfrm>
+          <a:prstGeom prst="rect">
+            <a:avLst/>
+          </a:prstGeom>
+          <a:noFill/>
+          <a:ln>
+            <a:noFill/>
+          </a:ln>
+          <a:extLst>
+            <a:ext uri="{909E8E84-426E-40DD-AFC4-6F175D3DCCD1}">
+              <a14:hiddenFill xmlns:a14="http://schemas.microsoft.com/office/drawing/2010/main">
+                <a:solidFill>
+                  <a:schemeClr val="accent1"/>
+                </a:solidFill>
+              </a14:hiddenFill>
+            </a:ext>
+            <a:ext uri="{91240B29-F687-4F45-9708-019B960494DF}">
+              <a14:hiddenLine xmlns:a14="http://schemas.microsoft.com/office/drawing/2010/main" w="9525">
+                <a:solidFill>
+                  <a:schemeClr val="tx1"/>
+                </a:solidFill>
+                <a:miter lim="800000"/>
+                <a:headEnd/>
+                <a:tailEnd/>
+              </a14:hiddenLine>
+            </a:ext>
+          </a:extLst>
+        </p:spPr>
+      </p:pic>
+      <p:sp>
+        <p:nvSpPr>
+          <p:cNvPr id="6" name="矩形 5"/>
+          <p:cNvSpPr/>
+          <p:nvPr/>
+        </p:nvSpPr>
+        <p:spPr>
+          <a:xfrm>
+            <a:off x="1636889" y="3307055"/>
+            <a:ext cx="6096000" cy="2585323"/>
+          </a:xfrm>
+          <a:prstGeom prst="rect">
+            <a:avLst/>
+          </a:prstGeom>
+        </p:spPr>
+        <p:txBody>
+          <a:bodyPr>
+            <a:spAutoFit/>
+          </a:bodyPr>
+          <a:lstStyle/>
+          <a:p>
+            <a:r>
+              <a:rPr lang="zh-CN" altLang="en-US" dirty="0"/>
+              <a:t>public interface Iterable&lt;T&gt; {</a:t>
+            </a:r>
+          </a:p>
+          <a:p>
+            <a:r>
+              <a:rPr lang="zh-CN" altLang="en-US" dirty="0"/>
+              <a:t>    Iterator&lt;T&gt; iterator();</a:t>
+            </a:r>
+          </a:p>
+          <a:p>
+            <a:r>
+              <a:rPr lang="zh-CN" altLang="en-US" dirty="0"/>
+              <a:t>    default void forEach(Consumer&lt;? super T&gt; action) {</a:t>
+            </a:r>
+          </a:p>
+          <a:p>
+            <a:r>
+              <a:rPr lang="zh-CN" altLang="en-US" dirty="0"/>
+              <a:t>        Objects.requireNonNull(action);</a:t>
+            </a:r>
+          </a:p>
+          <a:p>
+            <a:r>
+              <a:rPr lang="zh-CN" altLang="en-US" dirty="0"/>
+              <a:t>        for (T t : this) {</a:t>
+            </a:r>
+          </a:p>
+          <a:p>
+            <a:r>
+              <a:rPr lang="zh-CN" altLang="en-US" dirty="0"/>
+              <a:t>            action.accept(t);</a:t>
+            </a:r>
+          </a:p>
+          <a:p>
+            <a:r>
+              <a:rPr lang="zh-CN" altLang="en-US" dirty="0"/>
+              <a:t>        }</a:t>
+            </a:r>
+          </a:p>
+          <a:p>
+            <a:r>
+              <a:rPr lang="zh-CN" altLang="en-US" dirty="0"/>
+              <a:t>    }</a:t>
+            </a:r>
+          </a:p>
+          <a:p>
+            <a:r>
+              <a:rPr lang="zh-CN" altLang="en-US" dirty="0" smtClean="0"/>
+              <a:t>}</a:t>
+            </a:r>
+            <a:endParaRPr lang="zh-CN" altLang="en-US" dirty="0"/>
+          </a:p>
+        </p:txBody>
+      </p:sp>
+    </p:spTree>
+    <p:extLst>
+      <p:ext uri="{BB962C8B-B14F-4D97-AF65-F5344CB8AC3E}">
+        <p14:creationId xmlns:p14="http://schemas.microsoft.com/office/powerpoint/2010/main" val="2826426411"/>
+      </p:ext>
+    </p:extLst>
+  </p:cSld>
+  <p:clrMapOvr>
+    <a:masterClrMapping/>
+  </p:clrMapOvr>
+  <p:timing>
+    <p:tnLst>
+      <p:par>
+        <p:cTn id="1" dur="indefinite" restart="never" nodeType="tmRoot"/>
+      </p:par>
+    </p:tnLst>
+  </p:timing>
+</p:sld>
+</file>
+
+<file path=ppt/slides/slide19.xml><?xml version="1.0" encoding="utf-8"?>
+<p:sld xmlns:a="http://schemas.openxmlformats.org/drawingml/2006/main" xmlns:r="http://schemas.openxmlformats.org/officeDocument/2006/relationships" xmlns:p="http://schemas.openxmlformats.org/presentationml/2006/main">
+  <p:cSld>
+    <p:spTree>
+      <p:nvGrpSpPr>
+        <p:cNvPr id="1" name=""/>
+        <p:cNvGrpSpPr/>
+        <p:nvPr/>
+      </p:nvGrpSpPr>
+      <p:grpSpPr>
+        <a:xfrm>
+          <a:off x="0" y="0"/>
+          <a:ext cx="0" cy="0"/>
+          <a:chOff x="0" y="0"/>
+          <a:chExt cx="0" cy="0"/>
+        </a:xfrm>
+      </p:grpSpPr>
+      <p:sp>
+        <p:nvSpPr>
+          <p:cNvPr id="2" name="标题 1"/>
+          <p:cNvSpPr>
+            <a:spLocks noGrp="1"/>
+          </p:cNvSpPr>
+          <p:nvPr>
+            <p:ph type="title"/>
+          </p:nvPr>
+        </p:nvSpPr>
+        <p:spPr/>
+        <p:txBody>
+          <a:bodyPr>
+            <a:normAutofit/>
+          </a:bodyPr>
+          <a:lstStyle/>
+          <a:p>
+            <a:r>
+              <a:rPr lang="zh-CN" altLang="en-US" sz="2800" b="1" dirty="0" smtClean="0"/>
+              <a:t>重写</a:t>
+            </a:r>
+            <a:r>
+              <a:rPr lang="en-US" altLang="zh-CN" sz="2800" b="1" dirty="0" smtClean="0"/>
+              <a:t>(</a:t>
+            </a:r>
+            <a:r>
+              <a:rPr lang="en-US" altLang="zh-CN" sz="2800" b="1" dirty="0"/>
+              <a:t>Override</a:t>
+            </a:r>
+            <a:r>
+              <a:rPr lang="en-US" altLang="zh-CN" sz="2800" b="1" dirty="0" smtClean="0"/>
+              <a:t>)</a:t>
+            </a:r>
+            <a:r>
+              <a:rPr lang="zh-CN" altLang="en-US" sz="2800" b="1" dirty="0" smtClean="0"/>
+              <a:t>默认方法</a:t>
+            </a:r>
+            <a:endParaRPr lang="zh-CN" altLang="en-US" sz="2800" b="1" dirty="0"/>
+          </a:p>
+        </p:txBody>
+      </p:sp>
+      <p:sp>
+        <p:nvSpPr>
+          <p:cNvPr id="3" name="内容占位符 2"/>
+          <p:cNvSpPr>
+            <a:spLocks noGrp="1"/>
+          </p:cNvSpPr>
+          <p:nvPr>
+            <p:ph idx="1"/>
+          </p:nvPr>
+        </p:nvSpPr>
+        <p:spPr>
+          <a:xfrm>
+            <a:off x="838200" y="1520824"/>
+            <a:ext cx="10515600" cy="4981575"/>
+          </a:xfrm>
+        </p:spPr>
+        <p:txBody>
+          <a:bodyPr/>
+          <a:lstStyle/>
+          <a:p>
+            <a:pPr latinLnBrk="1"/>
+            <a:r>
+              <a:rPr lang="zh-CN" altLang="en-US" dirty="0" smtClean="0"/>
+              <a:t>重写默认</a:t>
+            </a:r>
+            <a:r>
+              <a:rPr lang="zh-CN" altLang="en-US" dirty="0"/>
+              <a:t>方法</a:t>
+            </a:r>
+            <a:endParaRPr lang="en-US" altLang="zh-CN" dirty="0" smtClean="0"/>
+          </a:p>
+          <a:p>
+            <a:pPr lvl="1" latinLnBrk="1"/>
+            <a:r>
+              <a:rPr lang="zh-CN" altLang="en-US" sz="2000" dirty="0" smtClean="0"/>
+              <a:t>如</a:t>
+            </a:r>
+            <a:r>
+              <a:rPr lang="zh-CN" altLang="en-US" sz="2000" dirty="0"/>
+              <a:t>果子类没有重写父接口默认方法的话，会直接继承父接口默认方法的实现；</a:t>
+            </a:r>
+          </a:p>
+          <a:p>
+            <a:pPr lvl="1" latinLnBrk="1"/>
+            <a:r>
+              <a:rPr lang="zh-CN" altLang="en-US" sz="2000" dirty="0"/>
+              <a:t>如果子类重写父接口默认方法为普通方法，则与普通方法的重写类似；</a:t>
+            </a:r>
+          </a:p>
+          <a:p>
+            <a:pPr lvl="1" latinLnBrk="1"/>
+            <a:r>
+              <a:rPr lang="zh-CN" altLang="en-US" sz="2000" dirty="0"/>
+              <a:t>如果子类（接口或抽象类）重写父接口默认方法为抽象方法，那么所有子类的子类需要实现该方法</a:t>
+            </a:r>
+            <a:r>
+              <a:rPr lang="zh-CN" altLang="en-US" sz="1600" dirty="0"/>
+              <a:t>；</a:t>
+            </a:r>
+          </a:p>
+          <a:p>
+            <a:r>
+              <a:rPr lang="zh-CN" altLang="en-US" sz="2400" dirty="0"/>
+              <a:t>关于默认方法调用冲突</a:t>
+            </a:r>
+          </a:p>
+          <a:p>
+            <a:pPr lvl="1"/>
+            <a:r>
+              <a:rPr lang="zh-CN" altLang="en-US" sz="1600" dirty="0"/>
+              <a:t>因为一个类是可以实现多个接口的，如果多个接口定义了同样的默认方法，那么子类如何调用父类的默认方法呢</a:t>
+            </a:r>
+            <a:r>
+              <a:rPr lang="zh-CN" altLang="en-US" sz="1600" dirty="0" smtClean="0"/>
+              <a:t>？</a:t>
+            </a:r>
+            <a:r>
+              <a:rPr lang="en-US" altLang="zh-CN" dirty="0" smtClean="0"/>
+              <a:t>	</a:t>
+            </a:r>
+          </a:p>
+          <a:p>
+            <a:pPr lvl="1"/>
+            <a:r>
+              <a:rPr lang="zh-CN" altLang="en-US" sz="1600" dirty="0"/>
+              <a:t>具体调用流程如下：</a:t>
+            </a:r>
+          </a:p>
+          <a:p>
+            <a:pPr lvl="2"/>
+            <a:r>
+              <a:rPr lang="en-US" altLang="zh-CN" sz="1600" dirty="0"/>
+              <a:t>1</a:t>
+            </a:r>
+            <a:r>
+              <a:rPr lang="zh-CN" altLang="en-US" sz="1600" dirty="0"/>
+              <a:t>、首先，如果子类覆盖了父类的默认方法，那么什么也不用想，直接使用调用子类覆盖后的方法</a:t>
+            </a:r>
+            <a:r>
+              <a:rPr lang="zh-CN" altLang="en-US" sz="1600" dirty="0" smtClean="0"/>
+              <a:t>；</a:t>
+            </a:r>
+            <a:endParaRPr lang="en-US" altLang="zh-CN" sz="1600" dirty="0" smtClean="0"/>
+          </a:p>
+          <a:p>
+            <a:pPr lvl="2"/>
+            <a:r>
+              <a:rPr lang="en-US" altLang="zh-CN" sz="1600" dirty="0"/>
+              <a:t>2</a:t>
+            </a:r>
+            <a:r>
+              <a:rPr lang="zh-CN" altLang="en-US" sz="1600" dirty="0"/>
+              <a:t>、其次，优先选择调用更加具体的接口默认方法，什么意思呢，举个例子，如果</a:t>
+            </a:r>
+            <a:r>
+              <a:rPr lang="en-US" altLang="zh-CN" sz="1600" dirty="0"/>
+              <a:t>A1</a:t>
+            </a:r>
+            <a:r>
+              <a:rPr lang="zh-CN" altLang="en-US" sz="1600" dirty="0"/>
+              <a:t>接口继承</a:t>
+            </a:r>
+            <a:r>
+              <a:rPr lang="en-US" altLang="zh-CN" sz="1600" dirty="0"/>
+              <a:t>A</a:t>
+            </a:r>
+            <a:r>
+              <a:rPr lang="zh-CN" altLang="en-US" sz="1600" dirty="0"/>
+              <a:t>接口，那么</a:t>
+            </a:r>
+            <a:r>
+              <a:rPr lang="en-US" altLang="zh-CN" sz="1600" dirty="0"/>
+              <a:t>A1</a:t>
+            </a:r>
+            <a:r>
+              <a:rPr lang="zh-CN" altLang="en-US" sz="1600" dirty="0"/>
+              <a:t>接口相对</a:t>
+            </a:r>
+            <a:r>
+              <a:rPr lang="en-US" altLang="zh-CN" sz="1600" dirty="0"/>
+              <a:t>A</a:t>
+            </a:r>
+            <a:r>
+              <a:rPr lang="zh-CN" altLang="en-US" sz="1600" dirty="0"/>
+              <a:t>接口就更加具体，当</a:t>
+            </a:r>
+            <a:r>
+              <a:rPr lang="en-US" altLang="zh-CN" sz="1600" dirty="0"/>
+              <a:t>C</a:t>
+            </a:r>
+            <a:r>
+              <a:rPr lang="zh-CN" altLang="en-US" sz="1600" dirty="0"/>
+              <a:t>类实现了</a:t>
+            </a:r>
+            <a:r>
+              <a:rPr lang="en-US" altLang="zh-CN" sz="1600" dirty="0"/>
+              <a:t>A1</a:t>
+            </a:r>
+            <a:r>
+              <a:rPr lang="zh-CN" altLang="en-US" sz="1600" dirty="0"/>
+              <a:t>接口的时候，就优先调用</a:t>
+            </a:r>
+            <a:r>
+              <a:rPr lang="en-US" altLang="zh-CN" sz="1600" dirty="0"/>
+              <a:t>A1</a:t>
+            </a:r>
+            <a:r>
+              <a:rPr lang="zh-CN" altLang="en-US" sz="1600" dirty="0"/>
+              <a:t>接口的默认方法</a:t>
+            </a:r>
+            <a:r>
+              <a:rPr lang="zh-CN" altLang="en-US" sz="1600" dirty="0" smtClean="0"/>
+              <a:t>；</a:t>
+            </a:r>
+            <a:endParaRPr lang="en-US" altLang="zh-CN" sz="1600" dirty="0" smtClean="0"/>
+          </a:p>
+          <a:p>
+            <a:pPr lvl="2"/>
+            <a:r>
+              <a:rPr lang="en-US" altLang="zh-CN" sz="1600" dirty="0"/>
+              <a:t>3</a:t>
+            </a:r>
+            <a:r>
+              <a:rPr lang="zh-CN" altLang="en-US" sz="1600" dirty="0"/>
+              <a:t>、最后，如果</a:t>
+            </a:r>
+            <a:r>
+              <a:rPr lang="en-US" altLang="zh-CN" sz="1600" dirty="0"/>
+              <a:t>C</a:t>
+            </a:r>
+            <a:r>
+              <a:rPr lang="zh-CN" altLang="en-US" sz="1600" dirty="0"/>
+              <a:t>类同时实现</a:t>
+            </a:r>
+            <a:r>
+              <a:rPr lang="en-US" altLang="zh-CN" sz="1600" dirty="0"/>
+              <a:t>A1</a:t>
+            </a:r>
+            <a:r>
+              <a:rPr lang="zh-CN" altLang="en-US" sz="1600" dirty="0"/>
+              <a:t>接口和</a:t>
+            </a:r>
+            <a:r>
+              <a:rPr lang="en-US" altLang="zh-CN" sz="1600" dirty="0"/>
+              <a:t>A2</a:t>
+            </a:r>
+            <a:r>
+              <a:rPr lang="zh-CN" altLang="en-US" sz="1600" dirty="0"/>
+              <a:t>接口，且</a:t>
+            </a:r>
+            <a:r>
+              <a:rPr lang="en-US" altLang="zh-CN" sz="1600" dirty="0"/>
+              <a:t>A1</a:t>
+            </a:r>
+            <a:r>
+              <a:rPr lang="zh-CN" altLang="en-US" sz="1600" dirty="0"/>
+              <a:t>和</a:t>
+            </a:r>
+            <a:r>
+              <a:rPr lang="en-US" altLang="zh-CN" sz="1600" dirty="0"/>
+              <a:t>A2</a:t>
+            </a:r>
+            <a:r>
+              <a:rPr lang="zh-CN" altLang="en-US" sz="1600" dirty="0"/>
+              <a:t>有同名的默认方法，那么选择哪个接口的默认方法呢？答案是编译器报错，提示定义了重名的方法，快速修复方式是覆盖其中的一个即可</a:t>
+            </a:r>
+            <a:r>
+              <a:rPr lang="zh-CN" altLang="en-US" sz="1600" dirty="0" smtClean="0"/>
+              <a:t>；</a:t>
+            </a:r>
+            <a:endParaRPr lang="en-US" altLang="zh-CN" sz="1600" dirty="0" smtClean="0"/>
+          </a:p>
+          <a:p>
+            <a:pPr lvl="3"/>
+            <a:r>
+              <a:rPr lang="zh-CN" altLang="en-US" sz="1400" dirty="0"/>
+              <a:t>关于这块内容，在网上看到一段有意思的代码，如下，知道为什么会报错吗？如果删除</a:t>
+            </a:r>
+            <a:r>
+              <a:rPr lang="en-US" altLang="zh-CN" sz="1400" dirty="0" err="1"/>
+              <a:t>InterfaceB</a:t>
+            </a:r>
+            <a:r>
+              <a:rPr lang="zh-CN" altLang="en-US" sz="1400" dirty="0"/>
+              <a:t>中的</a:t>
+            </a:r>
+            <a:r>
+              <a:rPr lang="en-US" altLang="zh-CN" sz="1400" dirty="0"/>
+              <a:t>foo</a:t>
+            </a:r>
+            <a:r>
+              <a:rPr lang="zh-CN" altLang="en-US" sz="1400" dirty="0"/>
+              <a:t>方法，是否还会报错？往</a:t>
+            </a:r>
+            <a:r>
+              <a:rPr lang="en-US" altLang="zh-CN" sz="1400" dirty="0" err="1"/>
+              <a:t>InterfaceC</a:t>
+            </a:r>
+            <a:r>
+              <a:rPr lang="zh-CN" altLang="en-US" sz="1400" dirty="0"/>
+              <a:t>中添加</a:t>
+            </a:r>
+            <a:r>
+              <a:rPr lang="en-US" altLang="zh-CN" sz="1400" dirty="0"/>
+              <a:t>foo</a:t>
+            </a:r>
+            <a:r>
+              <a:rPr lang="zh-CN" altLang="en-US" sz="1400" dirty="0"/>
+              <a:t>方法又会怎样？</a:t>
+            </a:r>
+          </a:p>
+        </p:txBody>
+      </p:sp>
+    </p:spTree>
+    <p:extLst>
+      <p:ext uri="{BB962C8B-B14F-4D97-AF65-F5344CB8AC3E}">
+        <p14:creationId xmlns:p14="http://schemas.microsoft.com/office/powerpoint/2010/main" val="401051037"/>
+      </p:ext>
+    </p:extLst>
+  </p:cSld>
+  <p:clrMapOvr>
+    <a:masterClrMapping/>
+  </p:clrMapOvr>
+  <p:timing>
+    <p:tnLst>
+      <p:par>
+        <p:cTn id="1" dur="indefinite" restart="never" nodeType="tmRoot"/>
+      </p:par>
+    </p:tnLst>
+  </p:timing>
 </p:sld>
 </file>
 
@@ -26663,6 +30491,1639 @@
     <p:extLst>
       <p:ext uri="{BB962C8B-B14F-4D97-AF65-F5344CB8AC3E}">
         <p14:creationId xmlns:p14="http://schemas.microsoft.com/office/powerpoint/2010/main" val="4086105837"/>
+      </p:ext>
+    </p:extLst>
+  </p:cSld>
+  <p:clrMapOvr>
+    <a:masterClrMapping/>
+  </p:clrMapOvr>
+  <p:timing>
+    <p:tnLst>
+      <p:par>
+        <p:cTn id="1" dur="indefinite" restart="never" nodeType="tmRoot"/>
+      </p:par>
+    </p:tnLst>
+  </p:timing>
+</p:sld>
+</file>
+
+<file path=ppt/slides/slide20.xml><?xml version="1.0" encoding="utf-8"?>
+<p:sld xmlns:a="http://schemas.openxmlformats.org/drawingml/2006/main" xmlns:r="http://schemas.openxmlformats.org/officeDocument/2006/relationships" xmlns:p="http://schemas.openxmlformats.org/presentationml/2006/main">
+  <p:cSld>
+    <p:spTree>
+      <p:nvGrpSpPr>
+        <p:cNvPr id="1" name=""/>
+        <p:cNvGrpSpPr/>
+        <p:nvPr/>
+      </p:nvGrpSpPr>
+      <p:grpSpPr>
+        <a:xfrm>
+          <a:off x="0" y="0"/>
+          <a:ext cx="0" cy="0"/>
+          <a:chOff x="0" y="0"/>
+          <a:chExt cx="0" cy="0"/>
+        </a:xfrm>
+      </p:grpSpPr>
+      <p:sp>
+        <p:nvSpPr>
+          <p:cNvPr id="2" name="标题 1"/>
+          <p:cNvSpPr>
+            <a:spLocks noGrp="1"/>
+          </p:cNvSpPr>
+          <p:nvPr>
+            <p:ph type="title"/>
+          </p:nvPr>
+        </p:nvSpPr>
+        <p:spPr/>
+        <p:txBody>
+          <a:bodyPr/>
+          <a:lstStyle/>
+          <a:p>
+            <a:r>
+              <a:rPr lang="en-US" altLang="zh-CN" dirty="0"/>
+              <a:t>Java 8 </a:t>
+            </a:r>
+            <a:r>
+              <a:rPr lang="zh-CN" altLang="en-US" dirty="0"/>
+              <a:t>中的 </a:t>
+            </a:r>
+            <a:r>
+              <a:rPr lang="en-US" altLang="zh-CN" dirty="0" smtClean="0"/>
+              <a:t>Streams</a:t>
+            </a:r>
+            <a:endParaRPr lang="zh-CN" altLang="en-US" dirty="0"/>
+          </a:p>
+        </p:txBody>
+      </p:sp>
+      <p:sp>
+        <p:nvSpPr>
+          <p:cNvPr id="3" name="内容占位符 2"/>
+          <p:cNvSpPr>
+            <a:spLocks noGrp="1"/>
+          </p:cNvSpPr>
+          <p:nvPr>
+            <p:ph idx="1"/>
+          </p:nvPr>
+        </p:nvSpPr>
+        <p:spPr/>
+        <p:txBody>
+          <a:bodyPr/>
+          <a:lstStyle/>
+          <a:p>
+            <a:r>
+              <a:rPr lang="zh-CN" altLang="en-US" sz="2000" b="1" dirty="0"/>
+              <a:t>什么是</a:t>
+            </a:r>
+            <a:r>
+              <a:rPr lang="en-US" altLang="zh-CN" sz="2000" b="1" dirty="0" smtClean="0"/>
+              <a:t>Stream</a:t>
+            </a:r>
+            <a:endParaRPr lang="en-US" altLang="zh-CN" dirty="0" smtClean="0"/>
+          </a:p>
+          <a:p>
+            <a:pPr lvl="1"/>
+            <a:r>
+              <a:rPr lang="zh-CN" altLang="en-US" sz="1600" dirty="0"/>
+              <a:t>首先要说的是，不要被它的名称骗了，这里的</a:t>
+            </a:r>
+            <a:r>
+              <a:rPr lang="en-US" altLang="zh-CN" sz="1600" dirty="0"/>
+              <a:t>Stream</a:t>
+            </a:r>
+            <a:r>
+              <a:rPr lang="zh-CN" altLang="en-US" sz="1600" dirty="0"/>
+              <a:t>跟</a:t>
+            </a:r>
+            <a:r>
+              <a:rPr lang="en-US" altLang="zh-CN" sz="1600" dirty="0"/>
+              <a:t>JAVA I/O</a:t>
+            </a:r>
+            <a:r>
+              <a:rPr lang="zh-CN" altLang="en-US" sz="1600" dirty="0"/>
+              <a:t>中的</a:t>
+            </a:r>
+            <a:r>
+              <a:rPr lang="en-US" altLang="zh-CN" sz="1600" dirty="0" err="1"/>
+              <a:t>InputStream</a:t>
+            </a:r>
+            <a:r>
+              <a:rPr lang="zh-CN" altLang="en-US" sz="1600" dirty="0"/>
+              <a:t>和</a:t>
+            </a:r>
+            <a:r>
+              <a:rPr lang="en-US" altLang="zh-CN" sz="1600" dirty="0" err="1"/>
+              <a:t>OutputStream</a:t>
+            </a:r>
+            <a:r>
+              <a:rPr lang="zh-CN" altLang="en-US" sz="1600" dirty="0"/>
+              <a:t>是两个不同的概念。</a:t>
+            </a:r>
+            <a:r>
+              <a:rPr lang="en-US" altLang="zh-CN" sz="1600" dirty="0"/>
+              <a:t>Java 8</a:t>
+            </a:r>
+            <a:r>
+              <a:rPr lang="zh-CN" altLang="en-US" sz="1600" dirty="0"/>
+              <a:t>中的</a:t>
+            </a:r>
+            <a:r>
+              <a:rPr lang="en-US" altLang="zh-CN" sz="1600" dirty="0"/>
+              <a:t>Stream</a:t>
+            </a:r>
+            <a:r>
+              <a:rPr lang="zh-CN" altLang="en-US" sz="1600" dirty="0"/>
+              <a:t>其实是函数式编程里</a:t>
+            </a:r>
+            <a:r>
+              <a:rPr lang="en-US" altLang="zh-CN" sz="1600" dirty="0"/>
+              <a:t>Monad</a:t>
+            </a:r>
+            <a:r>
+              <a:rPr lang="zh-CN" altLang="en-US" sz="1600" dirty="0"/>
+              <a:t>的概念，关于</a:t>
+            </a:r>
+            <a:r>
+              <a:rPr lang="en-US" altLang="zh-CN" sz="1600" dirty="0"/>
+              <a:t>Monad</a:t>
+            </a:r>
+            <a:r>
+              <a:rPr lang="zh-CN" altLang="en-US" sz="1600" dirty="0"/>
+              <a:t>，感觉还是比较抽象，不好理解，可以参考</a:t>
+            </a:r>
+            <a:r>
+              <a:rPr lang="zh-CN" altLang="en-US" sz="1600" u="sng" dirty="0">
+                <a:hlinkClick r:id="rId3"/>
+              </a:rPr>
+              <a:t>这篇文章</a:t>
+            </a:r>
+            <a:r>
+              <a:rPr lang="zh-CN" altLang="en-US" sz="1600" dirty="0"/>
+              <a:t>，个人觉得还是比较好看懂的，简单说，</a:t>
+            </a:r>
+            <a:r>
+              <a:rPr lang="en-US" altLang="zh-CN" sz="1600" dirty="0"/>
+              <a:t>Monad</a:t>
+            </a:r>
+            <a:r>
+              <a:rPr lang="zh-CN" altLang="en-US" sz="1600" dirty="0"/>
+              <a:t>就是一种设计模式，表示将一个运算过程，通过函数拆解成互相连接的多个步骤，有点链式操作的感觉</a:t>
+            </a:r>
+            <a:r>
+              <a:rPr lang="zh-CN" altLang="en-US" sz="1600" dirty="0" smtClean="0"/>
+              <a:t>。</a:t>
+            </a:r>
+            <a:endParaRPr lang="en-US" altLang="zh-CN" sz="1600" dirty="0" smtClean="0"/>
+          </a:p>
+          <a:p>
+            <a:pPr lvl="1"/>
+            <a:r>
+              <a:rPr lang="zh-CN" altLang="en-US" sz="1600" dirty="0"/>
+              <a:t>举</a:t>
+            </a:r>
+            <a:r>
+              <a:rPr lang="zh-CN" altLang="en-US" sz="1600" dirty="0" smtClean="0"/>
+              <a:t>个</a:t>
+            </a:r>
+            <a:r>
+              <a:rPr lang="en-US" altLang="zh-CN" sz="1600" dirty="0" smtClean="0"/>
+              <a:t>Stream</a:t>
+            </a:r>
+            <a:r>
+              <a:rPr lang="zh-CN" altLang="en-US" sz="1600" dirty="0"/>
+              <a:t>的</a:t>
+            </a:r>
+            <a:r>
+              <a:rPr lang="zh-CN" altLang="en-US" sz="1600" dirty="0" smtClean="0"/>
+              <a:t>例子</a:t>
+            </a:r>
+            <a:endParaRPr lang="en-US" altLang="zh-CN" sz="1600" dirty="0" smtClean="0"/>
+          </a:p>
+          <a:p>
+            <a:pPr lvl="1"/>
+            <a:endParaRPr lang="en-US" altLang="zh-CN" sz="1600" dirty="0"/>
+          </a:p>
+          <a:p>
+            <a:pPr lvl="1"/>
+            <a:endParaRPr lang="en-US" altLang="zh-CN" sz="1600" dirty="0" smtClean="0"/>
+          </a:p>
+          <a:p>
+            <a:pPr lvl="1"/>
+            <a:endParaRPr lang="en-US" altLang="zh-CN" sz="1600" dirty="0"/>
+          </a:p>
+          <a:p>
+            <a:pPr lvl="1"/>
+            <a:endParaRPr lang="en-US" altLang="zh-CN" sz="1600" dirty="0" smtClean="0"/>
+          </a:p>
+          <a:p>
+            <a:pPr lvl="1"/>
+            <a:endParaRPr lang="en-US" altLang="zh-CN" sz="1600" dirty="0"/>
+          </a:p>
+          <a:p>
+            <a:pPr lvl="1"/>
+            <a:endParaRPr lang="en-US" altLang="zh-CN" sz="1600" dirty="0" smtClean="0"/>
+          </a:p>
+          <a:p>
+            <a:pPr lvl="1"/>
+            <a:endParaRPr lang="en-US" altLang="zh-CN" sz="1600" dirty="0"/>
+          </a:p>
+          <a:p>
+            <a:pPr lvl="1"/>
+            <a:r>
+              <a:rPr lang="zh-CN" altLang="en-US" sz="1600" dirty="0"/>
+              <a:t>使用</a:t>
+            </a:r>
+            <a:r>
+              <a:rPr lang="en-US" altLang="zh-CN" sz="1600" dirty="0"/>
+              <a:t>Stream</a:t>
+            </a:r>
+            <a:r>
+              <a:rPr lang="zh-CN" altLang="en-US" sz="1600" dirty="0"/>
+              <a:t>的</a:t>
+            </a:r>
+            <a:r>
+              <a:rPr lang="zh-CN" altLang="en-US" sz="1600" dirty="0" smtClean="0"/>
+              <a:t>好处</a:t>
+            </a:r>
+            <a:endParaRPr lang="en-US" altLang="zh-CN" sz="1600" dirty="0" smtClean="0"/>
+          </a:p>
+          <a:p>
+            <a:pPr lvl="2"/>
+            <a:r>
+              <a:rPr lang="zh-CN" altLang="en-US" sz="1200" dirty="0"/>
+              <a:t>对</a:t>
+            </a:r>
+            <a:r>
+              <a:rPr lang="en-US" altLang="zh-CN" sz="1200" dirty="0"/>
+              <a:t>JAVA</a:t>
+            </a:r>
+            <a:r>
+              <a:rPr lang="zh-CN" altLang="en-US" sz="1200" dirty="0"/>
+              <a:t>集合（</a:t>
+            </a:r>
+            <a:r>
+              <a:rPr lang="en-US" altLang="zh-CN" sz="1200" dirty="0"/>
+              <a:t>Collection</a:t>
+            </a:r>
+            <a:r>
+              <a:rPr lang="zh-CN" altLang="en-US" sz="1200" dirty="0"/>
+              <a:t>）对象功能的增强，方便对集合进行各类操作（过滤、求最大值、最小值、统计等）；</a:t>
+            </a:r>
+          </a:p>
+          <a:p>
+            <a:pPr lvl="2"/>
+            <a:r>
+              <a:rPr lang="zh-CN" altLang="en-US" sz="1200" dirty="0"/>
+              <a:t>更加高效，提供串行和并行两种模式，并行模式利用了</a:t>
+            </a:r>
+            <a:r>
+              <a:rPr lang="en-US" altLang="zh-CN" sz="1200" dirty="0"/>
+              <a:t>Java</a:t>
+            </a:r>
+            <a:r>
+              <a:rPr lang="zh-CN" altLang="en-US" sz="1200" dirty="0"/>
+              <a:t>中的</a:t>
+            </a:r>
+            <a:r>
+              <a:rPr lang="en-US" altLang="zh-CN" sz="1200" dirty="0"/>
+              <a:t>fork/join</a:t>
+            </a:r>
+            <a:r>
+              <a:rPr lang="zh-CN" altLang="en-US" sz="1200" dirty="0"/>
+              <a:t>框架技术，能充分利用多核处理器，提高程序并发性；</a:t>
+            </a:r>
+            <a:endParaRPr lang="en-US" altLang="zh-CN" sz="1200" dirty="0" smtClean="0"/>
+          </a:p>
+          <a:p>
+            <a:pPr lvl="1"/>
+            <a:endParaRPr lang="en-US" altLang="zh-CN" sz="1600" dirty="0"/>
+          </a:p>
+        </p:txBody>
+      </p:sp>
+      <p:pic>
+        <p:nvPicPr>
+          <p:cNvPr id="4" name="Picture 2"/>
+          <p:cNvPicPr>
+            <a:picLocks noChangeAspect="1" noChangeArrowheads="1"/>
+          </p:cNvPicPr>
+          <p:nvPr/>
+        </p:nvPicPr>
+        <p:blipFill rotWithShape="1">
+          <a:blip r:embed="rId4">
+            <a:extLst>
+              <a:ext uri="{28A0092B-C50C-407E-A947-70E740481C1C}">
+                <a14:useLocalDpi xmlns:a14="http://schemas.microsoft.com/office/drawing/2010/main" val="0"/>
+              </a:ext>
+            </a:extLst>
+          </a:blip>
+          <a:srcRect l="10707" r="10534"/>
+          <a:stretch/>
+        </p:blipFill>
+        <p:spPr bwMode="auto">
+          <a:xfrm>
+            <a:off x="9949464" y="3003497"/>
+            <a:ext cx="1404336" cy="1318260"/>
+          </a:xfrm>
+          <a:prstGeom prst="rect">
+            <a:avLst/>
+          </a:prstGeom>
+          <a:noFill/>
+          <a:ln>
+            <a:noFill/>
+          </a:ln>
+          <a:extLst>
+            <a:ext uri="{909E8E84-426E-40DD-AFC4-6F175D3DCCD1}">
+              <a14:hiddenFill xmlns:a14="http://schemas.microsoft.com/office/drawing/2010/main">
+                <a:solidFill>
+                  <a:schemeClr val="accent1"/>
+                </a:solidFill>
+              </a14:hiddenFill>
+            </a:ext>
+            <a:ext uri="{91240B29-F687-4F45-9708-019B960494DF}">
+              <a14:hiddenLine xmlns:a14="http://schemas.microsoft.com/office/drawing/2010/main" w="9525">
+                <a:solidFill>
+                  <a:schemeClr val="tx1"/>
+                </a:solidFill>
+                <a:miter lim="800000"/>
+                <a:headEnd/>
+                <a:tailEnd/>
+              </a14:hiddenLine>
+            </a:ext>
+          </a:extLst>
+        </p:spPr>
+      </p:pic>
+      <p:graphicFrame>
+        <p:nvGraphicFramePr>
+          <p:cNvPr id="5" name="表格 4"/>
+          <p:cNvGraphicFramePr>
+            <a:graphicFrameLocks noGrp="1"/>
+          </p:cNvGraphicFramePr>
+          <p:nvPr>
+            <p:extLst>
+              <p:ext uri="{D42A27DB-BD31-4B8C-83A1-F6EECF244321}">
+                <p14:modId xmlns:p14="http://schemas.microsoft.com/office/powerpoint/2010/main" val="3157120404"/>
+              </p:ext>
+            </p:extLst>
+          </p:nvPr>
+        </p:nvGraphicFramePr>
+        <p:xfrm>
+          <a:off x="1634958" y="3453077"/>
+          <a:ext cx="8128000" cy="1737360"/>
+        </p:xfrm>
+        <a:graphic>
+          <a:graphicData uri="http://schemas.openxmlformats.org/drawingml/2006/table">
+            <a:tbl>
+              <a:tblPr firstRow="1" bandRow="1">
+                <a:tableStyleId>{5C22544A-7EE6-4342-B048-85BDC9FD1C3A}</a:tableStyleId>
+              </a:tblPr>
+              <a:tblGrid>
+                <a:gridCol w="8128000"/>
+              </a:tblGrid>
+              <a:tr h="370840">
+                <a:tc>
+                  <a:txBody>
+                    <a:bodyPr/>
+                    <a:lstStyle/>
+                    <a:p>
+                      <a:r>
+                        <a:rPr lang="en-US" altLang="zh-CN" b="0" dirty="0" smtClean="0">
+                          <a:solidFill>
+                            <a:schemeClr val="tx1"/>
+                          </a:solidFill>
+                        </a:rPr>
+                        <a:t>List&lt;String&gt; </a:t>
+                      </a:r>
+                      <a:r>
+                        <a:rPr lang="en-US" altLang="zh-CN" b="0" dirty="0" err="1" smtClean="0">
+                          <a:solidFill>
+                            <a:schemeClr val="tx1"/>
+                          </a:solidFill>
+                        </a:rPr>
+                        <a:t>myList</a:t>
+                      </a:r>
+                      <a:r>
+                        <a:rPr lang="en-US" altLang="zh-CN" b="0" dirty="0" smtClean="0">
+                          <a:solidFill>
+                            <a:schemeClr val="tx1"/>
+                          </a:solidFill>
+                        </a:rPr>
+                        <a:t> = </a:t>
+                      </a:r>
+                      <a:r>
+                        <a:rPr lang="en-US" altLang="zh-CN" b="0" dirty="0" err="1" smtClean="0">
+                          <a:solidFill>
+                            <a:schemeClr val="tx1"/>
+                          </a:solidFill>
+                        </a:rPr>
+                        <a:t>Arrays.asList</a:t>
+                      </a:r>
+                      <a:r>
+                        <a:rPr lang="en-US" altLang="zh-CN" b="0" dirty="0" smtClean="0">
+                          <a:solidFill>
+                            <a:schemeClr val="tx1"/>
+                          </a:solidFill>
+                        </a:rPr>
+                        <a:t>("a1", "a2", "b1", "c2", "c1");</a:t>
+                      </a:r>
+                    </a:p>
+                    <a:p>
+                      <a:r>
+                        <a:rPr lang="en-US" altLang="zh-CN" b="0" dirty="0" smtClean="0">
+                          <a:solidFill>
+                            <a:schemeClr val="tx1"/>
+                          </a:solidFill>
+                        </a:rPr>
+                        <a:t>Stream&lt;String&gt; stream = </a:t>
+                      </a:r>
+                      <a:r>
+                        <a:rPr lang="en-US" altLang="zh-CN" b="0" dirty="0" err="1" smtClean="0">
+                          <a:solidFill>
+                            <a:schemeClr val="tx1"/>
+                          </a:solidFill>
+                        </a:rPr>
+                        <a:t>myList.stream</a:t>
+                      </a:r>
+                      <a:r>
+                        <a:rPr lang="en-US" altLang="zh-CN" b="0" dirty="0" smtClean="0">
+                          <a:solidFill>
+                            <a:schemeClr val="tx1"/>
+                          </a:solidFill>
+                        </a:rPr>
+                        <a:t>();</a:t>
+                      </a:r>
+                    </a:p>
+                    <a:p>
+                      <a:r>
+                        <a:rPr lang="en-US" altLang="zh-CN" b="0" dirty="0" err="1" smtClean="0">
+                          <a:solidFill>
+                            <a:schemeClr val="tx1"/>
+                          </a:solidFill>
+                        </a:rPr>
+                        <a:t>stream.filter</a:t>
+                      </a:r>
+                      <a:r>
+                        <a:rPr lang="en-US" altLang="zh-CN" b="0" dirty="0" smtClean="0">
+                          <a:solidFill>
+                            <a:schemeClr val="tx1"/>
+                          </a:solidFill>
+                        </a:rPr>
+                        <a:t>(s -&gt; </a:t>
+                      </a:r>
+                      <a:r>
+                        <a:rPr lang="en-US" altLang="zh-CN" b="0" dirty="0" err="1" smtClean="0">
+                          <a:solidFill>
+                            <a:schemeClr val="tx1"/>
+                          </a:solidFill>
+                        </a:rPr>
+                        <a:t>s.startsWith</a:t>
+                      </a:r>
+                      <a:r>
+                        <a:rPr lang="en-US" altLang="zh-CN" b="0" dirty="0" smtClean="0">
+                          <a:solidFill>
+                            <a:schemeClr val="tx1"/>
+                          </a:solidFill>
+                        </a:rPr>
+                        <a:t>("c")).                           //</a:t>
+                      </a:r>
+                      <a:r>
+                        <a:rPr lang="zh-CN" altLang="en-US" b="0" dirty="0" smtClean="0">
+                          <a:solidFill>
+                            <a:schemeClr val="tx1"/>
+                          </a:solidFill>
+                        </a:rPr>
+                        <a:t>过滤以</a:t>
+                      </a:r>
+                      <a:r>
+                        <a:rPr lang="en-US" altLang="zh-CN" b="0" dirty="0" smtClean="0">
+                          <a:solidFill>
+                            <a:schemeClr val="tx1"/>
+                          </a:solidFill>
+                        </a:rPr>
+                        <a:t>c</a:t>
+                      </a:r>
+                      <a:r>
+                        <a:rPr lang="zh-CN" altLang="en-US" b="0" dirty="0" smtClean="0">
+                          <a:solidFill>
+                            <a:schemeClr val="tx1"/>
+                          </a:solidFill>
+                        </a:rPr>
+                        <a:t>字母开头</a:t>
+                      </a:r>
+                    </a:p>
+                    <a:p>
+                      <a:r>
+                        <a:rPr lang="zh-CN" altLang="en-US" b="0" dirty="0" smtClean="0">
+                          <a:solidFill>
+                            <a:schemeClr val="tx1"/>
+                          </a:solidFill>
+                        </a:rPr>
+                        <a:t>		</a:t>
+                      </a:r>
+                      <a:r>
+                        <a:rPr lang="en-US" altLang="zh-CN" b="0" dirty="0" smtClean="0">
+                          <a:solidFill>
+                            <a:schemeClr val="tx1"/>
+                          </a:solidFill>
+                        </a:rPr>
+                        <a:t>map(String::</a:t>
+                      </a:r>
+                      <a:r>
+                        <a:rPr lang="en-US" altLang="zh-CN" b="0" dirty="0" err="1" smtClean="0">
+                          <a:solidFill>
+                            <a:schemeClr val="tx1"/>
+                          </a:solidFill>
+                        </a:rPr>
+                        <a:t>toUpperCase</a:t>
+                      </a:r>
+                      <a:r>
+                        <a:rPr lang="en-US" altLang="zh-CN" b="0" dirty="0" smtClean="0">
+                          <a:solidFill>
+                            <a:schemeClr val="tx1"/>
+                          </a:solidFill>
+                        </a:rPr>
+                        <a:t>).       //</a:t>
+                      </a:r>
+                      <a:r>
+                        <a:rPr lang="zh-CN" altLang="en-US" b="0" dirty="0" smtClean="0">
+                          <a:solidFill>
+                            <a:schemeClr val="tx1"/>
+                          </a:solidFill>
+                        </a:rPr>
+                        <a:t>字符变成大写</a:t>
+                      </a:r>
+                    </a:p>
+                    <a:p>
+                      <a:r>
+                        <a:rPr lang="zh-CN" altLang="en-US" b="0" dirty="0" smtClean="0">
+                          <a:solidFill>
+                            <a:schemeClr val="tx1"/>
+                          </a:solidFill>
+                        </a:rPr>
+                        <a:t>		</a:t>
+                      </a:r>
+                      <a:r>
+                        <a:rPr lang="en-US" altLang="zh-CN" b="0" dirty="0" smtClean="0">
+                          <a:solidFill>
+                            <a:schemeClr val="tx1"/>
+                          </a:solidFill>
+                        </a:rPr>
+                        <a:t>sorted().                                       //</a:t>
+                      </a:r>
+                      <a:r>
+                        <a:rPr lang="zh-CN" altLang="en-US" b="0" dirty="0" smtClean="0">
+                          <a:solidFill>
+                            <a:schemeClr val="tx1"/>
+                          </a:solidFill>
+                        </a:rPr>
+                        <a:t>排序</a:t>
+                      </a:r>
+                    </a:p>
+                    <a:p>
+                      <a:r>
+                        <a:rPr lang="zh-CN" altLang="en-US" b="0" dirty="0" smtClean="0">
+                          <a:solidFill>
+                            <a:schemeClr val="tx1"/>
+                          </a:solidFill>
+                        </a:rPr>
+                        <a:t>		</a:t>
+                      </a:r>
+                      <a:r>
+                        <a:rPr lang="en-US" altLang="zh-CN" b="0" dirty="0" err="1" smtClean="0">
+                          <a:solidFill>
+                            <a:schemeClr val="tx1"/>
+                          </a:solidFill>
+                        </a:rPr>
+                        <a:t>forEach</a:t>
+                      </a:r>
+                      <a:r>
+                        <a:rPr lang="en-US" altLang="zh-CN" b="0" dirty="0" smtClean="0">
+                          <a:solidFill>
+                            <a:schemeClr val="tx1"/>
+                          </a:solidFill>
+                        </a:rPr>
+                        <a:t>(</a:t>
+                      </a:r>
+                      <a:r>
+                        <a:rPr lang="en-US" altLang="zh-CN" b="0" dirty="0" err="1" smtClean="0">
+                          <a:solidFill>
+                            <a:schemeClr val="tx1"/>
+                          </a:solidFill>
+                        </a:rPr>
+                        <a:t>System.out</a:t>
+                      </a:r>
+                      <a:r>
+                        <a:rPr lang="en-US" altLang="zh-CN" b="0" dirty="0" smtClean="0">
+                          <a:solidFill>
+                            <a:schemeClr val="tx1"/>
+                          </a:solidFill>
+                        </a:rPr>
+                        <a:t>::</a:t>
+                      </a:r>
+                      <a:r>
+                        <a:rPr lang="en-US" altLang="zh-CN" b="0" dirty="0" err="1" smtClean="0">
+                          <a:solidFill>
+                            <a:schemeClr val="tx1"/>
+                          </a:solidFill>
+                        </a:rPr>
+                        <a:t>println</a:t>
+                      </a:r>
+                      <a:r>
+                        <a:rPr lang="en-US" altLang="zh-CN" b="0" dirty="0" smtClean="0">
+                          <a:solidFill>
+                            <a:schemeClr val="tx1"/>
+                          </a:solidFill>
+                        </a:rPr>
+                        <a:t>);   //</a:t>
+                      </a:r>
+                      <a:r>
+                        <a:rPr lang="zh-CN" altLang="en-US" b="0" dirty="0" smtClean="0">
+                          <a:solidFill>
+                            <a:schemeClr val="tx1"/>
+                          </a:solidFill>
+                        </a:rPr>
+                        <a:t>打印输出</a:t>
+                      </a:r>
+                      <a:endParaRPr lang="zh-CN" altLang="en-US" b="0" dirty="0">
+                        <a:solidFill>
+                          <a:schemeClr val="tx1"/>
+                        </a:solidFill>
+                      </a:endParaRPr>
+                    </a:p>
+                  </a:txBody>
+                  <a:tcPr/>
+                </a:tc>
+              </a:tr>
+            </a:tbl>
+          </a:graphicData>
+        </a:graphic>
+      </p:graphicFrame>
+    </p:spTree>
+    <p:extLst>
+      <p:ext uri="{BB962C8B-B14F-4D97-AF65-F5344CB8AC3E}">
+        <p14:creationId xmlns:p14="http://schemas.microsoft.com/office/powerpoint/2010/main" val="668356154"/>
+      </p:ext>
+    </p:extLst>
+  </p:cSld>
+  <p:clrMapOvr>
+    <a:masterClrMapping/>
+  </p:clrMapOvr>
+  <p:timing>
+    <p:tnLst>
+      <p:par>
+        <p:cTn id="1" dur="indefinite" restart="never" nodeType="tmRoot"/>
+      </p:par>
+    </p:tnLst>
+  </p:timing>
+</p:sld>
+</file>
+
+<file path=ppt/slides/slide21.xml><?xml version="1.0" encoding="utf-8"?>
+<p:sld xmlns:a="http://schemas.openxmlformats.org/drawingml/2006/main" xmlns:r="http://schemas.openxmlformats.org/officeDocument/2006/relationships" xmlns:p="http://schemas.openxmlformats.org/presentationml/2006/main">
+  <p:cSld>
+    <p:spTree>
+      <p:nvGrpSpPr>
+        <p:cNvPr id="1" name=""/>
+        <p:cNvGrpSpPr/>
+        <p:nvPr/>
+      </p:nvGrpSpPr>
+      <p:grpSpPr>
+        <a:xfrm>
+          <a:off x="0" y="0"/>
+          <a:ext cx="0" cy="0"/>
+          <a:chOff x="0" y="0"/>
+          <a:chExt cx="0" cy="0"/>
+        </a:xfrm>
+      </p:grpSpPr>
+      <p:sp>
+        <p:nvSpPr>
+          <p:cNvPr id="2" name="标题 1"/>
+          <p:cNvSpPr>
+            <a:spLocks noGrp="1"/>
+          </p:cNvSpPr>
+          <p:nvPr>
+            <p:ph type="title"/>
+          </p:nvPr>
+        </p:nvSpPr>
+        <p:spPr/>
+        <p:txBody>
+          <a:bodyPr>
+            <a:normAutofit/>
+          </a:bodyPr>
+          <a:lstStyle/>
+          <a:p>
+            <a:r>
+              <a:rPr lang="en-US" altLang="zh-CN" sz="2800" dirty="0" smtClean="0"/>
+              <a:t>Stream</a:t>
+            </a:r>
+            <a:r>
+              <a:rPr lang="zh-CN" altLang="en-US" sz="2800" dirty="0" smtClean="0"/>
+              <a:t>的构成</a:t>
+            </a:r>
+            <a:endParaRPr lang="zh-CN" altLang="en-US" sz="2800" dirty="0"/>
+          </a:p>
+        </p:txBody>
+      </p:sp>
+      <p:sp>
+        <p:nvSpPr>
+          <p:cNvPr id="3" name="内容占位符 2"/>
+          <p:cNvSpPr>
+            <a:spLocks noGrp="1"/>
+          </p:cNvSpPr>
+          <p:nvPr>
+            <p:ph idx="1"/>
+          </p:nvPr>
+        </p:nvSpPr>
+        <p:spPr>
+          <a:xfrm>
+            <a:off x="968829" y="1980005"/>
+            <a:ext cx="10515600" cy="4351338"/>
+          </a:xfrm>
+        </p:spPr>
+        <p:txBody>
+          <a:bodyPr>
+            <a:normAutofit/>
+          </a:bodyPr>
+          <a:lstStyle/>
+          <a:p>
+            <a:r>
+              <a:rPr lang="zh-CN" altLang="en-US" sz="2000" dirty="0"/>
+              <a:t>当</a:t>
+            </a:r>
+            <a:r>
+              <a:rPr lang="zh-CN" altLang="en-US" sz="2000" dirty="0" smtClean="0"/>
+              <a:t>我们</a:t>
+            </a:r>
+            <a:r>
+              <a:rPr lang="zh-CN" altLang="en-US" sz="2000" dirty="0"/>
+              <a:t>使用一</a:t>
+            </a:r>
+            <a:r>
+              <a:rPr lang="zh-CN" altLang="en-US" sz="2000" dirty="0" smtClean="0"/>
+              <a:t>个</a:t>
+            </a:r>
+            <a:r>
+              <a:rPr lang="en-US" altLang="zh-CN" sz="2000" dirty="0"/>
+              <a:t>Stream</a:t>
+            </a:r>
+            <a:r>
+              <a:rPr lang="zh-CN" altLang="en-US" sz="2000" dirty="0" smtClean="0"/>
+              <a:t>的</a:t>
+            </a:r>
+            <a:r>
+              <a:rPr lang="zh-CN" altLang="en-US" sz="2000" dirty="0"/>
+              <a:t>时候，通常包括三个基本步骤</a:t>
+            </a:r>
+            <a:r>
+              <a:rPr lang="zh-CN" altLang="en-US" sz="2000" dirty="0" smtClean="0"/>
+              <a:t>：</a:t>
+            </a:r>
+            <a:endParaRPr lang="en-US" altLang="zh-CN" sz="2000" dirty="0" smtClean="0"/>
+          </a:p>
+          <a:p>
+            <a:pPr lvl="1"/>
+            <a:r>
+              <a:rPr lang="zh-CN" altLang="en-US" sz="1600" dirty="0"/>
+              <a:t>获取一个数据源（</a:t>
+            </a:r>
+            <a:r>
+              <a:rPr lang="en-US" altLang="zh-CN" sz="1600" dirty="0"/>
+              <a:t>source</a:t>
+            </a:r>
+            <a:r>
+              <a:rPr lang="zh-CN" altLang="en-US" sz="1600" dirty="0"/>
+              <a:t>）→ 数据转换→执行操作获取想要的结果，每次转换原有 </a:t>
+            </a:r>
+            <a:r>
+              <a:rPr lang="en-US" altLang="zh-CN" sz="1600" dirty="0"/>
+              <a:t>Stream </a:t>
+            </a:r>
+            <a:r>
+              <a:rPr lang="zh-CN" altLang="en-US" sz="1600" dirty="0"/>
+              <a:t>对象不改变，返回一个新的 </a:t>
+            </a:r>
+            <a:r>
+              <a:rPr lang="en-US" altLang="zh-CN" sz="1600" dirty="0"/>
+              <a:t>Stream </a:t>
+            </a:r>
+            <a:r>
+              <a:rPr lang="zh-CN" altLang="en-US" sz="1600" dirty="0"/>
+              <a:t>对象（可以有多次转换），这就允许对其操作可以像链条一样排列，变成一个管道，如下图所示</a:t>
+            </a:r>
+            <a:r>
+              <a:rPr lang="zh-CN" altLang="en-US" sz="1600" dirty="0" smtClean="0"/>
+              <a:t>。图示流管</a:t>
+            </a:r>
+            <a:r>
+              <a:rPr lang="zh-CN" altLang="en-US" sz="1600" dirty="0"/>
+              <a:t>道 </a:t>
+            </a:r>
+            <a:r>
+              <a:rPr lang="en-US" altLang="zh-CN" sz="1600" dirty="0"/>
+              <a:t>(Stream Pipeline) </a:t>
+            </a:r>
+            <a:r>
+              <a:rPr lang="zh-CN" altLang="en-US" sz="1600" dirty="0"/>
+              <a:t>的</a:t>
+            </a:r>
+            <a:r>
+              <a:rPr lang="zh-CN" altLang="en-US" sz="1600" dirty="0" smtClean="0"/>
+              <a:t>构成</a:t>
+            </a:r>
+            <a:endParaRPr lang="en-US" altLang="zh-CN" sz="1600" dirty="0" smtClean="0"/>
+          </a:p>
+          <a:p>
+            <a:pPr lvl="1"/>
+            <a:endParaRPr lang="zh-CN" altLang="en-US" sz="1600" dirty="0"/>
+          </a:p>
+        </p:txBody>
+      </p:sp>
+      <p:pic>
+        <p:nvPicPr>
+          <p:cNvPr id="5" name="图片 4"/>
+          <p:cNvPicPr>
+            <a:picLocks noChangeAspect="1"/>
+          </p:cNvPicPr>
+          <p:nvPr/>
+        </p:nvPicPr>
+        <p:blipFill>
+          <a:blip r:embed="rId2"/>
+          <a:stretch>
+            <a:fillRect/>
+          </a:stretch>
+        </p:blipFill>
+        <p:spPr>
+          <a:xfrm>
+            <a:off x="7134225" y="2883168"/>
+            <a:ext cx="4219575" cy="3324225"/>
+          </a:xfrm>
+          <a:prstGeom prst="rect">
+            <a:avLst/>
+          </a:prstGeom>
+        </p:spPr>
+      </p:pic>
+    </p:spTree>
+    <p:extLst>
+      <p:ext uri="{BB962C8B-B14F-4D97-AF65-F5344CB8AC3E}">
+        <p14:creationId xmlns:p14="http://schemas.microsoft.com/office/powerpoint/2010/main" val="716679718"/>
+      </p:ext>
+    </p:extLst>
+  </p:cSld>
+  <p:clrMapOvr>
+    <a:masterClrMapping/>
+  </p:clrMapOvr>
+  <p:timing>
+    <p:tnLst>
+      <p:par>
+        <p:cTn id="1" dur="indefinite" restart="never" nodeType="tmRoot"/>
+      </p:par>
+    </p:tnLst>
+  </p:timing>
+</p:sld>
+</file>
+
+<file path=ppt/slides/slide22.xml><?xml version="1.0" encoding="utf-8"?>
+<p:sld xmlns:a="http://schemas.openxmlformats.org/drawingml/2006/main" xmlns:r="http://schemas.openxmlformats.org/officeDocument/2006/relationships" xmlns:p="http://schemas.openxmlformats.org/presentationml/2006/main">
+  <p:cSld>
+    <p:spTree>
+      <p:nvGrpSpPr>
+        <p:cNvPr id="1" name=""/>
+        <p:cNvGrpSpPr/>
+        <p:nvPr/>
+      </p:nvGrpSpPr>
+      <p:grpSpPr>
+        <a:xfrm>
+          <a:off x="0" y="0"/>
+          <a:ext cx="0" cy="0"/>
+          <a:chOff x="0" y="0"/>
+          <a:chExt cx="0" cy="0"/>
+        </a:xfrm>
+      </p:grpSpPr>
+      <p:sp>
+        <p:nvSpPr>
+          <p:cNvPr id="3" name="内容占位符 2"/>
+          <p:cNvSpPr>
+            <a:spLocks noGrp="1"/>
+          </p:cNvSpPr>
+          <p:nvPr>
+            <p:ph idx="1"/>
+          </p:nvPr>
+        </p:nvSpPr>
+        <p:spPr>
+          <a:xfrm>
+            <a:off x="838200" y="360946"/>
+            <a:ext cx="10515600" cy="6160169"/>
+          </a:xfrm>
+        </p:spPr>
+        <p:txBody>
+          <a:bodyPr>
+            <a:normAutofit fontScale="92500" lnSpcReduction="10000"/>
+          </a:bodyPr>
+          <a:lstStyle/>
+          <a:p>
+            <a:r>
+              <a:rPr lang="en-US" altLang="zh-CN" sz="2000" dirty="0"/>
+              <a:t>Stream</a:t>
+            </a:r>
+            <a:r>
+              <a:rPr lang="zh-CN" altLang="en-US" sz="2000" dirty="0" smtClean="0"/>
+              <a:t>的特征</a:t>
+            </a:r>
+            <a:endParaRPr lang="en-US" altLang="zh-CN" sz="2000" dirty="0" smtClean="0"/>
+          </a:p>
+          <a:p>
+            <a:pPr lvl="1"/>
+            <a:r>
+              <a:rPr lang="en-US" altLang="zh-CN" sz="2000" dirty="0"/>
+              <a:t>Not a data structure</a:t>
+            </a:r>
+          </a:p>
+          <a:p>
+            <a:pPr lvl="1"/>
+            <a:r>
+              <a:rPr lang="en-US" altLang="zh-CN" sz="2000" dirty="0"/>
+              <a:t>Designed for lambdas</a:t>
+            </a:r>
+          </a:p>
+          <a:p>
+            <a:pPr lvl="1"/>
+            <a:r>
+              <a:rPr lang="en-US" altLang="zh-CN" sz="2000" dirty="0"/>
+              <a:t>Do not support indexed access</a:t>
+            </a:r>
+          </a:p>
+          <a:p>
+            <a:pPr lvl="1"/>
+            <a:r>
+              <a:rPr lang="en-US" altLang="zh-CN" sz="2000" dirty="0"/>
+              <a:t>Can easily be outputted as arrays or lists</a:t>
+            </a:r>
+          </a:p>
+          <a:p>
+            <a:pPr lvl="1"/>
+            <a:r>
+              <a:rPr lang="en-US" altLang="zh-CN" sz="2000" dirty="0"/>
+              <a:t>Lazy access supported</a:t>
+            </a:r>
+          </a:p>
+          <a:p>
+            <a:pPr lvl="1"/>
+            <a:r>
+              <a:rPr lang="en-US" altLang="zh-CN" sz="2000" dirty="0" smtClean="0"/>
+              <a:t>Parallelizable(</a:t>
+            </a:r>
+            <a:r>
+              <a:rPr lang="zh-CN" altLang="en-US" sz="2000" dirty="0" smtClean="0"/>
+              <a:t>并行计算</a:t>
+            </a:r>
+            <a:r>
+              <a:rPr lang="en-US" altLang="zh-CN" sz="2000" dirty="0" smtClean="0"/>
+              <a:t>)</a:t>
+            </a:r>
+          </a:p>
+          <a:p>
+            <a:r>
+              <a:rPr lang="zh-CN" altLang="en-US" sz="2000" dirty="0"/>
+              <a:t>如何得到</a:t>
+            </a:r>
+            <a:r>
+              <a:rPr lang="en-US" altLang="zh-CN" sz="2000" dirty="0"/>
+              <a:t>Stream</a:t>
+            </a:r>
+            <a:r>
+              <a:rPr lang="zh-CN" altLang="en-US" sz="2000" dirty="0" smtClean="0"/>
+              <a:t>对象</a:t>
+            </a:r>
+            <a:endParaRPr lang="en-US" altLang="zh-CN" sz="2000" dirty="0" smtClean="0"/>
+          </a:p>
+          <a:p>
+            <a:pPr lvl="1"/>
+            <a:r>
+              <a:rPr lang="zh-CN" altLang="en-US" sz="1600" dirty="0"/>
+              <a:t>从 </a:t>
+            </a:r>
+            <a:r>
+              <a:rPr lang="en-US" altLang="zh-CN" sz="1600" dirty="0"/>
+              <a:t>Collection </a:t>
+            </a:r>
+            <a:r>
+              <a:rPr lang="zh-CN" altLang="en-US" sz="1600" dirty="0"/>
+              <a:t>和</a:t>
+            </a:r>
+            <a:r>
+              <a:rPr lang="zh-CN" altLang="en-US" sz="1600" dirty="0" smtClean="0"/>
+              <a:t>数组</a:t>
+            </a:r>
+            <a:endParaRPr lang="en-US" altLang="zh-CN" sz="1600" dirty="0" smtClean="0"/>
+          </a:p>
+          <a:p>
+            <a:pPr lvl="2"/>
+            <a:r>
+              <a:rPr lang="en-US" altLang="zh-CN" sz="1200" dirty="0" err="1" smtClean="0"/>
+              <a:t>Collection.stream</a:t>
+            </a:r>
+            <a:r>
+              <a:rPr lang="en-US" altLang="zh-CN" sz="1200" dirty="0" smtClean="0"/>
+              <a:t>()</a:t>
+            </a:r>
+            <a:r>
+              <a:rPr lang="en-US" altLang="zh-CN" sz="1200" dirty="0"/>
+              <a:t>	</a:t>
+            </a:r>
+            <a:endParaRPr lang="en-US" altLang="zh-CN" sz="1200" dirty="0" smtClean="0"/>
+          </a:p>
+          <a:p>
+            <a:pPr lvl="2"/>
+            <a:r>
+              <a:rPr lang="en-US" altLang="zh-CN" sz="1200" dirty="0" err="1" smtClean="0"/>
+              <a:t>Collection.parallelStream</a:t>
+            </a:r>
+            <a:r>
+              <a:rPr lang="en-US" altLang="zh-CN" sz="1200" dirty="0" smtClean="0"/>
+              <a:t>()</a:t>
+            </a:r>
+            <a:r>
+              <a:rPr lang="en-US" altLang="zh-CN" sz="1200" dirty="0"/>
+              <a:t>	</a:t>
+            </a:r>
+            <a:endParaRPr lang="en-US" altLang="zh-CN" sz="1200" dirty="0" smtClean="0"/>
+          </a:p>
+          <a:p>
+            <a:pPr lvl="2"/>
+            <a:r>
+              <a:rPr lang="en-US" altLang="zh-CN" sz="1200" dirty="0" err="1" smtClean="0"/>
+              <a:t>Arrays.stream</a:t>
+            </a:r>
+            <a:r>
+              <a:rPr lang="en-US" altLang="zh-CN" sz="1200" dirty="0" smtClean="0"/>
+              <a:t>(T </a:t>
+            </a:r>
+            <a:r>
+              <a:rPr lang="en-US" altLang="zh-CN" sz="1200" dirty="0"/>
+              <a:t>array) or </a:t>
+            </a:r>
+            <a:r>
+              <a:rPr lang="en-US" altLang="zh-CN" sz="1200" dirty="0" err="1"/>
+              <a:t>Stream.of</a:t>
+            </a:r>
+            <a:r>
+              <a:rPr lang="en-US" altLang="zh-CN" sz="1200" dirty="0"/>
+              <a:t>()</a:t>
+            </a:r>
+          </a:p>
+          <a:p>
+            <a:pPr lvl="1"/>
+            <a:r>
+              <a:rPr lang="zh-CN" altLang="en-US" sz="1600" dirty="0"/>
+              <a:t>从 </a:t>
+            </a:r>
+            <a:r>
+              <a:rPr lang="en-US" altLang="zh-CN" sz="1600" dirty="0" err="1" smtClean="0"/>
+              <a:t>BufferedReader</a:t>
+            </a:r>
+            <a:endParaRPr lang="en-US" altLang="zh-CN" sz="1600" dirty="0" smtClean="0"/>
+          </a:p>
+          <a:p>
+            <a:pPr lvl="2"/>
+            <a:r>
+              <a:rPr lang="en-US" altLang="zh-CN" sz="1200" dirty="0" err="1" smtClean="0"/>
+              <a:t>java.io.BufferedReader.lines</a:t>
+            </a:r>
+            <a:r>
+              <a:rPr lang="en-US" altLang="zh-CN" sz="1200" dirty="0"/>
+              <a:t>()</a:t>
+            </a:r>
+          </a:p>
+          <a:p>
+            <a:pPr lvl="1"/>
+            <a:r>
+              <a:rPr lang="zh-CN" altLang="en-US" sz="1600" dirty="0"/>
+              <a:t>静态</a:t>
+            </a:r>
+            <a:r>
+              <a:rPr lang="zh-CN" altLang="en-US" sz="1600" dirty="0" smtClean="0"/>
+              <a:t>工厂</a:t>
+            </a:r>
+            <a:r>
+              <a:rPr lang="zh-CN" altLang="en-US" sz="1600" dirty="0"/>
+              <a:t>	</a:t>
+            </a:r>
+            <a:endParaRPr lang="en-US" altLang="zh-CN" sz="1600" dirty="0" smtClean="0"/>
+          </a:p>
+          <a:p>
+            <a:pPr lvl="2"/>
+            <a:r>
+              <a:rPr lang="en-US" altLang="zh-CN" sz="1200" dirty="0" err="1" smtClean="0"/>
+              <a:t>java.util.stream.IntStream.range</a:t>
+            </a:r>
+            <a:r>
+              <a:rPr lang="en-US" altLang="zh-CN" sz="1200" dirty="0" smtClean="0"/>
+              <a:t>()</a:t>
+            </a:r>
+            <a:r>
+              <a:rPr lang="en-US" altLang="zh-CN" sz="1600" dirty="0"/>
+              <a:t>	</a:t>
+            </a:r>
+            <a:endParaRPr lang="en-US" altLang="zh-CN" sz="1600" dirty="0" smtClean="0"/>
+          </a:p>
+          <a:p>
+            <a:pPr lvl="2"/>
+            <a:r>
+              <a:rPr lang="en-US" altLang="zh-CN" sz="1200" dirty="0" err="1" smtClean="0"/>
+              <a:t>java.nio.file.Files.walk</a:t>
+            </a:r>
+            <a:r>
+              <a:rPr lang="en-US" altLang="zh-CN" sz="1200" dirty="0"/>
+              <a:t>()</a:t>
+            </a:r>
+          </a:p>
+          <a:p>
+            <a:pPr lvl="1"/>
+            <a:r>
+              <a:rPr lang="zh-CN" altLang="en-US" sz="1600" dirty="0"/>
+              <a:t>自己</a:t>
+            </a:r>
+            <a:r>
+              <a:rPr lang="zh-CN" altLang="en-US" sz="1600" dirty="0" smtClean="0"/>
+              <a:t>创建</a:t>
+            </a:r>
+            <a:r>
+              <a:rPr lang="zh-CN" altLang="en-US" sz="1600" dirty="0"/>
+              <a:t>	</a:t>
+            </a:r>
+            <a:endParaRPr lang="en-US" altLang="zh-CN" sz="1600" dirty="0" smtClean="0"/>
+          </a:p>
+          <a:p>
+            <a:pPr lvl="2"/>
+            <a:r>
+              <a:rPr lang="en-US" altLang="zh-CN" sz="1200" dirty="0" err="1" smtClean="0"/>
+              <a:t>java.util.Spliterator</a:t>
+            </a:r>
+            <a:endParaRPr lang="en-US" altLang="zh-CN" sz="1200" dirty="0"/>
+          </a:p>
+          <a:p>
+            <a:pPr lvl="1"/>
+            <a:r>
+              <a:rPr lang="zh-CN" altLang="en-US" sz="1600" dirty="0" smtClean="0"/>
+              <a:t>其它</a:t>
+            </a:r>
+            <a:r>
+              <a:rPr lang="zh-CN" altLang="en-US" sz="1600" dirty="0"/>
+              <a:t>	</a:t>
+            </a:r>
+            <a:endParaRPr lang="en-US" altLang="zh-CN" sz="1600" dirty="0" smtClean="0"/>
+          </a:p>
+          <a:p>
+            <a:pPr lvl="2"/>
+            <a:r>
+              <a:rPr lang="en-US" altLang="zh-CN" sz="1200" dirty="0" err="1" smtClean="0"/>
+              <a:t>Random.ints</a:t>
+            </a:r>
+            <a:r>
+              <a:rPr lang="en-US" altLang="zh-CN" sz="1200" dirty="0" smtClean="0"/>
+              <a:t>()</a:t>
+            </a:r>
+            <a:r>
+              <a:rPr lang="en-US" altLang="zh-CN" sz="1200" dirty="0"/>
+              <a:t>	</a:t>
+            </a:r>
+            <a:endParaRPr lang="en-US" altLang="zh-CN" sz="1200" dirty="0" smtClean="0"/>
+          </a:p>
+          <a:p>
+            <a:pPr lvl="2"/>
+            <a:r>
+              <a:rPr lang="en-US" altLang="zh-CN" sz="1200" dirty="0" err="1" smtClean="0"/>
+              <a:t>BitSet.stream</a:t>
+            </a:r>
+            <a:r>
+              <a:rPr lang="en-US" altLang="zh-CN" sz="1200" dirty="0" smtClean="0"/>
+              <a:t>()</a:t>
+            </a:r>
+            <a:r>
+              <a:rPr lang="en-US" altLang="zh-CN" sz="1200" dirty="0"/>
+              <a:t>	</a:t>
+            </a:r>
+            <a:endParaRPr lang="en-US" altLang="zh-CN" sz="1200" dirty="0" smtClean="0"/>
+          </a:p>
+          <a:p>
+            <a:pPr lvl="2"/>
+            <a:r>
+              <a:rPr lang="en-US" altLang="zh-CN" sz="1200" dirty="0" err="1" smtClean="0"/>
+              <a:t>Pattern.splitAsStream</a:t>
+            </a:r>
+            <a:r>
+              <a:rPr lang="en-US" altLang="zh-CN" sz="1200" dirty="0" smtClean="0"/>
+              <a:t>(</a:t>
+            </a:r>
+            <a:r>
+              <a:rPr lang="en-US" altLang="zh-CN" sz="1200" dirty="0" err="1" smtClean="0"/>
+              <a:t>java.lang.CharSequence</a:t>
+            </a:r>
+            <a:r>
+              <a:rPr lang="en-US" altLang="zh-CN" sz="1200" dirty="0" smtClean="0"/>
+              <a:t>)</a:t>
+            </a:r>
+            <a:r>
+              <a:rPr lang="en-US" altLang="zh-CN" sz="1200" dirty="0"/>
+              <a:t>	</a:t>
+            </a:r>
+            <a:endParaRPr lang="en-US" altLang="zh-CN" sz="1200" dirty="0" smtClean="0"/>
+          </a:p>
+          <a:p>
+            <a:pPr lvl="2"/>
+            <a:r>
+              <a:rPr lang="en-US" altLang="zh-CN" sz="1200" dirty="0" err="1" smtClean="0"/>
+              <a:t>JarFile.stream</a:t>
+            </a:r>
+            <a:r>
+              <a:rPr lang="en-US" altLang="zh-CN" sz="1200" dirty="0" smtClean="0"/>
+              <a:t>()</a:t>
+            </a:r>
+            <a:r>
+              <a:rPr lang="en-US" altLang="zh-CN" sz="1600" dirty="0"/>
+              <a:t>	</a:t>
+            </a:r>
+            <a:endParaRPr lang="zh-CN" altLang="en-US" sz="1600" dirty="0"/>
+          </a:p>
+        </p:txBody>
+      </p:sp>
+    </p:spTree>
+    <p:extLst>
+      <p:ext uri="{BB962C8B-B14F-4D97-AF65-F5344CB8AC3E}">
+        <p14:creationId xmlns:p14="http://schemas.microsoft.com/office/powerpoint/2010/main" val="2019251295"/>
+      </p:ext>
+    </p:extLst>
+  </p:cSld>
+  <p:clrMapOvr>
+    <a:masterClrMapping/>
+  </p:clrMapOvr>
+  <p:timing>
+    <p:tnLst>
+      <p:par>
+        <p:cTn id="1" dur="indefinite" restart="never" nodeType="tmRoot"/>
+      </p:par>
+    </p:tnLst>
+  </p:timing>
+</p:sld>
+</file>
+
+<file path=ppt/slides/slide23.xml><?xml version="1.0" encoding="utf-8"?>
+<p:sld xmlns:a="http://schemas.openxmlformats.org/drawingml/2006/main" xmlns:r="http://schemas.openxmlformats.org/officeDocument/2006/relationships" xmlns:p="http://schemas.openxmlformats.org/presentationml/2006/main">
+  <p:cSld>
+    <p:spTree>
+      <p:nvGrpSpPr>
+        <p:cNvPr id="1" name=""/>
+        <p:cNvGrpSpPr/>
+        <p:nvPr/>
+      </p:nvGrpSpPr>
+      <p:grpSpPr>
+        <a:xfrm>
+          <a:off x="0" y="0"/>
+          <a:ext cx="0" cy="0"/>
+          <a:chOff x="0" y="0"/>
+          <a:chExt cx="0" cy="0"/>
+        </a:xfrm>
+      </p:grpSpPr>
+      <p:sp>
+        <p:nvSpPr>
+          <p:cNvPr id="2" name="标题 1"/>
+          <p:cNvSpPr>
+            <a:spLocks noGrp="1"/>
+          </p:cNvSpPr>
+          <p:nvPr>
+            <p:ph type="title"/>
+          </p:nvPr>
+        </p:nvSpPr>
+        <p:spPr/>
+        <p:txBody>
+          <a:bodyPr/>
+          <a:lstStyle/>
+          <a:p>
+            <a:endParaRPr lang="zh-CN" altLang="en-US" dirty="0"/>
+          </a:p>
+        </p:txBody>
+      </p:sp>
+      <p:sp>
+        <p:nvSpPr>
+          <p:cNvPr id="3" name="内容占位符 2"/>
+          <p:cNvSpPr>
+            <a:spLocks noGrp="1"/>
+          </p:cNvSpPr>
+          <p:nvPr>
+            <p:ph idx="1"/>
+          </p:nvPr>
+        </p:nvSpPr>
+        <p:spPr/>
+        <p:txBody>
+          <a:bodyPr>
+            <a:normAutofit/>
+          </a:bodyPr>
+          <a:lstStyle/>
+          <a:p>
+            <a:r>
+              <a:rPr lang="en-US" altLang="zh-CN" sz="2000" dirty="0"/>
+              <a:t>Stream</a:t>
+            </a:r>
+            <a:r>
+              <a:rPr lang="zh-CN" altLang="en-US" sz="2000" dirty="0"/>
+              <a:t>的操作</a:t>
+            </a:r>
+            <a:r>
+              <a:rPr lang="zh-CN" altLang="en-US" sz="2000" dirty="0" smtClean="0"/>
+              <a:t>类型</a:t>
+            </a:r>
+            <a:endParaRPr lang="en-US" altLang="zh-CN" sz="2000" dirty="0" smtClean="0"/>
+          </a:p>
+          <a:p>
+            <a:pPr lvl="1"/>
+            <a:r>
+              <a:rPr lang="en-US" altLang="zh-CN" sz="1600" dirty="0"/>
+              <a:t>Stream</a:t>
+            </a:r>
+            <a:r>
+              <a:rPr lang="zh-CN" altLang="en-US" sz="1600" dirty="0"/>
+              <a:t>有两种类型的操作：</a:t>
+            </a:r>
+            <a:r>
+              <a:rPr lang="en-US" altLang="zh-CN" sz="1600" dirty="0"/>
+              <a:t>Intermediate</a:t>
+            </a:r>
+            <a:r>
+              <a:rPr lang="zh-CN" altLang="en-US" sz="1600" dirty="0"/>
+              <a:t>操作和</a:t>
+            </a:r>
+            <a:r>
+              <a:rPr lang="en-US" altLang="zh-CN" sz="1600" dirty="0"/>
+              <a:t>Terminal</a:t>
+            </a:r>
+            <a:r>
+              <a:rPr lang="zh-CN" altLang="en-US" sz="1600" dirty="0"/>
+              <a:t>操作</a:t>
+            </a:r>
+            <a:r>
+              <a:rPr lang="zh-CN" altLang="en-US" sz="1600" dirty="0" smtClean="0"/>
+              <a:t>。</a:t>
+            </a:r>
+            <a:endParaRPr lang="en-US" altLang="zh-CN" sz="1600" dirty="0" smtClean="0"/>
+          </a:p>
+          <a:p>
+            <a:pPr lvl="1"/>
+            <a:r>
+              <a:rPr lang="en-US" altLang="zh-CN" sz="1600" dirty="0"/>
+              <a:t>Intermediate</a:t>
+            </a:r>
+            <a:r>
+              <a:rPr lang="zh-CN" altLang="en-US" sz="1600" dirty="0"/>
+              <a:t>（中间操作</a:t>
+            </a:r>
+            <a:r>
+              <a:rPr lang="zh-CN" altLang="en-US" sz="1600" dirty="0" smtClean="0"/>
+              <a:t>）</a:t>
+            </a:r>
+            <a:endParaRPr lang="en-US" altLang="zh-CN" sz="1600" dirty="0" smtClean="0"/>
+          </a:p>
+          <a:p>
+            <a:pPr lvl="2"/>
+            <a:r>
+              <a:rPr lang="en-US" altLang="zh-CN" sz="1200" dirty="0"/>
+              <a:t>Stream</a:t>
+            </a:r>
+            <a:r>
+              <a:rPr lang="zh-CN" altLang="en-US" sz="1200" dirty="0"/>
+              <a:t>可以进行多次的</a:t>
+            </a:r>
+            <a:r>
+              <a:rPr lang="en-US" altLang="zh-CN" sz="1200" dirty="0"/>
+              <a:t>Intermediate</a:t>
+            </a:r>
+            <a:r>
+              <a:rPr lang="zh-CN" altLang="en-US" sz="1200" dirty="0"/>
+              <a:t>操作，如前面开头的那个例子，其中</a:t>
+            </a:r>
+            <a:r>
+              <a:rPr lang="en-US" altLang="zh-CN" sz="1200" dirty="0"/>
+              <a:t>filter</a:t>
+            </a:r>
+            <a:r>
+              <a:rPr lang="zh-CN" altLang="en-US" sz="1200" dirty="0"/>
+              <a:t>、</a:t>
+            </a:r>
+            <a:r>
+              <a:rPr lang="en-US" altLang="zh-CN" sz="1200" dirty="0"/>
+              <a:t>map</a:t>
+            </a:r>
+            <a:r>
+              <a:rPr lang="zh-CN" altLang="en-US" sz="1200" dirty="0"/>
+              <a:t>、</a:t>
+            </a:r>
+            <a:r>
+              <a:rPr lang="en-US" altLang="zh-CN" sz="1200" dirty="0"/>
+              <a:t>sorted</a:t>
+            </a:r>
+            <a:r>
+              <a:rPr lang="zh-CN" altLang="en-US" sz="1200" dirty="0"/>
+              <a:t>都是</a:t>
+            </a:r>
+            <a:r>
+              <a:rPr lang="en-US" altLang="zh-CN" sz="1200" dirty="0"/>
+              <a:t>Intermediate</a:t>
+            </a:r>
+            <a:r>
+              <a:rPr lang="zh-CN" altLang="en-US" sz="1200" dirty="0"/>
+              <a:t>操作，注意该操作是惰性化的，当调用到该方法的时候，并没有真正开始</a:t>
+            </a:r>
+            <a:r>
+              <a:rPr lang="en-US" altLang="zh-CN" sz="1200" dirty="0"/>
+              <a:t>Stream</a:t>
+            </a:r>
+            <a:r>
+              <a:rPr lang="zh-CN" altLang="en-US" sz="1200" dirty="0"/>
+              <a:t>的遍历。</a:t>
+            </a:r>
+          </a:p>
+          <a:p>
+            <a:pPr lvl="1"/>
+            <a:r>
+              <a:rPr lang="en-US" altLang="zh-CN" sz="1600" dirty="0"/>
+              <a:t>Terminal</a:t>
+            </a:r>
+            <a:r>
+              <a:rPr lang="zh-CN" altLang="en-US" sz="1600" dirty="0"/>
+              <a:t>（结束操作</a:t>
+            </a:r>
+            <a:r>
+              <a:rPr lang="zh-CN" altLang="en-US" sz="1600" dirty="0" smtClean="0"/>
+              <a:t>）</a:t>
+            </a:r>
+            <a:endParaRPr lang="en-US" altLang="zh-CN" sz="1600" dirty="0" smtClean="0"/>
+          </a:p>
+          <a:p>
+            <a:pPr lvl="2"/>
+            <a:r>
+              <a:rPr lang="zh-CN" altLang="en-US" sz="1200" dirty="0"/>
+              <a:t>一个</a:t>
+            </a:r>
+            <a:r>
+              <a:rPr lang="en-US" altLang="zh-CN" sz="1200" dirty="0"/>
+              <a:t>Stream</a:t>
+            </a:r>
+            <a:r>
+              <a:rPr lang="zh-CN" altLang="en-US" sz="1200" dirty="0"/>
+              <a:t>只有一个</a:t>
+            </a:r>
+            <a:r>
+              <a:rPr lang="en-US" altLang="zh-CN" sz="1200" dirty="0"/>
+              <a:t>Terminal</a:t>
+            </a:r>
+            <a:r>
+              <a:rPr lang="zh-CN" altLang="en-US" sz="1200" dirty="0"/>
+              <a:t>操作，如前面开头的那个例子，其中</a:t>
+            </a:r>
+            <a:r>
+              <a:rPr lang="en-US" altLang="zh-CN" sz="1200" dirty="0" err="1"/>
+              <a:t>forEach</a:t>
+            </a:r>
+            <a:r>
+              <a:rPr lang="zh-CN" altLang="en-US" sz="1200" dirty="0"/>
+              <a:t>就是</a:t>
+            </a:r>
+            <a:r>
+              <a:rPr lang="en-US" altLang="zh-CN" sz="1200" dirty="0"/>
+              <a:t>Terminal</a:t>
+            </a:r>
+            <a:r>
+              <a:rPr lang="zh-CN" altLang="en-US" sz="1200" dirty="0"/>
+              <a:t>操作，</a:t>
+            </a:r>
+            <a:r>
+              <a:rPr lang="en-US" altLang="zh-CN" sz="1200" dirty="0"/>
+              <a:t>Terminal</a:t>
+            </a:r>
+            <a:r>
+              <a:rPr lang="zh-CN" altLang="en-US" sz="1200" dirty="0"/>
+              <a:t>操作是</a:t>
+            </a:r>
+            <a:r>
+              <a:rPr lang="en-US" altLang="zh-CN" sz="1200" dirty="0"/>
+              <a:t>Stream</a:t>
+            </a:r>
+            <a:r>
+              <a:rPr lang="zh-CN" altLang="en-US" sz="1200" dirty="0"/>
+              <a:t>的最后一个操作，这时候才会开始</a:t>
+            </a:r>
+            <a:r>
+              <a:rPr lang="en-US" altLang="zh-CN" sz="1200" dirty="0"/>
+              <a:t>Stream</a:t>
+            </a:r>
+            <a:r>
+              <a:rPr lang="zh-CN" altLang="en-US" sz="1200" dirty="0"/>
+              <a:t>的遍历</a:t>
+            </a:r>
+            <a:r>
+              <a:rPr lang="zh-CN" altLang="en-US" sz="1200" dirty="0" smtClean="0"/>
+              <a:t>。</a:t>
+            </a:r>
+            <a:endParaRPr lang="en-US" altLang="zh-CN" sz="1200" dirty="0" smtClean="0"/>
+          </a:p>
+          <a:p>
+            <a:r>
+              <a:rPr lang="zh-CN" altLang="en-US" sz="2000" dirty="0"/>
+              <a:t>在对于一个 </a:t>
+            </a:r>
+            <a:r>
+              <a:rPr lang="en-US" altLang="zh-CN" sz="2000" dirty="0"/>
+              <a:t>Stream </a:t>
+            </a:r>
+            <a:r>
+              <a:rPr lang="zh-CN" altLang="en-US" sz="2000" dirty="0"/>
+              <a:t>进行多次转换操作 </a:t>
+            </a:r>
+            <a:r>
+              <a:rPr lang="en-US" altLang="zh-CN" sz="2000" dirty="0"/>
+              <a:t>(Intermediate </a:t>
+            </a:r>
+            <a:r>
+              <a:rPr lang="zh-CN" altLang="en-US" sz="2000" dirty="0"/>
+              <a:t>操作</a:t>
+            </a:r>
+            <a:r>
+              <a:rPr lang="en-US" altLang="zh-CN" sz="2000" dirty="0"/>
+              <a:t>)</a:t>
+            </a:r>
+            <a:r>
+              <a:rPr lang="zh-CN" altLang="en-US" sz="2000" dirty="0"/>
+              <a:t>，每次都对 </a:t>
+            </a:r>
+            <a:r>
+              <a:rPr lang="en-US" altLang="zh-CN" sz="2000" dirty="0"/>
+              <a:t>Stream </a:t>
+            </a:r>
+            <a:r>
+              <a:rPr lang="zh-CN" altLang="en-US" sz="2000" dirty="0"/>
+              <a:t>的每个元素进行转换，而且是执行多次，这样时间复杂度就是 </a:t>
+            </a:r>
+            <a:r>
+              <a:rPr lang="en-US" altLang="zh-CN" sz="2000" dirty="0"/>
+              <a:t>N</a:t>
+            </a:r>
+            <a:r>
+              <a:rPr lang="zh-CN" altLang="en-US" sz="2000" dirty="0"/>
+              <a:t>（转换次数）个 </a:t>
+            </a:r>
+            <a:r>
+              <a:rPr lang="en-US" altLang="zh-CN" sz="2000" dirty="0"/>
+              <a:t>for </a:t>
+            </a:r>
+            <a:r>
+              <a:rPr lang="zh-CN" altLang="en-US" sz="2000" dirty="0"/>
+              <a:t>循环里把所有操作都做掉的总和吗？其实不是这样的，转换操作都是 </a:t>
+            </a:r>
+            <a:r>
+              <a:rPr lang="en-US" altLang="zh-CN" sz="2000" dirty="0"/>
+              <a:t>lazy </a:t>
+            </a:r>
+            <a:r>
+              <a:rPr lang="zh-CN" altLang="en-US" sz="2000" dirty="0"/>
+              <a:t>的，多个转换操作只会在 </a:t>
+            </a:r>
+            <a:r>
+              <a:rPr lang="en-US" altLang="zh-CN" sz="2000" dirty="0"/>
+              <a:t>Terminal </a:t>
+            </a:r>
+            <a:r>
+              <a:rPr lang="zh-CN" altLang="en-US" sz="2000" dirty="0"/>
+              <a:t>操作的时候融合起来，一次循环完成。我们可以这样简单的理解，</a:t>
+            </a:r>
+            <a:r>
+              <a:rPr lang="en-US" altLang="zh-CN" sz="2000" dirty="0"/>
+              <a:t>Stream </a:t>
+            </a:r>
+            <a:r>
+              <a:rPr lang="zh-CN" altLang="en-US" sz="2000" dirty="0"/>
+              <a:t>里有个操作函数的集合，每次转换操作就是把转换函数放入这个集合中，在 </a:t>
+            </a:r>
+            <a:r>
+              <a:rPr lang="en-US" altLang="zh-CN" sz="2000" dirty="0"/>
+              <a:t>Terminal </a:t>
+            </a:r>
+            <a:r>
+              <a:rPr lang="zh-CN" altLang="en-US" sz="2000" dirty="0"/>
+              <a:t>操作的时候循环 </a:t>
+            </a:r>
+            <a:r>
+              <a:rPr lang="en-US" altLang="zh-CN" sz="2000" dirty="0"/>
+              <a:t>Stream </a:t>
+            </a:r>
+            <a:r>
+              <a:rPr lang="zh-CN" altLang="en-US" sz="2000" dirty="0"/>
+              <a:t>对应的集合，然后对每个元素执行所有的函数。</a:t>
+            </a:r>
+            <a:endParaRPr lang="en-US" altLang="zh-CN" sz="2000" dirty="0"/>
+          </a:p>
+        </p:txBody>
+      </p:sp>
+    </p:spTree>
+    <p:extLst>
+      <p:ext uri="{BB962C8B-B14F-4D97-AF65-F5344CB8AC3E}">
+        <p14:creationId xmlns:p14="http://schemas.microsoft.com/office/powerpoint/2010/main" val="4192628410"/>
       </p:ext>
     </p:extLst>
   </p:cSld>
@@ -26742,12 +32203,24 @@
               <a:t>Classes in the new </a:t>
             </a:r>
             <a:r>
-              <a:rPr lang="en-US" altLang="zh-CN" dirty="0" err="1" smtClean="0"/>
+              <a:rPr lang="en-US" altLang="zh-CN" dirty="0" err="1" smtClean="0">
+                <a:solidFill>
+                  <a:srgbClr val="FF0000"/>
+                </a:solidFill>
+              </a:rPr>
               <a:t>java.util.stream</a:t>
             </a:r>
             <a:r>
-              <a:rPr lang="en-US" altLang="zh-CN" dirty="0" smtClean="0"/>
-              <a:t> package provide a Stream API to support functional-style operations on streams of elements. The Stream API is integrated into the Collections API, which enables bulk operations on collections, such as sequential or parallel map-reduce transformations.</a:t>
+              <a:rPr lang="en-US" altLang="zh-CN" dirty="0" smtClean="0">
+                <a:solidFill>
+                  <a:srgbClr val="FF0000"/>
+                </a:solidFill>
+              </a:rPr>
+              <a:t> </a:t>
+            </a:r>
+            <a:r>
+              <a:rPr lang="en-US" altLang="zh-CN" dirty="0" smtClean="0"/>
+              <a:t>package provide a Stream API to support functional-style operations on streams of elements. The Stream API is integrated into the Collections API, which enables bulk operations on collections, such as sequential or parallel map-reduce transformations.</a:t>
             </a:r>
           </a:p>
           <a:p>
@@ -27869,7 +33342,6 @@
               <a:rPr lang="zh-CN" altLang="en-US" sz="1600" dirty="0"/>
               <a:t>简单且强大的函数式编程能力；</a:t>
             </a:r>
-            <a:endParaRPr lang="zh-CN" altLang="en-US" sz="1600" dirty="0"/>
           </a:p>
         </p:txBody>
       </p:sp>
@@ -28602,11 +34074,7 @@
             </a:r>
             <a:r>
               <a:rPr lang="zh-CN" altLang="en-US" sz="1600" dirty="0"/>
-              <a:t>三，</a:t>
-            </a:r>
-            <a:r>
-              <a:rPr lang="zh-CN" altLang="en-US" sz="1600" dirty="0"/>
-              <a:t>使用方法引用</a:t>
+              <a:t>三，使用方法引用</a:t>
             </a:r>
           </a:p>
           <a:p>

--- a/src/main/resources/JAVA 8 Lambda表达式.pptx
+++ b/src/main/resources/JAVA 8 Lambda表达式.pptx
@@ -219,7 +219,7 @@
           <a:p>
             <a:fld id="{53B8B4BF-1668-48A6-AD5F-46E8DEF220AD}" type="datetimeFigureOut">
               <a:rPr lang="zh-CN" altLang="en-US" smtClean="0"/>
-              <a:t>2017/5/25</a:t>
+              <a:t>2017/5/27</a:t>
             </a:fld>
             <a:endParaRPr lang="zh-CN" altLang="en-US"/>
           </a:p>
@@ -12453,11 +12453,7 @@
           <a:p>
             <a:r>
               <a:rPr lang="en-US" altLang="zh-CN" dirty="0" smtClean="0"/>
-              <a:t>http://www.cnblogs.com/chenpi/p/5915364.html#_</a:t>
-            </a:r>
-            <a:r>
-              <a:rPr lang="en-US" altLang="zh-CN" dirty="0" smtClean="0"/>
-              <a:t>label0</a:t>
+              <a:t>http://www.cnblogs.com/chenpi/p/5915364.html#_label0</a:t>
             </a:r>
           </a:p>
           <a:p>
@@ -13305,6 +13301,134 @@
           <a:lstStyle/>
           <a:p>
             <a:r>
+              <a:rPr lang="zh-CN" altLang="en-US" dirty="0" smtClean="0"/>
+              <a:t>不是一个数据结构</a:t>
+            </a:r>
+          </a:p>
+          <a:p>
+            <a:r>
+              <a:rPr lang="zh-CN" altLang="en-US" dirty="0" smtClean="0"/>
+              <a:t>为</a:t>
+            </a:r>
+            <a:r>
+              <a:rPr lang="en-US" altLang="zh-CN" dirty="0" smtClean="0"/>
+              <a:t>lambda</a:t>
+            </a:r>
+            <a:r>
+              <a:rPr lang="zh-CN" altLang="en-US" dirty="0" smtClean="0"/>
+              <a:t>表达式设计</a:t>
+            </a:r>
+          </a:p>
+          <a:p>
+            <a:r>
+              <a:rPr lang="zh-CN" altLang="en-US" dirty="0" smtClean="0"/>
+              <a:t>不支持索引访问</a:t>
+            </a:r>
+          </a:p>
+          <a:p>
+            <a:r>
+              <a:rPr lang="zh-CN" altLang="en-US" dirty="0" smtClean="0"/>
+              <a:t>很方便的作为数组或集合输出</a:t>
+            </a:r>
+          </a:p>
+          <a:p>
+            <a:r>
+              <a:rPr lang="zh-CN" altLang="en-US" dirty="0" smtClean="0"/>
+              <a:t>支持惰性访问</a:t>
+            </a:r>
+          </a:p>
+          <a:p>
+            <a:r>
+              <a:rPr lang="zh-CN" altLang="en-US" dirty="0" smtClean="0"/>
+              <a:t>并行计算</a:t>
+            </a:r>
+          </a:p>
+          <a:p>
+            <a:endParaRPr lang="zh-CN" altLang="en-US" dirty="0"/>
+          </a:p>
+        </p:txBody>
+      </p:sp>
+      <p:sp>
+        <p:nvSpPr>
+          <p:cNvPr id="4" name="灯片编号占位符 3"/>
+          <p:cNvSpPr>
+            <a:spLocks noGrp="1"/>
+          </p:cNvSpPr>
+          <p:nvPr>
+            <p:ph type="sldNum" sz="quarter" idx="10"/>
+          </p:nvPr>
+        </p:nvSpPr>
+        <p:spPr/>
+        <p:txBody>
+          <a:bodyPr/>
+          <a:lstStyle/>
+          <a:p>
+            <a:fld id="{AFE7BD3E-3FA7-4F3F-AF51-37770D65EE70}" type="slidenum">
+              <a:rPr lang="zh-CN" altLang="en-US" smtClean="0"/>
+              <a:t>22</a:t>
+            </a:fld>
+            <a:endParaRPr lang="zh-CN" altLang="en-US"/>
+          </a:p>
+        </p:txBody>
+      </p:sp>
+    </p:spTree>
+    <p:extLst>
+      <p:ext uri="{BB962C8B-B14F-4D97-AF65-F5344CB8AC3E}">
+        <p14:creationId xmlns:p14="http://schemas.microsoft.com/office/powerpoint/2010/main" val="1811466415"/>
+      </p:ext>
+    </p:extLst>
+  </p:cSld>
+  <p:clrMapOvr>
+    <a:masterClrMapping/>
+  </p:clrMapOvr>
+</p:notes>
+</file>
+
+<file path=ppt/notesSlides/notesSlide22.xml><?xml version="1.0" encoding="utf-8"?>
+<p:notes xmlns:a="http://schemas.openxmlformats.org/drawingml/2006/main" xmlns:r="http://schemas.openxmlformats.org/officeDocument/2006/relationships" xmlns:p="http://schemas.openxmlformats.org/presentationml/2006/main">
+  <p:cSld>
+    <p:spTree>
+      <p:nvGrpSpPr>
+        <p:cNvPr id="1" name=""/>
+        <p:cNvGrpSpPr/>
+        <p:nvPr/>
+      </p:nvGrpSpPr>
+      <p:grpSpPr>
+        <a:xfrm>
+          <a:off x="0" y="0"/>
+          <a:ext cx="0" cy="0"/>
+          <a:chOff x="0" y="0"/>
+          <a:chExt cx="0" cy="0"/>
+        </a:xfrm>
+      </p:grpSpPr>
+      <p:sp>
+        <p:nvSpPr>
+          <p:cNvPr id="2" name="幻灯片图像占位符 1"/>
+          <p:cNvSpPr>
+            <a:spLocks noGrp="1" noRot="1" noChangeAspect="1"/>
+          </p:cNvSpPr>
+          <p:nvPr>
+            <p:ph type="sldImg"/>
+          </p:nvPr>
+        </p:nvSpPr>
+        <p:spPr/>
+      </p:sp>
+      <p:sp>
+        <p:nvSpPr>
+          <p:cNvPr id="3" name="备注占位符 2"/>
+          <p:cNvSpPr>
+            <a:spLocks noGrp="1"/>
+          </p:cNvSpPr>
+          <p:nvPr>
+            <p:ph type="body" idx="1"/>
+          </p:nvPr>
+        </p:nvSpPr>
+        <p:spPr/>
+        <p:txBody>
+          <a:bodyPr/>
+          <a:lstStyle/>
+          <a:p>
+            <a:r>
               <a:rPr lang="zh-CN" altLang="en-US" sz="1200" b="0" i="0" kern="1200" dirty="0" smtClean="0">
                 <a:solidFill>
                   <a:schemeClr val="tx1"/>
@@ -18288,6 +18412,45 @@
           <a:lstStyle/>
           <a:p>
             <a:r>
+              <a:rPr lang="en-US" altLang="zh-CN" sz="1200" i="1" kern="1200" dirty="0" smtClean="0">
+                <a:solidFill>
+                  <a:srgbClr val="FF0000"/>
+                </a:solidFill>
+                <a:effectLst/>
+                <a:latin typeface="+mn-lt"/>
+                <a:ea typeface="+mn-ea"/>
+                <a:cs typeface="+mn-cs"/>
+              </a:rPr>
+              <a:t>http://www.baeldung.com/java-8-sort-lambda</a:t>
+            </a:r>
+          </a:p>
+          <a:p>
+            <a:r>
+              <a:rPr lang="en-US" altLang="zh-CN" sz="1200" i="1" kern="1200" dirty="0" smtClean="0">
+                <a:solidFill>
+                  <a:srgbClr val="FF0000"/>
+                </a:solidFill>
+                <a:effectLst/>
+                <a:latin typeface="+mn-lt"/>
+                <a:ea typeface="+mn-ea"/>
+                <a:cs typeface="+mn-cs"/>
+              </a:rPr>
+              <a:t>http://www.open-open.com/lib/view/open1425520224212.html</a:t>
+            </a:r>
+          </a:p>
+          <a:p>
+            <a:endParaRPr lang="en-US" altLang="zh-CN" sz="1200" kern="1200" dirty="0" smtClean="0">
+              <a:solidFill>
+                <a:schemeClr val="tx1"/>
+              </a:solidFill>
+              <a:effectLst/>
+              <a:latin typeface="+mn-lt"/>
+              <a:ea typeface="+mn-ea"/>
+              <a:cs typeface="+mn-cs"/>
+            </a:endParaRPr>
+          </a:p>
+          <a:p>
+            <a:r>
               <a:rPr lang="en-US" altLang="zh-CN" sz="1200" kern="1200" dirty="0" smtClean="0">
                 <a:solidFill>
                   <a:schemeClr val="tx1"/>
@@ -23132,7 +23295,7 @@
           <a:p>
             <a:fld id="{6881BE54-57B2-41CA-B566-64094B505A1A}" type="datetimeFigureOut">
               <a:rPr lang="zh-CN" altLang="en-US" smtClean="0"/>
-              <a:t>2017/5/25</a:t>
+              <a:t>2017/5/27</a:t>
             </a:fld>
             <a:endParaRPr lang="zh-CN" altLang="en-US"/>
           </a:p>
@@ -23302,7 +23465,7 @@
           <a:p>
             <a:fld id="{6881BE54-57B2-41CA-B566-64094B505A1A}" type="datetimeFigureOut">
               <a:rPr lang="zh-CN" altLang="en-US" smtClean="0"/>
-              <a:t>2017/5/25</a:t>
+              <a:t>2017/5/27</a:t>
             </a:fld>
             <a:endParaRPr lang="zh-CN" altLang="en-US"/>
           </a:p>
@@ -23482,7 +23645,7 @@
           <a:p>
             <a:fld id="{6881BE54-57B2-41CA-B566-64094B505A1A}" type="datetimeFigureOut">
               <a:rPr lang="zh-CN" altLang="en-US" smtClean="0"/>
-              <a:t>2017/5/25</a:t>
+              <a:t>2017/5/27</a:t>
             </a:fld>
             <a:endParaRPr lang="zh-CN" altLang="en-US"/>
           </a:p>
@@ -23652,7 +23815,7 @@
           <a:p>
             <a:fld id="{6881BE54-57B2-41CA-B566-64094B505A1A}" type="datetimeFigureOut">
               <a:rPr lang="zh-CN" altLang="en-US" smtClean="0"/>
-              <a:t>2017/5/25</a:t>
+              <a:t>2017/5/27</a:t>
             </a:fld>
             <a:endParaRPr lang="zh-CN" altLang="en-US"/>
           </a:p>
@@ -23898,7 +24061,7 @@
           <a:p>
             <a:fld id="{6881BE54-57B2-41CA-B566-64094B505A1A}" type="datetimeFigureOut">
               <a:rPr lang="zh-CN" altLang="en-US" smtClean="0"/>
-              <a:t>2017/5/25</a:t>
+              <a:t>2017/5/27</a:t>
             </a:fld>
             <a:endParaRPr lang="zh-CN" altLang="en-US"/>
           </a:p>
@@ -24130,7 +24293,7 @@
           <a:p>
             <a:fld id="{6881BE54-57B2-41CA-B566-64094B505A1A}" type="datetimeFigureOut">
               <a:rPr lang="zh-CN" altLang="en-US" smtClean="0"/>
-              <a:t>2017/5/25</a:t>
+              <a:t>2017/5/27</a:t>
             </a:fld>
             <a:endParaRPr lang="zh-CN" altLang="en-US"/>
           </a:p>
@@ -24497,7 +24660,7 @@
           <a:p>
             <a:fld id="{6881BE54-57B2-41CA-B566-64094B505A1A}" type="datetimeFigureOut">
               <a:rPr lang="zh-CN" altLang="en-US" smtClean="0"/>
-              <a:t>2017/5/25</a:t>
+              <a:t>2017/5/27</a:t>
             </a:fld>
             <a:endParaRPr lang="zh-CN" altLang="en-US"/>
           </a:p>
@@ -24615,7 +24778,7 @@
           <a:p>
             <a:fld id="{6881BE54-57B2-41CA-B566-64094B505A1A}" type="datetimeFigureOut">
               <a:rPr lang="zh-CN" altLang="en-US" smtClean="0"/>
-              <a:t>2017/5/25</a:t>
+              <a:t>2017/5/27</a:t>
             </a:fld>
             <a:endParaRPr lang="zh-CN" altLang="en-US"/>
           </a:p>
@@ -24710,7 +24873,7 @@
           <a:p>
             <a:fld id="{6881BE54-57B2-41CA-B566-64094B505A1A}" type="datetimeFigureOut">
               <a:rPr lang="zh-CN" altLang="en-US" smtClean="0"/>
-              <a:t>2017/5/25</a:t>
+              <a:t>2017/5/27</a:t>
             </a:fld>
             <a:endParaRPr lang="zh-CN" altLang="en-US"/>
           </a:p>
@@ -24987,7 +25150,7 @@
           <a:p>
             <a:fld id="{6881BE54-57B2-41CA-B566-64094B505A1A}" type="datetimeFigureOut">
               <a:rPr lang="zh-CN" altLang="en-US" smtClean="0"/>
-              <a:t>2017/5/25</a:t>
+              <a:t>2017/5/27</a:t>
             </a:fld>
             <a:endParaRPr lang="zh-CN" altLang="en-US"/>
           </a:p>
@@ -25240,7 +25403,7 @@
           <a:p>
             <a:fld id="{6881BE54-57B2-41CA-B566-64094B505A1A}" type="datetimeFigureOut">
               <a:rPr lang="zh-CN" altLang="en-US" smtClean="0"/>
-              <a:t>2017/5/25</a:t>
+              <a:t>2017/5/27</a:t>
             </a:fld>
             <a:endParaRPr lang="zh-CN" altLang="en-US"/>
           </a:p>
@@ -25483,7 +25646,7 @@
           <a:p>
             <a:fld id="{6881BE54-57B2-41CA-B566-64094B505A1A}" type="datetimeFigureOut">
               <a:rPr lang="zh-CN" altLang="en-US" smtClean="0"/>
-              <a:t>2017/5/25</a:t>
+              <a:t>2017/5/27</a:t>
             </a:fld>
             <a:endParaRPr lang="zh-CN" altLang="en-US"/>
           </a:p>
@@ -27074,7 +27237,7 @@
           <a:graphicData uri="http://schemas.openxmlformats.org/presentationml/2006/ole">
             <mc:AlternateContent xmlns:mc="http://schemas.openxmlformats.org/markup-compatibility/2006">
               <mc:Choice xmlns:v="urn:schemas-microsoft-com:vml" Requires="v">
-                <p:oleObj spid="_x0000_s3040" name="包装程序外壳对象" showAsIcon="1" r:id="rId4" imgW="846720" imgH="571320" progId="Package">
+                <p:oleObj spid="_x0000_s3088" name="包装程序外壳对象" showAsIcon="1" r:id="rId4" imgW="846720" imgH="571320" progId="Package">
                   <p:embed/>
                 </p:oleObj>
               </mc:Choice>
@@ -27131,7 +27294,7 @@
           <a:graphicData uri="http://schemas.openxmlformats.org/presentationml/2006/ole">
             <mc:AlternateContent xmlns:mc="http://schemas.openxmlformats.org/markup-compatibility/2006">
               <mc:Choice xmlns:v="urn:schemas-microsoft-com:vml" Requires="v">
-                <p:oleObj spid="_x0000_s3041" name="包装程序外壳对象" showAsIcon="1" r:id="rId6" imgW="2050200" imgH="571320" progId="Package">
+                <p:oleObj spid="_x0000_s3089" name="包装程序外壳对象" showAsIcon="1" r:id="rId6" imgW="2050200" imgH="571320" progId="Package">
                   <p:embed/>
                 </p:oleObj>
               </mc:Choice>
@@ -31784,25 +31947,6 @@
       </p:grpSpPr>
       <p:sp>
         <p:nvSpPr>
-          <p:cNvPr id="2" name="标题 1"/>
-          <p:cNvSpPr>
-            <a:spLocks noGrp="1"/>
-          </p:cNvSpPr>
-          <p:nvPr>
-            <p:ph type="title"/>
-          </p:nvPr>
-        </p:nvSpPr>
-        <p:spPr/>
-        <p:txBody>
-          <a:bodyPr/>
-          <a:lstStyle/>
-          <a:p>
-            <a:endParaRPr lang="zh-CN" altLang="en-US" dirty="0"/>
-          </a:p>
-        </p:txBody>
-      </p:sp>
-      <p:sp>
-        <p:nvSpPr>
           <p:cNvPr id="3" name="内容占位符 2"/>
           <p:cNvSpPr>
             <a:spLocks noGrp="1"/>
@@ -31811,7 +31955,12 @@
             <p:ph idx="1"/>
           </p:nvPr>
         </p:nvSpPr>
-        <p:spPr/>
+        <p:spPr>
+          <a:xfrm>
+            <a:off x="773805" y="576374"/>
+            <a:ext cx="10515600" cy="5798668"/>
+          </a:xfrm>
+        </p:spPr>
         <p:txBody>
           <a:bodyPr>
             <a:normAutofit/>
@@ -31819,209 +31968,209 @@
           <a:lstStyle/>
           <a:p>
             <a:r>
+              <a:rPr lang="en-US" altLang="zh-CN" sz="2400" dirty="0"/>
+              <a:t>Stream</a:t>
+            </a:r>
+            <a:r>
+              <a:rPr lang="zh-CN" altLang="en-US" sz="2400" dirty="0"/>
+              <a:t>的操作</a:t>
+            </a:r>
+            <a:r>
+              <a:rPr lang="zh-CN" altLang="en-US" sz="2400" dirty="0" smtClean="0"/>
+              <a:t>类型</a:t>
+            </a:r>
+            <a:endParaRPr lang="en-US" altLang="zh-CN" sz="2400" dirty="0" smtClean="0"/>
+          </a:p>
+          <a:p>
+            <a:pPr lvl="1"/>
+            <a:r>
               <a:rPr lang="en-US" altLang="zh-CN" sz="2000" dirty="0"/>
               <a:t>Stream</a:t>
             </a:r>
             <a:r>
               <a:rPr lang="zh-CN" altLang="en-US" sz="2000" dirty="0"/>
-              <a:t>的操作</a:t>
+              <a:t>有两种类型的操作：</a:t>
+            </a:r>
+            <a:r>
+              <a:rPr lang="en-US" altLang="zh-CN" sz="2000" dirty="0"/>
+              <a:t>Intermediate</a:t>
+            </a:r>
+            <a:r>
+              <a:rPr lang="zh-CN" altLang="en-US" sz="2000" dirty="0"/>
+              <a:t>操作和</a:t>
+            </a:r>
+            <a:r>
+              <a:rPr lang="en-US" altLang="zh-CN" sz="2000" dirty="0"/>
+              <a:t>Terminal</a:t>
+            </a:r>
+            <a:r>
+              <a:rPr lang="zh-CN" altLang="en-US" sz="2000" dirty="0"/>
+              <a:t>操作</a:t>
             </a:r>
             <a:r>
               <a:rPr lang="zh-CN" altLang="en-US" sz="2000" dirty="0" smtClean="0"/>
-              <a:t>类型</a:t>
+              <a:t>。</a:t>
             </a:r>
             <a:endParaRPr lang="en-US" altLang="zh-CN" sz="2000" dirty="0" smtClean="0"/>
           </a:p>
           <a:p>
             <a:pPr lvl="1"/>
             <a:r>
-              <a:rPr lang="en-US" altLang="zh-CN" sz="1600" dirty="0"/>
+              <a:rPr lang="en-US" altLang="zh-CN" sz="2000" dirty="0"/>
+              <a:t>Intermediate</a:t>
+            </a:r>
+            <a:r>
+              <a:rPr lang="zh-CN" altLang="en-US" sz="2000" dirty="0"/>
+              <a:t>（中间操作</a:t>
+            </a:r>
+            <a:r>
+              <a:rPr lang="zh-CN" altLang="en-US" sz="2000" dirty="0" smtClean="0"/>
+              <a:t>）</a:t>
+            </a:r>
+            <a:endParaRPr lang="en-US" altLang="zh-CN" sz="2000" dirty="0" smtClean="0"/>
+          </a:p>
+          <a:p>
+            <a:pPr lvl="2"/>
+            <a:r>
+              <a:rPr lang="en-US" altLang="zh-CN" dirty="0"/>
               <a:t>Stream</a:t>
             </a:r>
             <a:r>
-              <a:rPr lang="zh-CN" altLang="en-US" sz="1600" dirty="0"/>
-              <a:t>有两种类型的操作：</a:t>
-            </a:r>
-            <a:r>
-              <a:rPr lang="en-US" altLang="zh-CN" sz="1600" dirty="0"/>
+              <a:rPr lang="zh-CN" altLang="en-US" dirty="0"/>
+              <a:t>可以进行多次的</a:t>
+            </a:r>
+            <a:r>
+              <a:rPr lang="en-US" altLang="zh-CN" dirty="0"/>
               <a:t>Intermediate</a:t>
             </a:r>
             <a:r>
-              <a:rPr lang="zh-CN" altLang="en-US" sz="1600" dirty="0"/>
-              <a:t>操作和</a:t>
-            </a:r>
-            <a:r>
-              <a:rPr lang="en-US" altLang="zh-CN" sz="1600" dirty="0"/>
+              <a:rPr lang="zh-CN" altLang="en-US" dirty="0"/>
+              <a:t>操作，如前面开头的那个例子，其中</a:t>
+            </a:r>
+            <a:r>
+              <a:rPr lang="en-US" altLang="zh-CN" dirty="0"/>
+              <a:t>filter</a:t>
+            </a:r>
+            <a:r>
+              <a:rPr lang="zh-CN" altLang="en-US" dirty="0"/>
+              <a:t>、</a:t>
+            </a:r>
+            <a:r>
+              <a:rPr lang="en-US" altLang="zh-CN" dirty="0"/>
+              <a:t>map</a:t>
+            </a:r>
+            <a:r>
+              <a:rPr lang="zh-CN" altLang="en-US" dirty="0"/>
+              <a:t>、</a:t>
+            </a:r>
+            <a:r>
+              <a:rPr lang="en-US" altLang="zh-CN" dirty="0"/>
+              <a:t>sorted</a:t>
+            </a:r>
+            <a:r>
+              <a:rPr lang="zh-CN" altLang="en-US" dirty="0"/>
+              <a:t>都是</a:t>
+            </a:r>
+            <a:r>
+              <a:rPr lang="en-US" altLang="zh-CN" dirty="0"/>
+              <a:t>Intermediate</a:t>
+            </a:r>
+            <a:r>
+              <a:rPr lang="zh-CN" altLang="en-US" dirty="0"/>
+              <a:t>操作，注意该操作是惰性化的，当调用到该方法的时候，并没有真正开始</a:t>
+            </a:r>
+            <a:r>
+              <a:rPr lang="en-US" altLang="zh-CN" dirty="0"/>
+              <a:t>Stream</a:t>
+            </a:r>
+            <a:r>
+              <a:rPr lang="zh-CN" altLang="en-US" dirty="0"/>
+              <a:t>的遍历。</a:t>
+            </a:r>
+          </a:p>
+          <a:p>
+            <a:pPr lvl="1"/>
+            <a:r>
+              <a:rPr lang="en-US" altLang="zh-CN" sz="2000" dirty="0"/>
               <a:t>Terminal</a:t>
             </a:r>
             <a:r>
-              <a:rPr lang="zh-CN" altLang="en-US" sz="1600" dirty="0"/>
-              <a:t>操作</a:t>
-            </a:r>
-            <a:r>
-              <a:rPr lang="zh-CN" altLang="en-US" sz="1600" dirty="0" smtClean="0"/>
+              <a:rPr lang="zh-CN" altLang="en-US" sz="2000" dirty="0"/>
+              <a:t>（结束操作</a:t>
+            </a:r>
+            <a:r>
+              <a:rPr lang="zh-CN" altLang="en-US" sz="2000" dirty="0" smtClean="0"/>
+              <a:t>）</a:t>
+            </a:r>
+            <a:endParaRPr lang="en-US" altLang="zh-CN" sz="2000" dirty="0" smtClean="0"/>
+          </a:p>
+          <a:p>
+            <a:pPr lvl="2"/>
+            <a:r>
+              <a:rPr lang="zh-CN" altLang="en-US" dirty="0"/>
+              <a:t>一个</a:t>
+            </a:r>
+            <a:r>
+              <a:rPr lang="en-US" altLang="zh-CN" dirty="0"/>
+              <a:t>Stream</a:t>
+            </a:r>
+            <a:r>
+              <a:rPr lang="zh-CN" altLang="en-US" dirty="0"/>
+              <a:t>只有一个</a:t>
+            </a:r>
+            <a:r>
+              <a:rPr lang="en-US" altLang="zh-CN" dirty="0"/>
+              <a:t>Terminal</a:t>
+            </a:r>
+            <a:r>
+              <a:rPr lang="zh-CN" altLang="en-US" dirty="0"/>
+              <a:t>操作，如前面开头的那个例子，其中</a:t>
+            </a:r>
+            <a:r>
+              <a:rPr lang="en-US" altLang="zh-CN" dirty="0" err="1"/>
+              <a:t>forEach</a:t>
+            </a:r>
+            <a:r>
+              <a:rPr lang="zh-CN" altLang="en-US" dirty="0"/>
+              <a:t>就是</a:t>
+            </a:r>
+            <a:r>
+              <a:rPr lang="en-US" altLang="zh-CN" dirty="0"/>
+              <a:t>Terminal</a:t>
+            </a:r>
+            <a:r>
+              <a:rPr lang="zh-CN" altLang="en-US" dirty="0"/>
+              <a:t>操作，</a:t>
+            </a:r>
+            <a:r>
+              <a:rPr lang="en-US" altLang="zh-CN" dirty="0"/>
+              <a:t>Terminal</a:t>
+            </a:r>
+            <a:r>
+              <a:rPr lang="zh-CN" altLang="en-US" dirty="0"/>
+              <a:t>操作是</a:t>
+            </a:r>
+            <a:r>
+              <a:rPr lang="en-US" altLang="zh-CN" dirty="0"/>
+              <a:t>Stream</a:t>
+            </a:r>
+            <a:r>
+              <a:rPr lang="zh-CN" altLang="en-US" dirty="0"/>
+              <a:t>的最后一个操作，这时候才会开始</a:t>
+            </a:r>
+            <a:r>
+              <a:rPr lang="en-US" altLang="zh-CN" dirty="0"/>
+              <a:t>Stream</a:t>
+            </a:r>
+            <a:r>
+              <a:rPr lang="zh-CN" altLang="en-US" dirty="0"/>
+              <a:t>的遍历</a:t>
+            </a:r>
+            <a:r>
+              <a:rPr lang="zh-CN" altLang="en-US" dirty="0" smtClean="0"/>
               <a:t>。</a:t>
             </a:r>
-            <a:endParaRPr lang="en-US" altLang="zh-CN" sz="1600" dirty="0" smtClean="0"/>
-          </a:p>
-          <a:p>
-            <a:pPr lvl="1"/>
-            <a:r>
-              <a:rPr lang="en-US" altLang="zh-CN" sz="1600" dirty="0"/>
-              <a:t>Intermediate</a:t>
-            </a:r>
-            <a:r>
-              <a:rPr lang="zh-CN" altLang="en-US" sz="1600" dirty="0"/>
-              <a:t>（中间操作</a:t>
-            </a:r>
-            <a:r>
-              <a:rPr lang="zh-CN" altLang="en-US" sz="1600" dirty="0" smtClean="0"/>
-              <a:t>）</a:t>
-            </a:r>
-            <a:endParaRPr lang="en-US" altLang="zh-CN" sz="1600" dirty="0" smtClean="0"/>
-          </a:p>
-          <a:p>
-            <a:pPr lvl="2"/>
-            <a:r>
-              <a:rPr lang="en-US" altLang="zh-CN" sz="1200" dirty="0"/>
-              <a:t>Stream</a:t>
-            </a:r>
-            <a:r>
-              <a:rPr lang="zh-CN" altLang="en-US" sz="1200" dirty="0"/>
-              <a:t>可以进行多次的</a:t>
-            </a:r>
-            <a:r>
-              <a:rPr lang="en-US" altLang="zh-CN" sz="1200" dirty="0"/>
-              <a:t>Intermediate</a:t>
-            </a:r>
-            <a:r>
-              <a:rPr lang="zh-CN" altLang="en-US" sz="1200" dirty="0"/>
-              <a:t>操作，如前面开头的那个例子，其中</a:t>
-            </a:r>
-            <a:r>
-              <a:rPr lang="en-US" altLang="zh-CN" sz="1200" dirty="0"/>
-              <a:t>filter</a:t>
-            </a:r>
-            <a:r>
-              <a:rPr lang="zh-CN" altLang="en-US" sz="1200" dirty="0"/>
-              <a:t>、</a:t>
-            </a:r>
-            <a:r>
-              <a:rPr lang="en-US" altLang="zh-CN" sz="1200" dirty="0"/>
-              <a:t>map</a:t>
-            </a:r>
-            <a:r>
-              <a:rPr lang="zh-CN" altLang="en-US" sz="1200" dirty="0"/>
-              <a:t>、</a:t>
-            </a:r>
-            <a:r>
-              <a:rPr lang="en-US" altLang="zh-CN" sz="1200" dirty="0"/>
-              <a:t>sorted</a:t>
-            </a:r>
-            <a:r>
-              <a:rPr lang="zh-CN" altLang="en-US" sz="1200" dirty="0"/>
-              <a:t>都是</a:t>
-            </a:r>
-            <a:r>
-              <a:rPr lang="en-US" altLang="zh-CN" sz="1200" dirty="0"/>
-              <a:t>Intermediate</a:t>
-            </a:r>
-            <a:r>
-              <a:rPr lang="zh-CN" altLang="en-US" sz="1200" dirty="0"/>
-              <a:t>操作，注意该操作是惰性化的，当调用到该方法的时候，并没有真正开始</a:t>
-            </a:r>
-            <a:r>
-              <a:rPr lang="en-US" altLang="zh-CN" sz="1200" dirty="0"/>
-              <a:t>Stream</a:t>
-            </a:r>
-            <a:r>
-              <a:rPr lang="zh-CN" altLang="en-US" sz="1200" dirty="0"/>
-              <a:t>的遍历。</a:t>
-            </a:r>
-          </a:p>
-          <a:p>
-            <a:pPr lvl="1"/>
-            <a:r>
-              <a:rPr lang="en-US" altLang="zh-CN" sz="1600" dirty="0"/>
-              <a:t>Terminal</a:t>
-            </a:r>
-            <a:r>
-              <a:rPr lang="zh-CN" altLang="en-US" sz="1600" dirty="0"/>
-              <a:t>（结束操作</a:t>
-            </a:r>
-            <a:r>
-              <a:rPr lang="zh-CN" altLang="en-US" sz="1600" dirty="0" smtClean="0"/>
-              <a:t>）</a:t>
-            </a:r>
-            <a:endParaRPr lang="en-US" altLang="zh-CN" sz="1600" dirty="0" smtClean="0"/>
-          </a:p>
-          <a:p>
-            <a:pPr lvl="2"/>
-            <a:r>
-              <a:rPr lang="zh-CN" altLang="en-US" sz="1200" dirty="0"/>
-              <a:t>一个</a:t>
-            </a:r>
-            <a:r>
-              <a:rPr lang="en-US" altLang="zh-CN" sz="1200" dirty="0"/>
-              <a:t>Stream</a:t>
-            </a:r>
-            <a:r>
-              <a:rPr lang="zh-CN" altLang="en-US" sz="1200" dirty="0"/>
-              <a:t>只有一个</a:t>
-            </a:r>
-            <a:r>
-              <a:rPr lang="en-US" altLang="zh-CN" sz="1200" dirty="0"/>
-              <a:t>Terminal</a:t>
-            </a:r>
-            <a:r>
-              <a:rPr lang="zh-CN" altLang="en-US" sz="1200" dirty="0"/>
-              <a:t>操作，如前面开头的那个例子，其中</a:t>
-            </a:r>
-            <a:r>
-              <a:rPr lang="en-US" altLang="zh-CN" sz="1200" dirty="0" err="1"/>
-              <a:t>forEach</a:t>
-            </a:r>
-            <a:r>
-              <a:rPr lang="zh-CN" altLang="en-US" sz="1200" dirty="0"/>
-              <a:t>就是</a:t>
-            </a:r>
-            <a:r>
-              <a:rPr lang="en-US" altLang="zh-CN" sz="1200" dirty="0"/>
-              <a:t>Terminal</a:t>
-            </a:r>
-            <a:r>
-              <a:rPr lang="zh-CN" altLang="en-US" sz="1200" dirty="0"/>
-              <a:t>操作，</a:t>
-            </a:r>
-            <a:r>
-              <a:rPr lang="en-US" altLang="zh-CN" sz="1200" dirty="0"/>
-              <a:t>Terminal</a:t>
-            </a:r>
-            <a:r>
-              <a:rPr lang="zh-CN" altLang="en-US" sz="1200" dirty="0"/>
-              <a:t>操作是</a:t>
-            </a:r>
-            <a:r>
-              <a:rPr lang="en-US" altLang="zh-CN" sz="1200" dirty="0"/>
-              <a:t>Stream</a:t>
-            </a:r>
-            <a:r>
-              <a:rPr lang="zh-CN" altLang="en-US" sz="1200" dirty="0"/>
-              <a:t>的最后一个操作，这时候才会开始</a:t>
-            </a:r>
-            <a:r>
-              <a:rPr lang="en-US" altLang="zh-CN" sz="1200" dirty="0"/>
-              <a:t>Stream</a:t>
-            </a:r>
-            <a:r>
-              <a:rPr lang="zh-CN" altLang="en-US" sz="1200" dirty="0"/>
-              <a:t>的遍历</a:t>
-            </a:r>
-            <a:r>
-              <a:rPr lang="zh-CN" altLang="en-US" sz="1200" dirty="0" smtClean="0"/>
-              <a:t>。</a:t>
-            </a:r>
-            <a:endParaRPr lang="en-US" altLang="zh-CN" sz="1200" dirty="0" smtClean="0"/>
+            <a:endParaRPr lang="en-US" altLang="zh-CN" dirty="0" smtClean="0"/>
           </a:p>
           <a:p>
             <a:r>
@@ -32074,23 +32223,51 @@
             </a:r>
             <a:r>
               <a:rPr lang="zh-CN" altLang="en-US" sz="2000" dirty="0"/>
-              <a:t>循环里把所有操作都做掉的总和吗？其实不是这样的，转换操作都是 </a:t>
-            </a:r>
-            <a:r>
-              <a:rPr lang="en-US" altLang="zh-CN" sz="2000" dirty="0"/>
+              <a:t>循环里把所有操作都做掉的总和吗？</a:t>
+            </a:r>
+            <a:r>
+              <a:rPr lang="zh-CN" altLang="en-US" sz="2000" dirty="0">
+                <a:solidFill>
+                  <a:srgbClr val="FF0000"/>
+                </a:solidFill>
+              </a:rPr>
+              <a:t>其实不是这样的，转换操作都是 </a:t>
+            </a:r>
+            <a:r>
+              <a:rPr lang="en-US" altLang="zh-CN" sz="2000" dirty="0">
+                <a:solidFill>
+                  <a:srgbClr val="FF0000"/>
+                </a:solidFill>
+              </a:rPr>
               <a:t>lazy </a:t>
             </a:r>
             <a:r>
+              <a:rPr lang="zh-CN" altLang="en-US" sz="2000" dirty="0">
+                <a:solidFill>
+                  <a:srgbClr val="FF0000"/>
+                </a:solidFill>
+              </a:rPr>
+              <a:t>的，多个转换操作只会在 </a:t>
+            </a:r>
+            <a:r>
+              <a:rPr lang="en-US" altLang="zh-CN" sz="2000" dirty="0">
+                <a:solidFill>
+                  <a:srgbClr val="FF0000"/>
+                </a:solidFill>
+              </a:rPr>
+              <a:t>Terminal </a:t>
+            </a:r>
+            <a:r>
+              <a:rPr lang="zh-CN" altLang="en-US" sz="2000" dirty="0">
+                <a:solidFill>
+                  <a:srgbClr val="FF0000"/>
+                </a:solidFill>
+              </a:rPr>
+              <a:t>操作的时候融合起来，一次循环完成</a:t>
+            </a:r>
+            <a:r>
               <a:rPr lang="zh-CN" altLang="en-US" sz="2000" dirty="0"/>
-              <a:t>的，多个转换操作只会在 </a:t>
-            </a:r>
-            <a:r>
-              <a:rPr lang="en-US" altLang="zh-CN" sz="2000" dirty="0"/>
-              <a:t>Terminal </a:t>
-            </a:r>
-            <a:r>
-              <a:rPr lang="zh-CN" altLang="en-US" sz="2000" dirty="0"/>
-              <a:t>操作的时候融合起来，一次循环完成。我们可以这样简单的理解，</a:t>
+              <a:t>。我们可以这样简单的理解，</a:t>
             </a:r>
             <a:r>
               <a:rPr lang="en-US" altLang="zh-CN" sz="2000" dirty="0"/>
